--- a/img/13_causal_inference/03_dags/dags.pptx
+++ b/img/13_causal_inference/03_dags/dags.pptx
@@ -5,21 +5,15 @@
     <p:sldMasterId id="2147483648" r:id="rId4"/>
   </p:sldMasterIdLst>
   <p:notesMasterIdLst>
-    <p:notesMasterId r:id="rId17"/>
+    <p:notesMasterId r:id="rId11"/>
   </p:notesMasterIdLst>
   <p:sldIdLst>
-    <p:sldId id="288" r:id="rId5"/>
-    <p:sldId id="289" r:id="rId6"/>
-    <p:sldId id="290" r:id="rId7"/>
-    <p:sldId id="291" r:id="rId8"/>
-    <p:sldId id="608" r:id="rId9"/>
-    <p:sldId id="292" r:id="rId10"/>
-    <p:sldId id="293" r:id="rId11"/>
-    <p:sldId id="294" r:id="rId12"/>
-    <p:sldId id="295" r:id="rId13"/>
-    <p:sldId id="296" r:id="rId14"/>
-    <p:sldId id="297" r:id="rId15"/>
-    <p:sldId id="298" r:id="rId16"/>
+    <p:sldId id="289" r:id="rId5"/>
+    <p:sldId id="290" r:id="rId6"/>
+    <p:sldId id="295" r:id="rId7"/>
+    <p:sldId id="296" r:id="rId8"/>
+    <p:sldId id="297" r:id="rId9"/>
+    <p:sldId id="298" r:id="rId10"/>
   </p:sldIdLst>
   <p:sldSz cx="12192000" cy="6858000"/>
   <p:notesSz cx="6858000" cy="9144000"/>
@@ -823,7 +817,7 @@
           <a:p>
             <a:fld id="{E91DE993-E6A3-E849-86E1-AFF47A1BBBDD}" type="datetimeFigureOut">
               <a:rPr lang="en-US" smtClean="0"/>
-              <a:t>10/6/23</a:t>
+              <a:t>10/9/23</a:t>
             </a:fld>
             <a:endParaRPr lang="en-US"/>
           </a:p>
@@ -1136,7 +1130,7 @@
           <a:p>
             <a:r>
               <a:rPr lang="en-US" dirty="0" err="1"/>
-              <a:t>simple_dag</a:t>
+              <a:t>nodes_and_edges</a:t>
             </a:r>
             <a:endParaRPr lang="en-US" dirty="0"/>
           </a:p>
@@ -1168,268 +1162,7 @@
     </p:spTree>
     <p:extLst>
       <p:ext uri="{BB962C8B-B14F-4D97-AF65-F5344CB8AC3E}">
-        <p14:creationId xmlns:p14="http://schemas.microsoft.com/office/powerpoint/2010/main" val="2431743755"/>
-      </p:ext>
-    </p:extLst>
-  </p:cSld>
-  <p:clrMapOvr>
-    <a:masterClrMapping/>
-  </p:clrMapOvr>
-</p:notes>
-</file>
-
-<file path=ppt/notesSlides/notesSlide10.xml><?xml version="1.0" encoding="utf-8"?>
-<p:notes xmlns:a="http://schemas.openxmlformats.org/drawingml/2006/main" xmlns:r="http://schemas.openxmlformats.org/officeDocument/2006/relationships" xmlns:p="http://schemas.openxmlformats.org/presentationml/2006/main">
-  <p:cSld>
-    <p:spTree>
-      <p:nvGrpSpPr>
-        <p:cNvPr id="1" name=""/>
-        <p:cNvGrpSpPr/>
-        <p:nvPr/>
-      </p:nvGrpSpPr>
-      <p:grpSpPr>
-        <a:xfrm>
-          <a:off x="0" y="0"/>
-          <a:ext cx="0" cy="0"/>
-          <a:chOff x="0" y="0"/>
-          <a:chExt cx="0" cy="0"/>
-        </a:xfrm>
-      </p:grpSpPr>
-      <p:sp>
-        <p:nvSpPr>
-          <p:cNvPr id="2" name="Slide Image Placeholder 1"/>
-          <p:cNvSpPr>
-            <a:spLocks noGrp="1" noRot="1" noChangeAspect="1"/>
-          </p:cNvSpPr>
-          <p:nvPr>
-            <p:ph type="sldImg"/>
-          </p:nvPr>
-        </p:nvSpPr>
-        <p:spPr/>
-      </p:sp>
-      <p:sp>
-        <p:nvSpPr>
-          <p:cNvPr id="3" name="Notes Placeholder 2"/>
-          <p:cNvSpPr>
-            <a:spLocks noGrp="1"/>
-          </p:cNvSpPr>
-          <p:nvPr>
-            <p:ph type="body" idx="1"/>
-          </p:nvPr>
-        </p:nvSpPr>
-        <p:spPr/>
-        <p:txBody>
-          <a:bodyPr/>
-          <a:lstStyle/>
-          <a:p>
-            <a:r>
-              <a:rPr lang="en-US" dirty="0"/>
-              <a:t>d_separation_02</a:t>
-            </a:r>
-          </a:p>
-        </p:txBody>
-      </p:sp>
-      <p:sp>
-        <p:nvSpPr>
-          <p:cNvPr id="4" name="Slide Number Placeholder 3"/>
-          <p:cNvSpPr>
-            <a:spLocks noGrp="1"/>
-          </p:cNvSpPr>
-          <p:nvPr>
-            <p:ph type="sldNum" sz="quarter" idx="5"/>
-          </p:nvPr>
-        </p:nvSpPr>
-        <p:spPr/>
-        <p:txBody>
-          <a:bodyPr/>
-          <a:lstStyle/>
-          <a:p>
-            <a:fld id="{A04CC895-3B19-1948-8213-A5CD87C5981C}" type="slidenum">
-              <a:rPr lang="en-US" smtClean="0"/>
-              <a:t>10</a:t>
-            </a:fld>
-            <a:endParaRPr lang="en-US"/>
-          </a:p>
-        </p:txBody>
-      </p:sp>
-    </p:spTree>
-    <p:extLst>
-      <p:ext uri="{BB962C8B-B14F-4D97-AF65-F5344CB8AC3E}">
-        <p14:creationId xmlns:p14="http://schemas.microsoft.com/office/powerpoint/2010/main" val="6411207"/>
-      </p:ext>
-    </p:extLst>
-  </p:cSld>
-  <p:clrMapOvr>
-    <a:masterClrMapping/>
-  </p:clrMapOvr>
-</p:notes>
-</file>
-
-<file path=ppt/notesSlides/notesSlide11.xml><?xml version="1.0" encoding="utf-8"?>
-<p:notes xmlns:a="http://schemas.openxmlformats.org/drawingml/2006/main" xmlns:r="http://schemas.openxmlformats.org/officeDocument/2006/relationships" xmlns:p="http://schemas.openxmlformats.org/presentationml/2006/main">
-  <p:cSld>
-    <p:spTree>
-      <p:nvGrpSpPr>
-        <p:cNvPr id="1" name=""/>
-        <p:cNvGrpSpPr/>
-        <p:nvPr/>
-      </p:nvGrpSpPr>
-      <p:grpSpPr>
-        <a:xfrm>
-          <a:off x="0" y="0"/>
-          <a:ext cx="0" cy="0"/>
-          <a:chOff x="0" y="0"/>
-          <a:chExt cx="0" cy="0"/>
-        </a:xfrm>
-      </p:grpSpPr>
-      <p:sp>
-        <p:nvSpPr>
-          <p:cNvPr id="2" name="Slide Image Placeholder 1"/>
-          <p:cNvSpPr>
-            <a:spLocks noGrp="1" noRot="1" noChangeAspect="1"/>
-          </p:cNvSpPr>
-          <p:nvPr>
-            <p:ph type="sldImg"/>
-          </p:nvPr>
-        </p:nvSpPr>
-        <p:spPr/>
-      </p:sp>
-      <p:sp>
-        <p:nvSpPr>
-          <p:cNvPr id="3" name="Notes Placeholder 2"/>
-          <p:cNvSpPr>
-            <a:spLocks noGrp="1"/>
-          </p:cNvSpPr>
-          <p:nvPr>
-            <p:ph type="body" idx="1"/>
-          </p:nvPr>
-        </p:nvSpPr>
-        <p:spPr/>
-        <p:txBody>
-          <a:bodyPr/>
-          <a:lstStyle/>
-          <a:p>
-            <a:r>
-              <a:rPr lang="en-US" dirty="0"/>
-              <a:t>d_separation_03</a:t>
-            </a:r>
-          </a:p>
-        </p:txBody>
-      </p:sp>
-      <p:sp>
-        <p:nvSpPr>
-          <p:cNvPr id="4" name="Slide Number Placeholder 3"/>
-          <p:cNvSpPr>
-            <a:spLocks noGrp="1"/>
-          </p:cNvSpPr>
-          <p:nvPr>
-            <p:ph type="sldNum" sz="quarter" idx="5"/>
-          </p:nvPr>
-        </p:nvSpPr>
-        <p:spPr/>
-        <p:txBody>
-          <a:bodyPr/>
-          <a:lstStyle/>
-          <a:p>
-            <a:fld id="{A04CC895-3B19-1948-8213-A5CD87C5981C}" type="slidenum">
-              <a:rPr lang="en-US" smtClean="0"/>
-              <a:t>11</a:t>
-            </a:fld>
-            <a:endParaRPr lang="en-US"/>
-          </a:p>
-        </p:txBody>
-      </p:sp>
-    </p:spTree>
-    <p:extLst>
-      <p:ext uri="{BB962C8B-B14F-4D97-AF65-F5344CB8AC3E}">
-        <p14:creationId xmlns:p14="http://schemas.microsoft.com/office/powerpoint/2010/main" val="1239819433"/>
-      </p:ext>
-    </p:extLst>
-  </p:cSld>
-  <p:clrMapOvr>
-    <a:masterClrMapping/>
-  </p:clrMapOvr>
-</p:notes>
-</file>
-
-<file path=ppt/notesSlides/notesSlide12.xml><?xml version="1.0" encoding="utf-8"?>
-<p:notes xmlns:a="http://schemas.openxmlformats.org/drawingml/2006/main" xmlns:r="http://schemas.openxmlformats.org/officeDocument/2006/relationships" xmlns:p="http://schemas.openxmlformats.org/presentationml/2006/main">
-  <p:cSld>
-    <p:spTree>
-      <p:nvGrpSpPr>
-        <p:cNvPr id="1" name=""/>
-        <p:cNvGrpSpPr/>
-        <p:nvPr/>
-      </p:nvGrpSpPr>
-      <p:grpSpPr>
-        <a:xfrm>
-          <a:off x="0" y="0"/>
-          <a:ext cx="0" cy="0"/>
-          <a:chOff x="0" y="0"/>
-          <a:chExt cx="0" cy="0"/>
-        </a:xfrm>
-      </p:grpSpPr>
-      <p:sp>
-        <p:nvSpPr>
-          <p:cNvPr id="2" name="Slide Image Placeholder 1"/>
-          <p:cNvSpPr>
-            <a:spLocks noGrp="1" noRot="1" noChangeAspect="1"/>
-          </p:cNvSpPr>
-          <p:nvPr>
-            <p:ph type="sldImg"/>
-          </p:nvPr>
-        </p:nvSpPr>
-        <p:spPr/>
-      </p:sp>
-      <p:sp>
-        <p:nvSpPr>
-          <p:cNvPr id="3" name="Notes Placeholder 2"/>
-          <p:cNvSpPr>
-            <a:spLocks noGrp="1"/>
-          </p:cNvSpPr>
-          <p:nvPr>
-            <p:ph type="body" idx="1"/>
-          </p:nvPr>
-        </p:nvSpPr>
-        <p:spPr/>
-        <p:txBody>
-          <a:bodyPr/>
-          <a:lstStyle/>
-          <a:p>
-            <a:r>
-              <a:rPr lang="en-US" dirty="0"/>
-              <a:t>d_separation_04</a:t>
-            </a:r>
-          </a:p>
-        </p:txBody>
-      </p:sp>
-      <p:sp>
-        <p:nvSpPr>
-          <p:cNvPr id="4" name="Slide Number Placeholder 3"/>
-          <p:cNvSpPr>
-            <a:spLocks noGrp="1"/>
-          </p:cNvSpPr>
-          <p:nvPr>
-            <p:ph type="sldNum" sz="quarter" idx="5"/>
-          </p:nvPr>
-        </p:nvSpPr>
-        <p:spPr/>
-        <p:txBody>
-          <a:bodyPr/>
-          <a:lstStyle/>
-          <a:p>
-            <a:fld id="{A04CC895-3B19-1948-8213-A5CD87C5981C}" type="slidenum">
-              <a:rPr lang="en-US" smtClean="0"/>
-              <a:t>12</a:t>
-            </a:fld>
-            <a:endParaRPr lang="en-US"/>
-          </a:p>
-        </p:txBody>
-      </p:sp>
-    </p:spTree>
-    <p:extLst>
-      <p:ext uri="{BB962C8B-B14F-4D97-AF65-F5344CB8AC3E}">
-        <p14:creationId xmlns:p14="http://schemas.microsoft.com/office/powerpoint/2010/main" val="3657253927"/>
+        <p14:creationId xmlns:p14="http://schemas.microsoft.com/office/powerpoint/2010/main" val="3621549758"/>
       </p:ext>
     </p:extLst>
   </p:cSld>
@@ -1484,10 +1217,9 @@
           <a:lstStyle/>
           <a:p>
             <a:r>
-              <a:rPr lang="en-US" dirty="0" err="1"/>
-              <a:t>nodes_and_edges</a:t>
-            </a:r>
-            <a:endParaRPr lang="en-US" dirty="0"/>
+              <a:rPr lang="en-US" dirty="0"/>
+              <a:t>descendants</a:t>
+            </a:r>
           </a:p>
         </p:txBody>
       </p:sp>
@@ -1517,7 +1249,7 @@
     </p:spTree>
     <p:extLst>
       <p:ext uri="{BB962C8B-B14F-4D97-AF65-F5344CB8AC3E}">
-        <p14:creationId xmlns:p14="http://schemas.microsoft.com/office/powerpoint/2010/main" val="3621549758"/>
+        <p14:creationId xmlns:p14="http://schemas.microsoft.com/office/powerpoint/2010/main" val="4269479429"/>
       </p:ext>
     </p:extLst>
   </p:cSld>
@@ -1573,7 +1305,7 @@
           <a:p>
             <a:r>
               <a:rPr lang="en-US" dirty="0"/>
-              <a:t>descendants</a:t>
+              <a:t>d_separation_01</a:t>
             </a:r>
           </a:p>
         </p:txBody>
@@ -1604,7 +1336,7 @@
     </p:spTree>
     <p:extLst>
       <p:ext uri="{BB962C8B-B14F-4D97-AF65-F5344CB8AC3E}">
-        <p14:creationId xmlns:p14="http://schemas.microsoft.com/office/powerpoint/2010/main" val="4269479429"/>
+        <p14:creationId xmlns:p14="http://schemas.microsoft.com/office/powerpoint/2010/main" val="668383946"/>
       </p:ext>
     </p:extLst>
   </p:cSld>
@@ -1658,26 +1390,9 @@
           <a:bodyPr/>
           <a:lstStyle/>
           <a:p>
-            <a:pPr marL="0" marR="0" lvl="0" indent="0" algn="l" defTabSz="914400" rtl="0" eaLnBrk="1" fontAlgn="auto" latinLnBrk="0" hangingPunct="1">
-              <a:lnSpc>
-                <a:spcPct val="100000"/>
-              </a:lnSpc>
-              <a:spcBef>
-                <a:spcPts val="0"/>
-              </a:spcBef>
-              <a:spcAft>
-                <a:spcPts val="0"/>
-              </a:spcAft>
-              <a:buClrTx/>
-              <a:buSzTx/>
-              <a:buFontTx/>
-              <a:buNone/>
-              <a:tabLst/>
-              <a:defRPr/>
-            </a:pPr>
             <a:r>
               <a:rPr lang="en-US" dirty="0"/>
-              <a:t>paths</a:t>
+              <a:t>d_separation_02</a:t>
             </a:r>
           </a:p>
         </p:txBody>
@@ -1708,7 +1423,7 @@
     </p:spTree>
     <p:extLst>
       <p:ext uri="{BB962C8B-B14F-4D97-AF65-F5344CB8AC3E}">
-        <p14:creationId xmlns:p14="http://schemas.microsoft.com/office/powerpoint/2010/main" val="1933949836"/>
+        <p14:creationId xmlns:p14="http://schemas.microsoft.com/office/powerpoint/2010/main" val="6411207"/>
       </p:ext>
     </p:extLst>
   </p:cSld>
@@ -1762,26 +1477,9 @@
           <a:bodyPr/>
           <a:lstStyle/>
           <a:p>
-            <a:pPr marL="0" marR="0" lvl="0" indent="0" algn="l" defTabSz="914400" rtl="0" eaLnBrk="1" fontAlgn="auto" latinLnBrk="0" hangingPunct="1">
-              <a:lnSpc>
-                <a:spcPct val="100000"/>
-              </a:lnSpc>
-              <a:spcBef>
-                <a:spcPts val="0"/>
-              </a:spcBef>
-              <a:spcAft>
-                <a:spcPts val="0"/>
-              </a:spcAft>
-              <a:buClrTx/>
-              <a:buSzTx/>
-              <a:buFontTx/>
-              <a:buNone/>
-              <a:tabLst/>
-              <a:defRPr/>
-            </a:pPr>
             <a:r>
               <a:rPr lang="en-US" dirty="0"/>
-              <a:t>colliders_01</a:t>
+              <a:t>d_separation_03</a:t>
             </a:r>
           </a:p>
         </p:txBody>
@@ -1812,7 +1510,7 @@
     </p:spTree>
     <p:extLst>
       <p:ext uri="{BB962C8B-B14F-4D97-AF65-F5344CB8AC3E}">
-        <p14:creationId xmlns:p14="http://schemas.microsoft.com/office/powerpoint/2010/main" val="3120939648"/>
+        <p14:creationId xmlns:p14="http://schemas.microsoft.com/office/powerpoint/2010/main" val="1239819433"/>
       </p:ext>
     </p:extLst>
   </p:cSld>
@@ -1866,26 +1564,9 @@
           <a:bodyPr/>
           <a:lstStyle/>
           <a:p>
-            <a:pPr marL="0" marR="0" lvl="0" indent="0" algn="l" defTabSz="914400" rtl="0" eaLnBrk="1" fontAlgn="auto" latinLnBrk="0" hangingPunct="1">
-              <a:lnSpc>
-                <a:spcPct val="100000"/>
-              </a:lnSpc>
-              <a:spcBef>
-                <a:spcPts val="0"/>
-              </a:spcBef>
-              <a:spcAft>
-                <a:spcPts val="0"/>
-              </a:spcAft>
-              <a:buClrTx/>
-              <a:buSzTx/>
-              <a:buFontTx/>
-              <a:buNone/>
-              <a:tabLst/>
-              <a:defRPr/>
-            </a:pPr>
             <a:r>
               <a:rPr lang="en-US" dirty="0"/>
-              <a:t>colliders_02</a:t>
+              <a:t>d_separation_04</a:t>
             </a:r>
           </a:p>
         </p:txBody>
@@ -1916,304 +1597,7 @@
     </p:spTree>
     <p:extLst>
       <p:ext uri="{BB962C8B-B14F-4D97-AF65-F5344CB8AC3E}">
-        <p14:creationId xmlns:p14="http://schemas.microsoft.com/office/powerpoint/2010/main" val="3511745922"/>
-      </p:ext>
-    </p:extLst>
-  </p:cSld>
-  <p:clrMapOvr>
-    <a:masterClrMapping/>
-  </p:clrMapOvr>
-</p:notes>
-</file>
-
-<file path=ppt/notesSlides/notesSlide7.xml><?xml version="1.0" encoding="utf-8"?>
-<p:notes xmlns:a="http://schemas.openxmlformats.org/drawingml/2006/main" xmlns:r="http://schemas.openxmlformats.org/officeDocument/2006/relationships" xmlns:p="http://schemas.openxmlformats.org/presentationml/2006/main">
-  <p:cSld>
-    <p:spTree>
-      <p:nvGrpSpPr>
-        <p:cNvPr id="1" name=""/>
-        <p:cNvGrpSpPr/>
-        <p:nvPr/>
-      </p:nvGrpSpPr>
-      <p:grpSpPr>
-        <a:xfrm>
-          <a:off x="0" y="0"/>
-          <a:ext cx="0" cy="0"/>
-          <a:chOff x="0" y="0"/>
-          <a:chExt cx="0" cy="0"/>
-        </a:xfrm>
-      </p:grpSpPr>
-      <p:sp>
-        <p:nvSpPr>
-          <p:cNvPr id="2" name="Slide Image Placeholder 1"/>
-          <p:cNvSpPr>
-            <a:spLocks noGrp="1" noRot="1" noChangeAspect="1"/>
-          </p:cNvSpPr>
-          <p:nvPr>
-            <p:ph type="sldImg"/>
-          </p:nvPr>
-        </p:nvSpPr>
-        <p:spPr/>
-      </p:sp>
-      <p:sp>
-        <p:nvSpPr>
-          <p:cNvPr id="3" name="Notes Placeholder 2"/>
-          <p:cNvSpPr>
-            <a:spLocks noGrp="1"/>
-          </p:cNvSpPr>
-          <p:nvPr>
-            <p:ph type="body" idx="1"/>
-          </p:nvPr>
-        </p:nvSpPr>
-        <p:spPr/>
-        <p:txBody>
-          <a:bodyPr/>
-          <a:lstStyle/>
-          <a:p>
-            <a:pPr marL="0" marR="0" lvl="0" indent="0" algn="l" defTabSz="914400" rtl="0" eaLnBrk="1" fontAlgn="auto" latinLnBrk="0" hangingPunct="1">
-              <a:lnSpc>
-                <a:spcPct val="100000"/>
-              </a:lnSpc>
-              <a:spcBef>
-                <a:spcPts val="0"/>
-              </a:spcBef>
-              <a:spcAft>
-                <a:spcPts val="0"/>
-              </a:spcAft>
-              <a:buClrTx/>
-              <a:buSzTx/>
-              <a:buFontTx/>
-              <a:buNone/>
-              <a:tabLst/>
-              <a:defRPr/>
-            </a:pPr>
-            <a:r>
-              <a:rPr lang="en-US" dirty="0" err="1"/>
-              <a:t>common_causes</a:t>
-            </a:r>
-            <a:endParaRPr lang="en-US" dirty="0"/>
-          </a:p>
-        </p:txBody>
-      </p:sp>
-      <p:sp>
-        <p:nvSpPr>
-          <p:cNvPr id="4" name="Slide Number Placeholder 3"/>
-          <p:cNvSpPr>
-            <a:spLocks noGrp="1"/>
-          </p:cNvSpPr>
-          <p:nvPr>
-            <p:ph type="sldNum" sz="quarter" idx="5"/>
-          </p:nvPr>
-        </p:nvSpPr>
-        <p:spPr/>
-        <p:txBody>
-          <a:bodyPr/>
-          <a:lstStyle/>
-          <a:p>
-            <a:fld id="{A04CC895-3B19-1948-8213-A5CD87C5981C}" type="slidenum">
-              <a:rPr lang="en-US" smtClean="0"/>
-              <a:t>7</a:t>
-            </a:fld>
-            <a:endParaRPr lang="en-US"/>
-          </a:p>
-        </p:txBody>
-      </p:sp>
-    </p:spTree>
-    <p:extLst>
-      <p:ext uri="{BB962C8B-B14F-4D97-AF65-F5344CB8AC3E}">
-        <p14:creationId xmlns:p14="http://schemas.microsoft.com/office/powerpoint/2010/main" val="1906563789"/>
-      </p:ext>
-    </p:extLst>
-  </p:cSld>
-  <p:clrMapOvr>
-    <a:masterClrMapping/>
-  </p:clrMapOvr>
-</p:notes>
-</file>
-
-<file path=ppt/notesSlides/notesSlide8.xml><?xml version="1.0" encoding="utf-8"?>
-<p:notes xmlns:a="http://schemas.openxmlformats.org/drawingml/2006/main" xmlns:r="http://schemas.openxmlformats.org/officeDocument/2006/relationships" xmlns:p="http://schemas.openxmlformats.org/presentationml/2006/main">
-  <p:cSld>
-    <p:spTree>
-      <p:nvGrpSpPr>
-        <p:cNvPr id="1" name=""/>
-        <p:cNvGrpSpPr/>
-        <p:nvPr/>
-      </p:nvGrpSpPr>
-      <p:grpSpPr>
-        <a:xfrm>
-          <a:off x="0" y="0"/>
-          <a:ext cx="0" cy="0"/>
-          <a:chOff x="0" y="0"/>
-          <a:chExt cx="0" cy="0"/>
-        </a:xfrm>
-      </p:grpSpPr>
-      <p:sp>
-        <p:nvSpPr>
-          <p:cNvPr id="2" name="Slide Image Placeholder 1"/>
-          <p:cNvSpPr>
-            <a:spLocks noGrp="1" noRot="1" noChangeAspect="1"/>
-          </p:cNvSpPr>
-          <p:nvPr>
-            <p:ph type="sldImg"/>
-          </p:nvPr>
-        </p:nvSpPr>
-        <p:spPr/>
-      </p:sp>
-      <p:sp>
-        <p:nvSpPr>
-          <p:cNvPr id="3" name="Notes Placeholder 2"/>
-          <p:cNvSpPr>
-            <a:spLocks noGrp="1"/>
-          </p:cNvSpPr>
-          <p:nvPr>
-            <p:ph type="body" idx="1"/>
-          </p:nvPr>
-        </p:nvSpPr>
-        <p:spPr/>
-        <p:txBody>
-          <a:bodyPr/>
-          <a:lstStyle/>
-          <a:p>
-            <a:pPr marL="0" marR="0" lvl="0" indent="0" algn="l" defTabSz="914400" rtl="0" eaLnBrk="1" fontAlgn="auto" latinLnBrk="0" hangingPunct="1">
-              <a:lnSpc>
-                <a:spcPct val="100000"/>
-              </a:lnSpc>
-              <a:spcBef>
-                <a:spcPts val="0"/>
-              </a:spcBef>
-              <a:spcAft>
-                <a:spcPts val="0"/>
-              </a:spcAft>
-              <a:buClrTx/>
-              <a:buSzTx/>
-              <a:buFontTx/>
-              <a:buNone/>
-              <a:tabLst/>
-              <a:defRPr/>
-            </a:pPr>
-            <a:r>
-              <a:rPr lang="en-US" dirty="0" err="1"/>
-              <a:t>common_effects</a:t>
-            </a:r>
-            <a:endParaRPr lang="en-US" dirty="0"/>
-          </a:p>
-        </p:txBody>
-      </p:sp>
-      <p:sp>
-        <p:nvSpPr>
-          <p:cNvPr id="4" name="Slide Number Placeholder 3"/>
-          <p:cNvSpPr>
-            <a:spLocks noGrp="1"/>
-          </p:cNvSpPr>
-          <p:nvPr>
-            <p:ph type="sldNum" sz="quarter" idx="5"/>
-          </p:nvPr>
-        </p:nvSpPr>
-        <p:spPr/>
-        <p:txBody>
-          <a:bodyPr/>
-          <a:lstStyle/>
-          <a:p>
-            <a:fld id="{A04CC895-3B19-1948-8213-A5CD87C5981C}" type="slidenum">
-              <a:rPr lang="en-US" smtClean="0"/>
-              <a:t>8</a:t>
-            </a:fld>
-            <a:endParaRPr lang="en-US"/>
-          </a:p>
-        </p:txBody>
-      </p:sp>
-    </p:spTree>
-    <p:extLst>
-      <p:ext uri="{BB962C8B-B14F-4D97-AF65-F5344CB8AC3E}">
-        <p14:creationId xmlns:p14="http://schemas.microsoft.com/office/powerpoint/2010/main" val="2887531872"/>
-      </p:ext>
-    </p:extLst>
-  </p:cSld>
-  <p:clrMapOvr>
-    <a:masterClrMapping/>
-  </p:clrMapOvr>
-</p:notes>
-</file>
-
-<file path=ppt/notesSlides/notesSlide9.xml><?xml version="1.0" encoding="utf-8"?>
-<p:notes xmlns:a="http://schemas.openxmlformats.org/drawingml/2006/main" xmlns:r="http://schemas.openxmlformats.org/officeDocument/2006/relationships" xmlns:p="http://schemas.openxmlformats.org/presentationml/2006/main">
-  <p:cSld>
-    <p:spTree>
-      <p:nvGrpSpPr>
-        <p:cNvPr id="1" name=""/>
-        <p:cNvGrpSpPr/>
-        <p:nvPr/>
-      </p:nvGrpSpPr>
-      <p:grpSpPr>
-        <a:xfrm>
-          <a:off x="0" y="0"/>
-          <a:ext cx="0" cy="0"/>
-          <a:chOff x="0" y="0"/>
-          <a:chExt cx="0" cy="0"/>
-        </a:xfrm>
-      </p:grpSpPr>
-      <p:sp>
-        <p:nvSpPr>
-          <p:cNvPr id="2" name="Slide Image Placeholder 1"/>
-          <p:cNvSpPr>
-            <a:spLocks noGrp="1" noRot="1" noChangeAspect="1"/>
-          </p:cNvSpPr>
-          <p:nvPr>
-            <p:ph type="sldImg"/>
-          </p:nvPr>
-        </p:nvSpPr>
-        <p:spPr/>
-      </p:sp>
-      <p:sp>
-        <p:nvSpPr>
-          <p:cNvPr id="3" name="Notes Placeholder 2"/>
-          <p:cNvSpPr>
-            <a:spLocks noGrp="1"/>
-          </p:cNvSpPr>
-          <p:nvPr>
-            <p:ph type="body" idx="1"/>
-          </p:nvPr>
-        </p:nvSpPr>
-        <p:spPr/>
-        <p:txBody>
-          <a:bodyPr/>
-          <a:lstStyle/>
-          <a:p>
-            <a:r>
-              <a:rPr lang="en-US" dirty="0"/>
-              <a:t>d_separation_01</a:t>
-            </a:r>
-          </a:p>
-        </p:txBody>
-      </p:sp>
-      <p:sp>
-        <p:nvSpPr>
-          <p:cNvPr id="4" name="Slide Number Placeholder 3"/>
-          <p:cNvSpPr>
-            <a:spLocks noGrp="1"/>
-          </p:cNvSpPr>
-          <p:nvPr>
-            <p:ph type="sldNum" sz="quarter" idx="5"/>
-          </p:nvPr>
-        </p:nvSpPr>
-        <p:spPr/>
-        <p:txBody>
-          <a:bodyPr/>
-          <a:lstStyle/>
-          <a:p>
-            <a:fld id="{A04CC895-3B19-1948-8213-A5CD87C5981C}" type="slidenum">
-              <a:rPr lang="en-US" smtClean="0"/>
-              <a:t>9</a:t>
-            </a:fld>
-            <a:endParaRPr lang="en-US"/>
-          </a:p>
-        </p:txBody>
-      </p:sp>
-    </p:spTree>
-    <p:extLst>
-      <p:ext uri="{BB962C8B-B14F-4D97-AF65-F5344CB8AC3E}">
-        <p14:creationId xmlns:p14="http://schemas.microsoft.com/office/powerpoint/2010/main" val="668383946"/>
+        <p14:creationId xmlns:p14="http://schemas.microsoft.com/office/powerpoint/2010/main" val="3657253927"/>
       </p:ext>
     </p:extLst>
   </p:cSld>
@@ -2370,7 +1754,7 @@
           <a:p>
             <a:fld id="{97E5D4AC-B265-BC46-B8CB-964562500F15}" type="datetimeFigureOut">
               <a:rPr lang="en-US" smtClean="0"/>
-              <a:t>10/6/23</a:t>
+              <a:t>10/9/23</a:t>
             </a:fld>
             <a:endParaRPr lang="en-US"/>
           </a:p>
@@ -2568,7 +1952,7 @@
           <a:p>
             <a:fld id="{97E5D4AC-B265-BC46-B8CB-964562500F15}" type="datetimeFigureOut">
               <a:rPr lang="en-US" smtClean="0"/>
-              <a:t>10/6/23</a:t>
+              <a:t>10/9/23</a:t>
             </a:fld>
             <a:endParaRPr lang="en-US"/>
           </a:p>
@@ -2776,7 +2160,7 @@
           <a:p>
             <a:fld id="{97E5D4AC-B265-BC46-B8CB-964562500F15}" type="datetimeFigureOut">
               <a:rPr lang="en-US" smtClean="0"/>
-              <a:t>10/6/23</a:t>
+              <a:t>10/9/23</a:t>
             </a:fld>
             <a:endParaRPr lang="en-US"/>
           </a:p>
@@ -2974,7 +2358,7 @@
           <a:p>
             <a:fld id="{97E5D4AC-B265-BC46-B8CB-964562500F15}" type="datetimeFigureOut">
               <a:rPr lang="en-US" smtClean="0"/>
-              <a:t>10/6/23</a:t>
+              <a:t>10/9/23</a:t>
             </a:fld>
             <a:endParaRPr lang="en-US"/>
           </a:p>
@@ -3249,7 +2633,7 @@
           <a:p>
             <a:fld id="{97E5D4AC-B265-BC46-B8CB-964562500F15}" type="datetimeFigureOut">
               <a:rPr lang="en-US" smtClean="0"/>
-              <a:t>10/6/23</a:t>
+              <a:t>10/9/23</a:t>
             </a:fld>
             <a:endParaRPr lang="en-US"/>
           </a:p>
@@ -3514,7 +2898,7 @@
           <a:p>
             <a:fld id="{97E5D4AC-B265-BC46-B8CB-964562500F15}" type="datetimeFigureOut">
               <a:rPr lang="en-US" smtClean="0"/>
-              <a:t>10/6/23</a:t>
+              <a:t>10/9/23</a:t>
             </a:fld>
             <a:endParaRPr lang="en-US"/>
           </a:p>
@@ -3926,7 +3310,7 @@
           <a:p>
             <a:fld id="{97E5D4AC-B265-BC46-B8CB-964562500F15}" type="datetimeFigureOut">
               <a:rPr lang="en-US" smtClean="0"/>
-              <a:t>10/6/23</a:t>
+              <a:t>10/9/23</a:t>
             </a:fld>
             <a:endParaRPr lang="en-US"/>
           </a:p>
@@ -4067,7 +3451,7 @@
           <a:p>
             <a:fld id="{97E5D4AC-B265-BC46-B8CB-964562500F15}" type="datetimeFigureOut">
               <a:rPr lang="en-US" smtClean="0"/>
-              <a:t>10/6/23</a:t>
+              <a:t>10/9/23</a:t>
             </a:fld>
             <a:endParaRPr lang="en-US"/>
           </a:p>
@@ -4180,7 +3564,7 @@
           <a:p>
             <a:fld id="{97E5D4AC-B265-BC46-B8CB-964562500F15}" type="datetimeFigureOut">
               <a:rPr lang="en-US" smtClean="0"/>
-              <a:t>10/6/23</a:t>
+              <a:t>10/9/23</a:t>
             </a:fld>
             <a:endParaRPr lang="en-US"/>
           </a:p>
@@ -4491,7 +3875,7 @@
           <a:p>
             <a:fld id="{97E5D4AC-B265-BC46-B8CB-964562500F15}" type="datetimeFigureOut">
               <a:rPr lang="en-US" smtClean="0"/>
-              <a:t>10/6/23</a:t>
+              <a:t>10/9/23</a:t>
             </a:fld>
             <a:endParaRPr lang="en-US"/>
           </a:p>
@@ -4779,7 +4163,7 @@
           <a:p>
             <a:fld id="{97E5D4AC-B265-BC46-B8CB-964562500F15}" type="datetimeFigureOut">
               <a:rPr lang="en-US" smtClean="0"/>
-              <a:t>10/6/23</a:t>
+              <a:t>10/9/23</a:t>
             </a:fld>
             <a:endParaRPr lang="en-US"/>
           </a:p>
@@ -5020,7 +4404,7 @@
           <a:p>
             <a:fld id="{97E5D4AC-B265-BC46-B8CB-964562500F15}" type="datetimeFigureOut">
               <a:rPr lang="en-US" smtClean="0"/>
-              <a:t>10/6/23</a:t>
+              <a:t>10/9/23</a:t>
             </a:fld>
             <a:endParaRPr lang="en-US"/>
           </a:p>
@@ -5439,78 +4823,218 @@
       </p:grpSpPr>
       <p:sp>
         <p:nvSpPr>
-          <p:cNvPr id="2" name="Title 1">
-            <a:extLst>
-              <a:ext uri="{FF2B5EF4-FFF2-40B4-BE49-F238E27FC236}">
-                <a16:creationId xmlns:a16="http://schemas.microsoft.com/office/drawing/2014/main" id="{D3DEF3FC-0BB8-5846-81F6-B5A18671E554}"/>
-              </a:ext>
-            </a:extLst>
-          </p:cNvPr>
-          <p:cNvSpPr>
-            <a:spLocks noGrp="1"/>
-          </p:cNvSpPr>
-          <p:nvPr>
-            <p:ph type="title"/>
-          </p:nvPr>
-        </p:nvSpPr>
-        <p:spPr/>
-        <p:txBody>
-          <a:bodyPr/>
-          <a:lstStyle/>
-          <a:p>
-            <a:r>
-              <a:rPr lang="en-US" dirty="0"/>
-              <a:t>Directed Acyclic Graphs (DAGs) and Statistics</a:t>
-            </a:r>
-          </a:p>
-        </p:txBody>
-      </p:sp>
-      <p:sp>
-        <p:nvSpPr>
-          <p:cNvPr id="3" name="Content Placeholder 2">
-            <a:extLst>
-              <a:ext uri="{FF2B5EF4-FFF2-40B4-BE49-F238E27FC236}">
-                <a16:creationId xmlns:a16="http://schemas.microsoft.com/office/drawing/2014/main" id="{0DC4FF92-7252-B84A-A683-5745EB757B33}"/>
-              </a:ext>
-            </a:extLst>
-          </p:cNvPr>
-          <p:cNvSpPr>
-            <a:spLocks noGrp="1"/>
-          </p:cNvSpPr>
-          <p:nvPr>
-            <p:ph idx="1"/>
-          </p:nvPr>
-        </p:nvSpPr>
-        <p:spPr/>
-        <p:txBody>
-          <a:bodyPr/>
-          <a:lstStyle/>
-          <a:p>
-            <a:r>
-              <a:rPr lang="en-US" dirty="0"/>
-              <a:t>Confounding (DAGs).</a:t>
-            </a:r>
-          </a:p>
-          <a:p>
-            <a:r>
-              <a:rPr lang="en-US" dirty="0"/>
-              <a:t>Bias (DAGs).</a:t>
-            </a:r>
-          </a:p>
-          <a:p>
-            <a:r>
-              <a:rPr lang="en-US" dirty="0"/>
-              <a:t>Random error / chance / sampling variability (Statistics).</a:t>
-            </a:r>
-          </a:p>
-        </p:txBody>
-      </p:sp>
-      <p:sp>
-        <p:nvSpPr>
-          <p:cNvPr id="4" name="Oval 3">
-            <a:extLst>
-              <a:ext uri="{FF2B5EF4-FFF2-40B4-BE49-F238E27FC236}">
-                <a16:creationId xmlns:a16="http://schemas.microsoft.com/office/drawing/2014/main" id="{B458C733-CAFD-5343-9AE6-D61FD3655254}"/>
+          <p:cNvPr id="8" name="TextBox 7">
+            <a:extLst>
+              <a:ext uri="{FF2B5EF4-FFF2-40B4-BE49-F238E27FC236}">
+                <a16:creationId xmlns:a16="http://schemas.microsoft.com/office/drawing/2014/main" id="{AA8329A4-47FB-3646-9FB7-1D2BD51DE441}"/>
+              </a:ext>
+            </a:extLst>
+          </p:cNvPr>
+          <p:cNvSpPr txBox="1"/>
+          <p:nvPr/>
+        </p:nvSpPr>
+        <p:spPr>
+          <a:xfrm>
+            <a:off x="-116037" y="4685987"/>
+            <a:ext cx="727205" cy="646331"/>
+          </a:xfrm>
+          <a:prstGeom prst="rect">
+            <a:avLst/>
+          </a:prstGeom>
+          <a:noFill/>
+        </p:spPr>
+        <p:txBody>
+          <a:bodyPr wrap="square" rtlCol="0">
+            <a:spAutoFit/>
+          </a:bodyPr>
+          <a:lstStyle/>
+          <a:p>
+            <a:pPr algn="ctr"/>
+            <a:r>
+              <a:rPr lang="en-US" sz="3600" dirty="0">
+                <a:latin typeface="Avenir Book" panose="02000503020000020003" pitchFamily="2" charset="0"/>
+              </a:rPr>
+              <a:t>X</a:t>
+            </a:r>
+          </a:p>
+        </p:txBody>
+      </p:sp>
+      <p:cxnSp>
+        <p:nvCxnSpPr>
+          <p:cNvPr id="10" name="Straight Arrow Connector 9">
+            <a:extLst>
+              <a:ext uri="{FF2B5EF4-FFF2-40B4-BE49-F238E27FC236}">
+                <a16:creationId xmlns:a16="http://schemas.microsoft.com/office/drawing/2014/main" id="{6789ECBF-A84F-B84E-953F-3B1649BA6D84}"/>
+              </a:ext>
+            </a:extLst>
+          </p:cNvPr>
+          <p:cNvCxnSpPr>
+            <a:cxnSpLocks/>
+            <a:stCxn id="8" idx="3"/>
+            <a:endCxn id="14" idx="1"/>
+          </p:cNvCxnSpPr>
+          <p:nvPr/>
+        </p:nvCxnSpPr>
+        <p:spPr>
+          <a:xfrm>
+            <a:off x="611168" y="5009153"/>
+            <a:ext cx="5041114" cy="0"/>
+          </a:xfrm>
+          <a:prstGeom prst="straightConnector1">
+            <a:avLst/>
+          </a:prstGeom>
+          <a:ln w="53975">
+            <a:solidFill>
+              <a:schemeClr val="tx1"/>
+            </a:solidFill>
+            <a:headEnd type="none" w="med" len="med"/>
+            <a:tailEnd type="triangle" w="lg" len="med"/>
+          </a:ln>
+        </p:spPr>
+        <p:style>
+          <a:lnRef idx="1">
+            <a:schemeClr val="accent1"/>
+          </a:lnRef>
+          <a:fillRef idx="0">
+            <a:schemeClr val="accent1"/>
+          </a:fillRef>
+          <a:effectRef idx="0">
+            <a:schemeClr val="accent1"/>
+          </a:effectRef>
+          <a:fontRef idx="minor">
+            <a:schemeClr val="tx1"/>
+          </a:fontRef>
+        </p:style>
+      </p:cxnSp>
+      <p:cxnSp>
+        <p:nvCxnSpPr>
+          <p:cNvPr id="12" name="Straight Arrow Connector 11">
+            <a:extLst>
+              <a:ext uri="{FF2B5EF4-FFF2-40B4-BE49-F238E27FC236}">
+                <a16:creationId xmlns:a16="http://schemas.microsoft.com/office/drawing/2014/main" id="{DEF6E3E1-D0F0-F14E-A8DB-74DE3D3A4A42}"/>
+              </a:ext>
+            </a:extLst>
+          </p:cNvPr>
+          <p:cNvCxnSpPr>
+            <a:cxnSpLocks/>
+            <a:stCxn id="14" idx="3"/>
+            <a:endCxn id="15" idx="1"/>
+          </p:cNvCxnSpPr>
+          <p:nvPr/>
+        </p:nvCxnSpPr>
+        <p:spPr>
+          <a:xfrm>
+            <a:off x="6379487" y="5009153"/>
+            <a:ext cx="4967160" cy="0"/>
+          </a:xfrm>
+          <a:prstGeom prst="straightConnector1">
+            <a:avLst/>
+          </a:prstGeom>
+          <a:ln w="53975">
+            <a:solidFill>
+              <a:schemeClr val="tx1"/>
+            </a:solidFill>
+            <a:headEnd type="none" w="med" len="med"/>
+            <a:tailEnd type="triangle" w="lg" len="med"/>
+          </a:ln>
+        </p:spPr>
+        <p:style>
+          <a:lnRef idx="1">
+            <a:schemeClr val="accent1"/>
+          </a:lnRef>
+          <a:fillRef idx="0">
+            <a:schemeClr val="accent1"/>
+          </a:fillRef>
+          <a:effectRef idx="0">
+            <a:schemeClr val="accent1"/>
+          </a:effectRef>
+          <a:fontRef idx="minor">
+            <a:schemeClr val="tx1"/>
+          </a:fontRef>
+        </p:style>
+      </p:cxnSp>
+      <p:sp>
+        <p:nvSpPr>
+          <p:cNvPr id="14" name="TextBox 13">
+            <a:extLst>
+              <a:ext uri="{FF2B5EF4-FFF2-40B4-BE49-F238E27FC236}">
+                <a16:creationId xmlns:a16="http://schemas.microsoft.com/office/drawing/2014/main" id="{73FB80DC-C79E-ED46-B12B-48BC31A4E4E4}"/>
+              </a:ext>
+            </a:extLst>
+          </p:cNvPr>
+          <p:cNvSpPr txBox="1"/>
+          <p:nvPr/>
+        </p:nvSpPr>
+        <p:spPr>
+          <a:xfrm>
+            <a:off x="5652282" y="4685987"/>
+            <a:ext cx="727205" cy="646331"/>
+          </a:xfrm>
+          <a:prstGeom prst="rect">
+            <a:avLst/>
+          </a:prstGeom>
+          <a:noFill/>
+        </p:spPr>
+        <p:txBody>
+          <a:bodyPr wrap="square" rtlCol="0">
+            <a:spAutoFit/>
+          </a:bodyPr>
+          <a:lstStyle/>
+          <a:p>
+            <a:pPr algn="ctr"/>
+            <a:r>
+              <a:rPr lang="en-US" sz="3600" dirty="0">
+                <a:latin typeface="Avenir Book" panose="02000503020000020003" pitchFamily="2" charset="0"/>
+              </a:rPr>
+              <a:t>Y</a:t>
+            </a:r>
+          </a:p>
+        </p:txBody>
+      </p:sp>
+      <p:sp>
+        <p:nvSpPr>
+          <p:cNvPr id="15" name="TextBox 14">
+            <a:extLst>
+              <a:ext uri="{FF2B5EF4-FFF2-40B4-BE49-F238E27FC236}">
+                <a16:creationId xmlns:a16="http://schemas.microsoft.com/office/drawing/2014/main" id="{B4791219-A3C1-3048-9F75-C40BFAB1FCC8}"/>
+              </a:ext>
+            </a:extLst>
+          </p:cNvPr>
+          <p:cNvSpPr txBox="1"/>
+          <p:nvPr/>
+        </p:nvSpPr>
+        <p:spPr>
+          <a:xfrm>
+            <a:off x="11346647" y="4685987"/>
+            <a:ext cx="727205" cy="646331"/>
+          </a:xfrm>
+          <a:prstGeom prst="rect">
+            <a:avLst/>
+          </a:prstGeom>
+          <a:noFill/>
+        </p:spPr>
+        <p:txBody>
+          <a:bodyPr wrap="square" rtlCol="0">
+            <a:spAutoFit/>
+          </a:bodyPr>
+          <a:lstStyle/>
+          <a:p>
+            <a:pPr algn="ctr"/>
+            <a:r>
+              <a:rPr lang="en-US" sz="3600" dirty="0">
+                <a:latin typeface="Avenir Book" panose="02000503020000020003" pitchFamily="2" charset="0"/>
+              </a:rPr>
+              <a:t>Z</a:t>
+            </a:r>
+          </a:p>
+        </p:txBody>
+      </p:sp>
+      <p:sp>
+        <p:nvSpPr>
+          <p:cNvPr id="16" name="Oval 15">
+            <a:extLst>
+              <a:ext uri="{FF2B5EF4-FFF2-40B4-BE49-F238E27FC236}">
+                <a16:creationId xmlns:a16="http://schemas.microsoft.com/office/drawing/2014/main" id="{F9B079C2-E924-9D4B-95C0-3D98AE551720}"/>
               </a:ext>
             </a:extLst>
           </p:cNvPr>
@@ -5519,8 +5043,8 @@
         </p:nvSpPr>
         <p:spPr>
           <a:xfrm>
-            <a:off x="3422822" y="4436075"/>
-            <a:ext cx="370702" cy="370702"/>
+            <a:off x="130479" y="1411169"/>
+            <a:ext cx="554645" cy="554645"/>
           </a:xfrm>
           <a:prstGeom prst="ellipse">
             <a:avLst/>
@@ -5547,16 +5071,18 @@
           <a:lstStyle/>
           <a:p>
             <a:pPr algn="ctr"/>
-            <a:endParaRPr lang="en-US"/>
-          </a:p>
-        </p:txBody>
-      </p:sp>
-      <p:sp>
-        <p:nvSpPr>
-          <p:cNvPr id="5" name="Oval 4">
-            <a:extLst>
-              <a:ext uri="{FF2B5EF4-FFF2-40B4-BE49-F238E27FC236}">
-                <a16:creationId xmlns:a16="http://schemas.microsoft.com/office/drawing/2014/main" id="{4409C423-45C1-C84A-87F1-32D5D9EAABEC}"/>
+            <a:endParaRPr lang="en-US">
+              <a:latin typeface="Avenir Book" panose="02000503020000020003" pitchFamily="2" charset="0"/>
+            </a:endParaRPr>
+          </a:p>
+        </p:txBody>
+      </p:sp>
+      <p:sp>
+        <p:nvSpPr>
+          <p:cNvPr id="17" name="Oval 16">
+            <a:extLst>
+              <a:ext uri="{FF2B5EF4-FFF2-40B4-BE49-F238E27FC236}">
+                <a16:creationId xmlns:a16="http://schemas.microsoft.com/office/drawing/2014/main" id="{46A451E3-5B40-B84C-8D42-0838B419304B}"/>
               </a:ext>
             </a:extLst>
           </p:cNvPr>
@@ -5565,8 +5091,8 @@
         </p:nvSpPr>
         <p:spPr>
           <a:xfrm>
-            <a:off x="7236942" y="4436075"/>
-            <a:ext cx="370702" cy="370702"/>
+            <a:off x="5837171" y="1411169"/>
+            <a:ext cx="554645" cy="554645"/>
           </a:xfrm>
           <a:prstGeom prst="ellipse">
             <a:avLst/>
@@ -5593,16 +5119,18 @@
           <a:lstStyle/>
           <a:p>
             <a:pPr algn="ctr"/>
-            <a:endParaRPr lang="en-US"/>
-          </a:p>
-        </p:txBody>
-      </p:sp>
-      <p:sp>
-        <p:nvSpPr>
-          <p:cNvPr id="6" name="TextBox 5">
-            <a:extLst>
-              <a:ext uri="{FF2B5EF4-FFF2-40B4-BE49-F238E27FC236}">
-                <a16:creationId xmlns:a16="http://schemas.microsoft.com/office/drawing/2014/main" id="{58485ECC-5A26-2D48-9306-42857F7388E3}"/>
+            <a:endParaRPr lang="en-US">
+              <a:latin typeface="Avenir Book" panose="02000503020000020003" pitchFamily="2" charset="0"/>
+            </a:endParaRPr>
+          </a:p>
+        </p:txBody>
+      </p:sp>
+      <p:sp>
+        <p:nvSpPr>
+          <p:cNvPr id="18" name="TextBox 17">
+            <a:extLst>
+              <a:ext uri="{FF2B5EF4-FFF2-40B4-BE49-F238E27FC236}">
+                <a16:creationId xmlns:a16="http://schemas.microsoft.com/office/drawing/2014/main" id="{C51452A1-B22E-074B-B2CC-BCFAD91828D8}"/>
               </a:ext>
             </a:extLst>
           </p:cNvPr>
@@ -5611,8 +5139,8 @@
         </p:nvSpPr>
         <p:spPr>
           <a:xfrm>
-            <a:off x="3015048" y="5090984"/>
-            <a:ext cx="1186249" cy="369332"/>
+            <a:off x="-479632" y="1981526"/>
+            <a:ext cx="1774868" cy="523220"/>
           </a:xfrm>
           <a:prstGeom prst="rect">
             <a:avLst/>
@@ -5627,18 +5155,20 @@
           <a:p>
             <a:pPr algn="ctr"/>
             <a:r>
-              <a:rPr lang="en-US" dirty="0"/>
-              <a:t>Exposure</a:t>
-            </a:r>
-          </a:p>
-        </p:txBody>
-      </p:sp>
-      <p:sp>
-        <p:nvSpPr>
-          <p:cNvPr id="7" name="TextBox 6">
-            <a:extLst>
-              <a:ext uri="{FF2B5EF4-FFF2-40B4-BE49-F238E27FC236}">
-                <a16:creationId xmlns:a16="http://schemas.microsoft.com/office/drawing/2014/main" id="{0975C7AB-1F5D-D24F-9D9B-F0B1CBF21447}"/>
+              <a:rPr lang="en-US" sz="2800" dirty="0">
+                <a:latin typeface="Avenir Book" panose="02000503020000020003" pitchFamily="2" charset="0"/>
+              </a:rPr>
+              <a:t>X</a:t>
+            </a:r>
+          </a:p>
+        </p:txBody>
+      </p:sp>
+      <p:sp>
+        <p:nvSpPr>
+          <p:cNvPr id="19" name="TextBox 18">
+            <a:extLst>
+              <a:ext uri="{FF2B5EF4-FFF2-40B4-BE49-F238E27FC236}">
+                <a16:creationId xmlns:a16="http://schemas.microsoft.com/office/drawing/2014/main" id="{574CF164-9728-F64D-B831-8BBDF8C7BCD8}"/>
               </a:ext>
             </a:extLst>
           </p:cNvPr>
@@ -5647,8 +5177,8 @@
         </p:nvSpPr>
         <p:spPr>
           <a:xfrm>
-            <a:off x="6829168" y="5090984"/>
-            <a:ext cx="1186249" cy="369332"/>
+            <a:off x="5227060" y="1981526"/>
+            <a:ext cx="1774868" cy="523220"/>
           </a:xfrm>
           <a:prstGeom prst="rect">
             <a:avLst/>
@@ -5663,31 +5193,977 @@
           <a:p>
             <a:pPr algn="ctr"/>
             <a:r>
-              <a:rPr lang="en-US" dirty="0"/>
-              <a:t>Outcome</a:t>
+              <a:rPr lang="en-US" sz="2800" dirty="0">
+                <a:latin typeface="Avenir Book" panose="02000503020000020003" pitchFamily="2" charset="0"/>
+              </a:rPr>
+              <a:t>Y</a:t>
             </a:r>
           </a:p>
         </p:txBody>
       </p:sp>
       <p:cxnSp>
         <p:nvCxnSpPr>
-          <p:cNvPr id="8" name="Straight Arrow Connector 7">
-            <a:extLst>
-              <a:ext uri="{FF2B5EF4-FFF2-40B4-BE49-F238E27FC236}">
-                <a16:creationId xmlns:a16="http://schemas.microsoft.com/office/drawing/2014/main" id="{A5136733-FADA-1340-B4DC-2388EC35C313}"/>
+          <p:cNvPr id="20" name="Straight Arrow Connector 19">
+            <a:extLst>
+              <a:ext uri="{FF2B5EF4-FFF2-40B4-BE49-F238E27FC236}">
+                <a16:creationId xmlns:a16="http://schemas.microsoft.com/office/drawing/2014/main" id="{150F07BA-12F5-C94C-9315-6A2006C251E3}"/>
               </a:ext>
             </a:extLst>
           </p:cNvPr>
           <p:cNvCxnSpPr>
-            <a:stCxn id="4" idx="6"/>
-            <a:endCxn id="5" idx="2"/>
+            <a:cxnSpLocks/>
+            <a:stCxn id="16" idx="6"/>
+            <a:endCxn id="17" idx="2"/>
           </p:cNvCxnSpPr>
           <p:nvPr/>
         </p:nvCxnSpPr>
         <p:spPr>
           <a:xfrm>
-            <a:off x="3793524" y="4621426"/>
-            <a:ext cx="3443418" cy="0"/>
+            <a:off x="685124" y="1688491"/>
+            <a:ext cx="5152047" cy="0"/>
+          </a:xfrm>
+          <a:prstGeom prst="straightConnector1">
+            <a:avLst/>
+          </a:prstGeom>
+          <a:ln w="53975">
+            <a:solidFill>
+              <a:schemeClr val="tx1"/>
+            </a:solidFill>
+            <a:headEnd type="none" w="med" len="med"/>
+            <a:tailEnd type="triangle" w="lg" len="med"/>
+          </a:ln>
+        </p:spPr>
+        <p:style>
+          <a:lnRef idx="1">
+            <a:schemeClr val="accent1"/>
+          </a:lnRef>
+          <a:fillRef idx="0">
+            <a:schemeClr val="accent1"/>
+          </a:fillRef>
+          <a:effectRef idx="0">
+            <a:schemeClr val="accent1"/>
+          </a:effectRef>
+          <a:fontRef idx="minor">
+            <a:schemeClr val="tx1"/>
+          </a:fontRef>
+        </p:style>
+      </p:cxnSp>
+      <p:sp>
+        <p:nvSpPr>
+          <p:cNvPr id="21" name="Oval 20">
+            <a:extLst>
+              <a:ext uri="{FF2B5EF4-FFF2-40B4-BE49-F238E27FC236}">
+                <a16:creationId xmlns:a16="http://schemas.microsoft.com/office/drawing/2014/main" id="{ABA1E88C-5A39-8747-A2FC-E5C4DE325731}"/>
+              </a:ext>
+            </a:extLst>
+          </p:cNvPr>
+          <p:cNvSpPr/>
+          <p:nvPr/>
+        </p:nvSpPr>
+        <p:spPr>
+          <a:xfrm>
+            <a:off x="11531535" y="1411169"/>
+            <a:ext cx="554645" cy="554645"/>
+          </a:xfrm>
+          <a:prstGeom prst="ellipse">
+            <a:avLst/>
+          </a:prstGeom>
+        </p:spPr>
+        <p:style>
+          <a:lnRef idx="2">
+            <a:schemeClr val="accent1">
+              <a:shade val="50000"/>
+            </a:schemeClr>
+          </a:lnRef>
+          <a:fillRef idx="1">
+            <a:schemeClr val="accent1"/>
+          </a:fillRef>
+          <a:effectRef idx="0">
+            <a:schemeClr val="accent1"/>
+          </a:effectRef>
+          <a:fontRef idx="minor">
+            <a:schemeClr val="lt1"/>
+          </a:fontRef>
+        </p:style>
+        <p:txBody>
+          <a:bodyPr rtlCol="0" anchor="ctr"/>
+          <a:lstStyle/>
+          <a:p>
+            <a:pPr algn="ctr"/>
+            <a:endParaRPr lang="en-US">
+              <a:latin typeface="Avenir Book" panose="02000503020000020003" pitchFamily="2" charset="0"/>
+            </a:endParaRPr>
+          </a:p>
+        </p:txBody>
+      </p:sp>
+      <p:sp>
+        <p:nvSpPr>
+          <p:cNvPr id="22" name="TextBox 21">
+            <a:extLst>
+              <a:ext uri="{FF2B5EF4-FFF2-40B4-BE49-F238E27FC236}">
+                <a16:creationId xmlns:a16="http://schemas.microsoft.com/office/drawing/2014/main" id="{24EF2F82-8570-1042-8717-7E2A5B34D05E}"/>
+              </a:ext>
+            </a:extLst>
+          </p:cNvPr>
+          <p:cNvSpPr txBox="1"/>
+          <p:nvPr/>
+        </p:nvSpPr>
+        <p:spPr>
+          <a:xfrm>
+            <a:off x="10921423" y="1981526"/>
+            <a:ext cx="1774868" cy="523220"/>
+          </a:xfrm>
+          <a:prstGeom prst="rect">
+            <a:avLst/>
+          </a:prstGeom>
+          <a:noFill/>
+        </p:spPr>
+        <p:txBody>
+          <a:bodyPr wrap="square" rtlCol="0">
+            <a:spAutoFit/>
+          </a:bodyPr>
+          <a:lstStyle/>
+          <a:p>
+            <a:pPr algn="ctr"/>
+            <a:r>
+              <a:rPr lang="en-US" sz="2800" dirty="0">
+                <a:latin typeface="Avenir Book" panose="02000503020000020003" pitchFamily="2" charset="0"/>
+              </a:rPr>
+              <a:t>Z</a:t>
+            </a:r>
+          </a:p>
+        </p:txBody>
+      </p:sp>
+      <p:cxnSp>
+        <p:nvCxnSpPr>
+          <p:cNvPr id="23" name="Straight Arrow Connector 22">
+            <a:extLst>
+              <a:ext uri="{FF2B5EF4-FFF2-40B4-BE49-F238E27FC236}">
+                <a16:creationId xmlns:a16="http://schemas.microsoft.com/office/drawing/2014/main" id="{771ABE2A-B904-1244-8B3B-5859043A62F2}"/>
+              </a:ext>
+            </a:extLst>
+          </p:cNvPr>
+          <p:cNvCxnSpPr>
+            <a:cxnSpLocks/>
+            <a:endCxn id="21" idx="2"/>
+          </p:cNvCxnSpPr>
+          <p:nvPr/>
+        </p:nvCxnSpPr>
+        <p:spPr>
+          <a:xfrm>
+            <a:off x="6379487" y="1688491"/>
+            <a:ext cx="5152047" cy="0"/>
+          </a:xfrm>
+          <a:prstGeom prst="straightConnector1">
+            <a:avLst/>
+          </a:prstGeom>
+          <a:ln w="53975">
+            <a:solidFill>
+              <a:schemeClr val="tx1"/>
+            </a:solidFill>
+            <a:headEnd type="none" w="med" len="med"/>
+            <a:tailEnd type="triangle" w="lg" len="med"/>
+          </a:ln>
+        </p:spPr>
+        <p:style>
+          <a:lnRef idx="1">
+            <a:schemeClr val="accent1"/>
+          </a:lnRef>
+          <a:fillRef idx="0">
+            <a:schemeClr val="accent1"/>
+          </a:fillRef>
+          <a:effectRef idx="0">
+            <a:schemeClr val="accent1"/>
+          </a:effectRef>
+          <a:fontRef idx="minor">
+            <a:schemeClr val="tx1"/>
+          </a:fontRef>
+        </p:style>
+      </p:cxnSp>
+      <p:sp>
+        <p:nvSpPr>
+          <p:cNvPr id="6" name="TextBox 5">
+            <a:extLst>
+              <a:ext uri="{FF2B5EF4-FFF2-40B4-BE49-F238E27FC236}">
+                <a16:creationId xmlns:a16="http://schemas.microsoft.com/office/drawing/2014/main" id="{1E1B4FBA-C777-321C-21A6-A8AAE6A0F136}"/>
+              </a:ext>
+            </a:extLst>
+          </p:cNvPr>
+          <p:cNvSpPr txBox="1"/>
+          <p:nvPr/>
+        </p:nvSpPr>
+        <p:spPr>
+          <a:xfrm>
+            <a:off x="2244291" y="887949"/>
+            <a:ext cx="1774868" cy="523220"/>
+          </a:xfrm>
+          <a:prstGeom prst="rect">
+            <a:avLst/>
+          </a:prstGeom>
+          <a:noFill/>
+        </p:spPr>
+        <p:txBody>
+          <a:bodyPr wrap="square" rtlCol="0">
+            <a:spAutoFit/>
+          </a:bodyPr>
+          <a:lstStyle/>
+          <a:p>
+            <a:pPr algn="ctr"/>
+            <a:r>
+              <a:rPr lang="en-US" sz="2800" dirty="0">
+                <a:latin typeface="Avenir Book" panose="02000503020000020003" pitchFamily="2" charset="0"/>
+              </a:rPr>
+              <a:t>A</a:t>
+            </a:r>
+          </a:p>
+        </p:txBody>
+      </p:sp>
+      <p:sp>
+        <p:nvSpPr>
+          <p:cNvPr id="7" name="TextBox 6">
+            <a:extLst>
+              <a:ext uri="{FF2B5EF4-FFF2-40B4-BE49-F238E27FC236}">
+                <a16:creationId xmlns:a16="http://schemas.microsoft.com/office/drawing/2014/main" id="{FCA861D5-2957-0B35-82CE-37A25C4EEA78}"/>
+              </a:ext>
+            </a:extLst>
+          </p:cNvPr>
+          <p:cNvSpPr txBox="1"/>
+          <p:nvPr/>
+        </p:nvSpPr>
+        <p:spPr>
+          <a:xfrm>
+            <a:off x="7975633" y="890699"/>
+            <a:ext cx="1774868" cy="523220"/>
+          </a:xfrm>
+          <a:prstGeom prst="rect">
+            <a:avLst/>
+          </a:prstGeom>
+          <a:noFill/>
+        </p:spPr>
+        <p:txBody>
+          <a:bodyPr wrap="square" rtlCol="0">
+            <a:spAutoFit/>
+          </a:bodyPr>
+          <a:lstStyle/>
+          <a:p>
+            <a:pPr algn="ctr"/>
+            <a:r>
+              <a:rPr lang="en-US" sz="2800" dirty="0">
+                <a:latin typeface="Avenir Book" panose="02000503020000020003" pitchFamily="2" charset="0"/>
+              </a:rPr>
+              <a:t>B</a:t>
+            </a:r>
+          </a:p>
+        </p:txBody>
+      </p:sp>
+      <p:sp>
+        <p:nvSpPr>
+          <p:cNvPr id="9" name="TextBox 8">
+            <a:extLst>
+              <a:ext uri="{FF2B5EF4-FFF2-40B4-BE49-F238E27FC236}">
+                <a16:creationId xmlns:a16="http://schemas.microsoft.com/office/drawing/2014/main" id="{DF86AC55-1205-2193-7305-EB2209BAB43E}"/>
+              </a:ext>
+            </a:extLst>
+          </p:cNvPr>
+          <p:cNvSpPr txBox="1"/>
+          <p:nvPr/>
+        </p:nvSpPr>
+        <p:spPr>
+          <a:xfrm>
+            <a:off x="2244291" y="4353254"/>
+            <a:ext cx="1774868" cy="523220"/>
+          </a:xfrm>
+          <a:prstGeom prst="rect">
+            <a:avLst/>
+          </a:prstGeom>
+          <a:noFill/>
+        </p:spPr>
+        <p:txBody>
+          <a:bodyPr wrap="square" rtlCol="0">
+            <a:spAutoFit/>
+          </a:bodyPr>
+          <a:lstStyle/>
+          <a:p>
+            <a:pPr algn="ctr"/>
+            <a:r>
+              <a:rPr lang="en-US" sz="2800" dirty="0">
+                <a:latin typeface="Avenir Book" panose="02000503020000020003" pitchFamily="2" charset="0"/>
+              </a:rPr>
+              <a:t>A</a:t>
+            </a:r>
+          </a:p>
+        </p:txBody>
+      </p:sp>
+      <p:sp>
+        <p:nvSpPr>
+          <p:cNvPr id="11" name="TextBox 10">
+            <a:extLst>
+              <a:ext uri="{FF2B5EF4-FFF2-40B4-BE49-F238E27FC236}">
+                <a16:creationId xmlns:a16="http://schemas.microsoft.com/office/drawing/2014/main" id="{33EC27BC-4BB8-55DF-DCDE-517798221B00}"/>
+              </a:ext>
+            </a:extLst>
+          </p:cNvPr>
+          <p:cNvSpPr txBox="1"/>
+          <p:nvPr/>
+        </p:nvSpPr>
+        <p:spPr>
+          <a:xfrm>
+            <a:off x="7975633" y="4353254"/>
+            <a:ext cx="1774868" cy="523220"/>
+          </a:xfrm>
+          <a:prstGeom prst="rect">
+            <a:avLst/>
+          </a:prstGeom>
+          <a:noFill/>
+        </p:spPr>
+        <p:txBody>
+          <a:bodyPr wrap="square" rtlCol="0">
+            <a:spAutoFit/>
+          </a:bodyPr>
+          <a:lstStyle/>
+          <a:p>
+            <a:pPr algn="ctr"/>
+            <a:r>
+              <a:rPr lang="en-US" sz="2800" dirty="0">
+                <a:latin typeface="Avenir Book" panose="02000503020000020003" pitchFamily="2" charset="0"/>
+              </a:rPr>
+              <a:t>B</a:t>
+            </a:r>
+          </a:p>
+        </p:txBody>
+      </p:sp>
+    </p:spTree>
+    <p:extLst>
+      <p:ext uri="{BB962C8B-B14F-4D97-AF65-F5344CB8AC3E}">
+        <p14:creationId xmlns:p14="http://schemas.microsoft.com/office/powerpoint/2010/main" val="1476338338"/>
+      </p:ext>
+    </p:extLst>
+  </p:cSld>
+  <p:clrMapOvr>
+    <a:masterClrMapping/>
+  </p:clrMapOvr>
+</p:sld>
+</file>
+
+<file path=ppt/slides/slide2.xml><?xml version="1.0" encoding="utf-8"?>
+<p:sld xmlns:a="http://schemas.openxmlformats.org/drawingml/2006/main" xmlns:r="http://schemas.openxmlformats.org/officeDocument/2006/relationships" xmlns:p="http://schemas.openxmlformats.org/presentationml/2006/main">
+  <p:cSld>
+    <p:spTree>
+      <p:nvGrpSpPr>
+        <p:cNvPr id="1" name=""/>
+        <p:cNvGrpSpPr/>
+        <p:nvPr/>
+      </p:nvGrpSpPr>
+      <p:grpSpPr>
+        <a:xfrm>
+          <a:off x="0" y="0"/>
+          <a:ext cx="0" cy="0"/>
+          <a:chOff x="0" y="0"/>
+          <a:chExt cx="0" cy="0"/>
+        </a:xfrm>
+      </p:grpSpPr>
+      <p:grpSp>
+        <p:nvGrpSpPr>
+          <p:cNvPr id="4" name="Group 3">
+            <a:extLst>
+              <a:ext uri="{FF2B5EF4-FFF2-40B4-BE49-F238E27FC236}">
+                <a16:creationId xmlns:a16="http://schemas.microsoft.com/office/drawing/2014/main" id="{76939A98-21B6-60B7-C74D-14652326914D}"/>
+              </a:ext>
+            </a:extLst>
+          </p:cNvPr>
+          <p:cNvGrpSpPr/>
+          <p:nvPr/>
+        </p:nvGrpSpPr>
+        <p:grpSpPr>
+          <a:xfrm>
+            <a:off x="-146301" y="2294379"/>
+            <a:ext cx="12484602" cy="2269242"/>
+            <a:chOff x="988033" y="2574919"/>
+            <a:chExt cx="9750997" cy="1772373"/>
+          </a:xfrm>
+        </p:grpSpPr>
+        <p:sp>
+          <p:nvSpPr>
+            <p:cNvPr id="8" name="TextBox 7">
+              <a:extLst>
+                <a:ext uri="{FF2B5EF4-FFF2-40B4-BE49-F238E27FC236}">
+                  <a16:creationId xmlns:a16="http://schemas.microsoft.com/office/drawing/2014/main" id="{AA8329A4-47FB-3646-9FB7-1D2BD51DE441}"/>
+                </a:ext>
+              </a:extLst>
+            </p:cNvPr>
+            <p:cNvSpPr txBox="1"/>
+            <p:nvPr/>
+          </p:nvSpPr>
+          <p:spPr>
+            <a:xfrm>
+              <a:off x="1857629" y="3105834"/>
+              <a:ext cx="486034" cy="523220"/>
+            </a:xfrm>
+            <a:prstGeom prst="rect">
+              <a:avLst/>
+            </a:prstGeom>
+            <a:noFill/>
+          </p:spPr>
+          <p:txBody>
+            <a:bodyPr wrap="square" rtlCol="0">
+              <a:spAutoFit/>
+            </a:bodyPr>
+            <a:lstStyle/>
+            <a:p>
+              <a:pPr algn="ctr"/>
+              <a:r>
+                <a:rPr lang="en-US" sz="2800" dirty="0">
+                  <a:latin typeface="Avenir Book" panose="02000503020000020003" pitchFamily="2" charset="0"/>
+                </a:rPr>
+                <a:t>X</a:t>
+              </a:r>
+            </a:p>
+          </p:txBody>
+        </p:sp>
+        <p:cxnSp>
+          <p:nvCxnSpPr>
+            <p:cNvPr id="10" name="Straight Arrow Connector 9">
+              <a:extLst>
+                <a:ext uri="{FF2B5EF4-FFF2-40B4-BE49-F238E27FC236}">
+                  <a16:creationId xmlns:a16="http://schemas.microsoft.com/office/drawing/2014/main" id="{6789ECBF-A84F-B84E-953F-3B1649BA6D84}"/>
+                </a:ext>
+              </a:extLst>
+            </p:cNvPr>
+            <p:cNvCxnSpPr>
+              <a:cxnSpLocks/>
+              <a:stCxn id="8" idx="3"/>
+              <a:endCxn id="14" idx="1"/>
+            </p:cNvCxnSpPr>
+            <p:nvPr/>
+          </p:nvCxnSpPr>
+          <p:spPr>
+            <a:xfrm>
+              <a:off x="2343663" y="3367444"/>
+              <a:ext cx="3369275" cy="0"/>
+            </a:xfrm>
+            <a:prstGeom prst="straightConnector1">
+              <a:avLst/>
+            </a:prstGeom>
+            <a:ln w="38100">
+              <a:solidFill>
+                <a:schemeClr val="tx1"/>
+              </a:solidFill>
+              <a:tailEnd type="triangle"/>
+            </a:ln>
+          </p:spPr>
+          <p:style>
+            <a:lnRef idx="1">
+              <a:schemeClr val="accent1"/>
+            </a:lnRef>
+            <a:fillRef idx="0">
+              <a:schemeClr val="accent1"/>
+            </a:fillRef>
+            <a:effectRef idx="0">
+              <a:schemeClr val="accent1"/>
+            </a:effectRef>
+            <a:fontRef idx="minor">
+              <a:schemeClr val="tx1"/>
+            </a:fontRef>
+          </p:style>
+        </p:cxnSp>
+        <p:cxnSp>
+          <p:nvCxnSpPr>
+            <p:cNvPr id="12" name="Straight Arrow Connector 11">
+              <a:extLst>
+                <a:ext uri="{FF2B5EF4-FFF2-40B4-BE49-F238E27FC236}">
+                  <a16:creationId xmlns:a16="http://schemas.microsoft.com/office/drawing/2014/main" id="{DEF6E3E1-D0F0-F14E-A8DB-74DE3D3A4A42}"/>
+                </a:ext>
+              </a:extLst>
+            </p:cNvPr>
+            <p:cNvCxnSpPr>
+              <a:cxnSpLocks/>
+              <a:stCxn id="14" idx="3"/>
+              <a:endCxn id="15" idx="1"/>
+            </p:cNvCxnSpPr>
+            <p:nvPr/>
+          </p:nvCxnSpPr>
+          <p:spPr>
+            <a:xfrm>
+              <a:off x="6198972" y="3367444"/>
+              <a:ext cx="3319847" cy="0"/>
+            </a:xfrm>
+            <a:prstGeom prst="straightConnector1">
+              <a:avLst/>
+            </a:prstGeom>
+            <a:ln w="38100">
+              <a:solidFill>
+                <a:schemeClr val="tx1"/>
+              </a:solidFill>
+              <a:tailEnd type="triangle"/>
+            </a:ln>
+          </p:spPr>
+          <p:style>
+            <a:lnRef idx="1">
+              <a:schemeClr val="accent1"/>
+            </a:lnRef>
+            <a:fillRef idx="0">
+              <a:schemeClr val="accent1"/>
+            </a:fillRef>
+            <a:effectRef idx="0">
+              <a:schemeClr val="accent1"/>
+            </a:effectRef>
+            <a:fontRef idx="minor">
+              <a:schemeClr val="tx1"/>
+            </a:fontRef>
+          </p:style>
+        </p:cxnSp>
+        <p:sp>
+          <p:nvSpPr>
+            <p:cNvPr id="14" name="TextBox 13">
+              <a:extLst>
+                <a:ext uri="{FF2B5EF4-FFF2-40B4-BE49-F238E27FC236}">
+                  <a16:creationId xmlns:a16="http://schemas.microsoft.com/office/drawing/2014/main" id="{73FB80DC-C79E-ED46-B12B-48BC31A4E4E4}"/>
+                </a:ext>
+              </a:extLst>
+            </p:cNvPr>
+            <p:cNvSpPr txBox="1"/>
+            <p:nvPr/>
+          </p:nvSpPr>
+          <p:spPr>
+            <a:xfrm>
+              <a:off x="5712938" y="3105834"/>
+              <a:ext cx="486034" cy="523220"/>
+            </a:xfrm>
+            <a:prstGeom prst="rect">
+              <a:avLst/>
+            </a:prstGeom>
+            <a:noFill/>
+          </p:spPr>
+          <p:txBody>
+            <a:bodyPr wrap="square" rtlCol="0">
+              <a:spAutoFit/>
+            </a:bodyPr>
+            <a:lstStyle/>
+            <a:p>
+              <a:pPr algn="ctr"/>
+              <a:r>
+                <a:rPr lang="en-US" sz="2800" dirty="0">
+                  <a:latin typeface="Avenir Book" panose="02000503020000020003" pitchFamily="2" charset="0"/>
+                </a:rPr>
+                <a:t>Y</a:t>
+              </a:r>
+            </a:p>
+          </p:txBody>
+        </p:sp>
+        <p:sp>
+          <p:nvSpPr>
+            <p:cNvPr id="15" name="TextBox 14">
+              <a:extLst>
+                <a:ext uri="{FF2B5EF4-FFF2-40B4-BE49-F238E27FC236}">
+                  <a16:creationId xmlns:a16="http://schemas.microsoft.com/office/drawing/2014/main" id="{B4791219-A3C1-3048-9F75-C40BFAB1FCC8}"/>
+                </a:ext>
+              </a:extLst>
+            </p:cNvPr>
+            <p:cNvSpPr txBox="1"/>
+            <p:nvPr/>
+          </p:nvSpPr>
+          <p:spPr>
+            <a:xfrm>
+              <a:off x="9518819" y="3105834"/>
+              <a:ext cx="486034" cy="523220"/>
+            </a:xfrm>
+            <a:prstGeom prst="rect">
+              <a:avLst/>
+            </a:prstGeom>
+            <a:noFill/>
+          </p:spPr>
+          <p:txBody>
+            <a:bodyPr wrap="square" rtlCol="0">
+              <a:spAutoFit/>
+            </a:bodyPr>
+            <a:lstStyle/>
+            <a:p>
+              <a:pPr algn="ctr"/>
+              <a:r>
+                <a:rPr lang="en-US" sz="2800" dirty="0">
+                  <a:latin typeface="Avenir Book" panose="02000503020000020003" pitchFamily="2" charset="0"/>
+                </a:rPr>
+                <a:t>Z</a:t>
+              </a:r>
+            </a:p>
+          </p:txBody>
+        </p:sp>
+        <p:sp>
+          <p:nvSpPr>
+            <p:cNvPr id="3" name="TextBox 2">
+              <a:extLst>
+                <a:ext uri="{FF2B5EF4-FFF2-40B4-BE49-F238E27FC236}">
+                  <a16:creationId xmlns:a16="http://schemas.microsoft.com/office/drawing/2014/main" id="{3621414B-E98F-4646-B0C4-00C3856F4131}"/>
+                </a:ext>
+              </a:extLst>
+            </p:cNvPr>
+            <p:cNvSpPr txBox="1"/>
+            <p:nvPr/>
+          </p:nvSpPr>
+          <p:spPr>
+            <a:xfrm>
+              <a:off x="988033" y="2598004"/>
+              <a:ext cx="2225225" cy="523220"/>
+            </a:xfrm>
+            <a:prstGeom prst="rect">
+              <a:avLst/>
+            </a:prstGeom>
+            <a:noFill/>
+          </p:spPr>
+          <p:txBody>
+            <a:bodyPr wrap="none" rtlCol="0">
+              <a:spAutoFit/>
+            </a:bodyPr>
+            <a:lstStyle/>
+            <a:p>
+              <a:pPr algn="ctr"/>
+              <a:r>
+                <a:rPr lang="en-US" sz="2800" dirty="0">
+                  <a:latin typeface="Avenir Book" panose="02000503020000020003" pitchFamily="2" charset="0"/>
+                </a:rPr>
+                <a:t>Grandparent</a:t>
+              </a:r>
+            </a:p>
+          </p:txBody>
+        </p:sp>
+        <p:sp>
+          <p:nvSpPr>
+            <p:cNvPr id="24" name="TextBox 23">
+              <a:extLst>
+                <a:ext uri="{FF2B5EF4-FFF2-40B4-BE49-F238E27FC236}">
+                  <a16:creationId xmlns:a16="http://schemas.microsoft.com/office/drawing/2014/main" id="{B3C98BD3-C371-0440-B690-E3095CC0DC05}"/>
+                </a:ext>
+              </a:extLst>
+            </p:cNvPr>
+            <p:cNvSpPr txBox="1"/>
+            <p:nvPr/>
+          </p:nvSpPr>
+          <p:spPr>
+            <a:xfrm>
+              <a:off x="5351495" y="2574919"/>
+              <a:ext cx="1208922" cy="523220"/>
+            </a:xfrm>
+            <a:prstGeom prst="rect">
+              <a:avLst/>
+            </a:prstGeom>
+            <a:noFill/>
+          </p:spPr>
+          <p:txBody>
+            <a:bodyPr wrap="none" rtlCol="0">
+              <a:spAutoFit/>
+            </a:bodyPr>
+            <a:lstStyle/>
+            <a:p>
+              <a:pPr algn="ctr"/>
+              <a:r>
+                <a:rPr lang="en-US" sz="2800" dirty="0">
+                  <a:latin typeface="Avenir Book" panose="02000503020000020003" pitchFamily="2" charset="0"/>
+                </a:rPr>
+                <a:t>Parent</a:t>
+              </a:r>
+            </a:p>
+          </p:txBody>
+        </p:sp>
+        <p:sp>
+          <p:nvSpPr>
+            <p:cNvPr id="25" name="TextBox 24">
+              <a:extLst>
+                <a:ext uri="{FF2B5EF4-FFF2-40B4-BE49-F238E27FC236}">
+                  <a16:creationId xmlns:a16="http://schemas.microsoft.com/office/drawing/2014/main" id="{2540EA9E-A290-6840-989D-6297D3063920}"/>
+                </a:ext>
+              </a:extLst>
+            </p:cNvPr>
+            <p:cNvSpPr txBox="1"/>
+            <p:nvPr/>
+          </p:nvSpPr>
+          <p:spPr>
+            <a:xfrm>
+              <a:off x="9246312" y="2598004"/>
+              <a:ext cx="1031051" cy="523220"/>
+            </a:xfrm>
+            <a:prstGeom prst="rect">
+              <a:avLst/>
+            </a:prstGeom>
+            <a:noFill/>
+          </p:spPr>
+          <p:txBody>
+            <a:bodyPr wrap="none" rtlCol="0">
+              <a:spAutoFit/>
+            </a:bodyPr>
+            <a:lstStyle/>
+            <a:p>
+              <a:pPr algn="ctr"/>
+              <a:r>
+                <a:rPr lang="en-US" sz="2800" dirty="0">
+                  <a:latin typeface="Avenir Book" panose="02000503020000020003" pitchFamily="2" charset="0"/>
+                </a:rPr>
+                <a:t>Child</a:t>
+              </a:r>
+            </a:p>
+          </p:txBody>
+        </p:sp>
+        <p:sp>
+          <p:nvSpPr>
+            <p:cNvPr id="26" name="TextBox 25">
+              <a:extLst>
+                <a:ext uri="{FF2B5EF4-FFF2-40B4-BE49-F238E27FC236}">
+                  <a16:creationId xmlns:a16="http://schemas.microsoft.com/office/drawing/2014/main" id="{03D1B89E-3E49-544B-B076-5B3537E66585}"/>
+                </a:ext>
+              </a:extLst>
+            </p:cNvPr>
+            <p:cNvSpPr txBox="1"/>
+            <p:nvPr/>
+          </p:nvSpPr>
+          <p:spPr>
+            <a:xfrm>
+              <a:off x="1496185" y="3824072"/>
+              <a:ext cx="1208922" cy="523220"/>
+            </a:xfrm>
+            <a:prstGeom prst="rect">
+              <a:avLst/>
+            </a:prstGeom>
+            <a:noFill/>
+          </p:spPr>
+          <p:txBody>
+            <a:bodyPr wrap="none" rtlCol="0">
+              <a:spAutoFit/>
+            </a:bodyPr>
+            <a:lstStyle/>
+            <a:p>
+              <a:pPr algn="ctr"/>
+              <a:r>
+                <a:rPr lang="en-US" sz="2800" dirty="0">
+                  <a:latin typeface="Avenir Book" panose="02000503020000020003" pitchFamily="2" charset="0"/>
+                </a:rPr>
+                <a:t>Parent</a:t>
+              </a:r>
+            </a:p>
+          </p:txBody>
+        </p:sp>
+        <p:sp>
+          <p:nvSpPr>
+            <p:cNvPr id="27" name="TextBox 26">
+              <a:extLst>
+                <a:ext uri="{FF2B5EF4-FFF2-40B4-BE49-F238E27FC236}">
+                  <a16:creationId xmlns:a16="http://schemas.microsoft.com/office/drawing/2014/main" id="{0CB1F767-48C9-D045-91FD-AF32408FC0A7}"/>
+                </a:ext>
+              </a:extLst>
+            </p:cNvPr>
+            <p:cNvSpPr txBox="1"/>
+            <p:nvPr/>
+          </p:nvSpPr>
+          <p:spPr>
+            <a:xfrm>
+              <a:off x="5440431" y="3824072"/>
+              <a:ext cx="1031051" cy="523220"/>
+            </a:xfrm>
+            <a:prstGeom prst="rect">
+              <a:avLst/>
+            </a:prstGeom>
+            <a:noFill/>
+          </p:spPr>
+          <p:txBody>
+            <a:bodyPr wrap="none" rtlCol="0">
+              <a:spAutoFit/>
+            </a:bodyPr>
+            <a:lstStyle/>
+            <a:p>
+              <a:pPr algn="ctr"/>
+              <a:r>
+                <a:rPr lang="en-US" sz="2800" dirty="0">
+                  <a:latin typeface="Avenir Book" panose="02000503020000020003" pitchFamily="2" charset="0"/>
+                </a:rPr>
+                <a:t>Child</a:t>
+              </a:r>
+            </a:p>
+          </p:txBody>
+        </p:sp>
+        <p:sp>
+          <p:nvSpPr>
+            <p:cNvPr id="28" name="TextBox 27">
+              <a:extLst>
+                <a:ext uri="{FF2B5EF4-FFF2-40B4-BE49-F238E27FC236}">
+                  <a16:creationId xmlns:a16="http://schemas.microsoft.com/office/drawing/2014/main" id="{9724B62A-89B1-104D-9086-51B253833E9B}"/>
+                </a:ext>
+              </a:extLst>
+            </p:cNvPr>
+            <p:cNvSpPr txBox="1"/>
+            <p:nvPr/>
+          </p:nvSpPr>
+          <p:spPr>
+            <a:xfrm>
+              <a:off x="8784648" y="3824072"/>
+              <a:ext cx="1954382" cy="523220"/>
+            </a:xfrm>
+            <a:prstGeom prst="rect">
+              <a:avLst/>
+            </a:prstGeom>
+            <a:noFill/>
+          </p:spPr>
+          <p:txBody>
+            <a:bodyPr wrap="none" rtlCol="0">
+              <a:spAutoFit/>
+            </a:bodyPr>
+            <a:lstStyle/>
+            <a:p>
+              <a:pPr algn="ctr"/>
+              <a:r>
+                <a:rPr lang="en-US" sz="2800" dirty="0">
+                  <a:latin typeface="Avenir Book" panose="02000503020000020003" pitchFamily="2" charset="0"/>
+                </a:rPr>
+                <a:t>Grandchild</a:t>
+              </a:r>
+            </a:p>
+          </p:txBody>
+        </p:sp>
+      </p:grpSp>
+    </p:spTree>
+    <p:extLst>
+      <p:ext uri="{BB962C8B-B14F-4D97-AF65-F5344CB8AC3E}">
+        <p14:creationId xmlns:p14="http://schemas.microsoft.com/office/powerpoint/2010/main" val="982254806"/>
+      </p:ext>
+    </p:extLst>
+  </p:cSld>
+  <p:clrMapOvr>
+    <a:masterClrMapping/>
+  </p:clrMapOvr>
+</p:sld>
+</file>
+
+<file path=ppt/slides/slide3.xml><?xml version="1.0" encoding="utf-8"?>
+<p:sld xmlns:a="http://schemas.openxmlformats.org/drawingml/2006/main" xmlns:r="http://schemas.openxmlformats.org/officeDocument/2006/relationships" xmlns:p="http://schemas.openxmlformats.org/presentationml/2006/main">
+  <p:cSld>
+    <p:spTree>
+      <p:nvGrpSpPr>
+        <p:cNvPr id="1" name=""/>
+        <p:cNvGrpSpPr/>
+        <p:nvPr/>
+      </p:nvGrpSpPr>
+      <p:grpSpPr>
+        <a:xfrm>
+          <a:off x="0" y="0"/>
+          <a:ext cx="0" cy="0"/>
+          <a:chOff x="0" y="0"/>
+          <a:chExt cx="0" cy="0"/>
+        </a:xfrm>
+      </p:grpSpPr>
+      <p:sp>
+        <p:nvSpPr>
+          <p:cNvPr id="2" name="Title 1">
+            <a:extLst>
+              <a:ext uri="{FF2B5EF4-FFF2-40B4-BE49-F238E27FC236}">
+                <a16:creationId xmlns:a16="http://schemas.microsoft.com/office/drawing/2014/main" id="{8A22FD68-B1E1-D049-B4A0-9302A83E2646}"/>
+              </a:ext>
+            </a:extLst>
+          </p:cNvPr>
+          <p:cNvSpPr>
+            <a:spLocks noGrp="1"/>
+          </p:cNvSpPr>
+          <p:nvPr>
+            <p:ph type="title"/>
+          </p:nvPr>
+        </p:nvSpPr>
+        <p:spPr/>
+        <p:txBody>
+          <a:bodyPr/>
+          <a:lstStyle/>
+          <a:p>
+            <a:r>
+              <a:rPr lang="en-US" dirty="0"/>
+              <a:t>D-separation Rules</a:t>
+            </a:r>
+          </a:p>
+        </p:txBody>
+      </p:sp>
+      <p:sp>
+        <p:nvSpPr>
+          <p:cNvPr id="3" name="Content Placeholder 2">
+            <a:extLst>
+              <a:ext uri="{FF2B5EF4-FFF2-40B4-BE49-F238E27FC236}">
+                <a16:creationId xmlns:a16="http://schemas.microsoft.com/office/drawing/2014/main" id="{95926409-67C1-7848-99E7-1C2B1C4CC68E}"/>
+              </a:ext>
+            </a:extLst>
+          </p:cNvPr>
+          <p:cNvSpPr>
+            <a:spLocks noGrp="1"/>
+          </p:cNvSpPr>
+          <p:nvPr>
+            <p:ph idx="1"/>
+          </p:nvPr>
+        </p:nvSpPr>
+        <p:spPr/>
+        <p:txBody>
+          <a:bodyPr>
+            <a:normAutofit/>
+          </a:bodyPr>
+          <a:lstStyle/>
+          <a:p>
+            <a:pPr marL="0" indent="0">
+              <a:buNone/>
+            </a:pPr>
+            <a:r>
+              <a:rPr lang="en-US" dirty="0"/>
+              <a:t>If there are no variables being conditioned on, a path is blocked if and only if two arrowheads on the path collide at some variable on the path.</a:t>
+            </a:r>
+          </a:p>
+        </p:txBody>
+      </p:sp>
+      <p:sp>
+        <p:nvSpPr>
+          <p:cNvPr id="4" name="TextBox 3">
+            <a:extLst>
+              <a:ext uri="{FF2B5EF4-FFF2-40B4-BE49-F238E27FC236}">
+                <a16:creationId xmlns:a16="http://schemas.microsoft.com/office/drawing/2014/main" id="{4C425E01-8572-014C-81AB-5791A947F3AA}"/>
+              </a:ext>
+            </a:extLst>
+          </p:cNvPr>
+          <p:cNvSpPr txBox="1"/>
+          <p:nvPr/>
+        </p:nvSpPr>
+        <p:spPr>
+          <a:xfrm>
+            <a:off x="1857629" y="3410465"/>
+            <a:ext cx="486034" cy="646331"/>
+          </a:xfrm>
+          <a:prstGeom prst="rect">
+            <a:avLst/>
+          </a:prstGeom>
+          <a:noFill/>
+        </p:spPr>
+        <p:txBody>
+          <a:bodyPr wrap="square" rtlCol="0">
+            <a:spAutoFit/>
+          </a:bodyPr>
+          <a:lstStyle/>
+          <a:p>
+            <a:pPr algn="ctr"/>
+            <a:r>
+              <a:rPr lang="en-US" sz="3600" dirty="0"/>
+              <a:t>X</a:t>
+            </a:r>
+          </a:p>
+        </p:txBody>
+      </p:sp>
+      <p:cxnSp>
+        <p:nvCxnSpPr>
+          <p:cNvPr id="5" name="Straight Arrow Connector 4">
+            <a:extLst>
+              <a:ext uri="{FF2B5EF4-FFF2-40B4-BE49-F238E27FC236}">
+                <a16:creationId xmlns:a16="http://schemas.microsoft.com/office/drawing/2014/main" id="{987886CA-8BCA-5440-960E-1F5725AB630A}"/>
+              </a:ext>
+            </a:extLst>
+          </p:cNvPr>
+          <p:cNvCxnSpPr>
+            <a:cxnSpLocks/>
+            <a:stCxn id="4" idx="3"/>
+            <a:endCxn id="7" idx="1"/>
+          </p:cNvCxnSpPr>
+          <p:nvPr/>
+        </p:nvCxnSpPr>
+        <p:spPr>
+          <a:xfrm>
+            <a:off x="2343663" y="3733631"/>
+            <a:ext cx="3369275" cy="0"/>
           </a:xfrm>
           <a:prstGeom prst="straightConnector1">
             <a:avLst/>
@@ -5714,10 +6190,329 @@
           </a:fontRef>
         </p:style>
       </p:cxnSp>
+      <p:cxnSp>
+        <p:nvCxnSpPr>
+          <p:cNvPr id="6" name="Straight Arrow Connector 5">
+            <a:extLst>
+              <a:ext uri="{FF2B5EF4-FFF2-40B4-BE49-F238E27FC236}">
+                <a16:creationId xmlns:a16="http://schemas.microsoft.com/office/drawing/2014/main" id="{3E829417-0553-954E-8897-E38DA88FAAF0}"/>
+              </a:ext>
+            </a:extLst>
+          </p:cNvPr>
+          <p:cNvCxnSpPr>
+            <a:cxnSpLocks/>
+            <a:stCxn id="7" idx="3"/>
+            <a:endCxn id="8" idx="1"/>
+          </p:cNvCxnSpPr>
+          <p:nvPr/>
+        </p:nvCxnSpPr>
+        <p:spPr>
+          <a:xfrm>
+            <a:off x="6198972" y="3733631"/>
+            <a:ext cx="3319847" cy="0"/>
+          </a:xfrm>
+          <a:prstGeom prst="straightConnector1">
+            <a:avLst/>
+          </a:prstGeom>
+          <a:ln w="38100">
+            <a:solidFill>
+              <a:schemeClr val="tx1"/>
+            </a:solidFill>
+            <a:tailEnd type="triangle"/>
+          </a:ln>
+        </p:spPr>
+        <p:style>
+          <a:lnRef idx="1">
+            <a:schemeClr val="accent1"/>
+          </a:lnRef>
+          <a:fillRef idx="0">
+            <a:schemeClr val="accent1"/>
+          </a:fillRef>
+          <a:effectRef idx="0">
+            <a:schemeClr val="accent1"/>
+          </a:effectRef>
+          <a:fontRef idx="minor">
+            <a:schemeClr val="tx1"/>
+          </a:fontRef>
+        </p:style>
+      </p:cxnSp>
+      <p:sp>
+        <p:nvSpPr>
+          <p:cNvPr id="7" name="TextBox 6">
+            <a:extLst>
+              <a:ext uri="{FF2B5EF4-FFF2-40B4-BE49-F238E27FC236}">
+                <a16:creationId xmlns:a16="http://schemas.microsoft.com/office/drawing/2014/main" id="{305D5191-2BE4-E74D-9473-C5CC3BF8C2B4}"/>
+              </a:ext>
+            </a:extLst>
+          </p:cNvPr>
+          <p:cNvSpPr txBox="1"/>
+          <p:nvPr/>
+        </p:nvSpPr>
+        <p:spPr>
+          <a:xfrm>
+            <a:off x="5712938" y="3410465"/>
+            <a:ext cx="486034" cy="646331"/>
+          </a:xfrm>
+          <a:prstGeom prst="rect">
+            <a:avLst/>
+          </a:prstGeom>
+          <a:noFill/>
+        </p:spPr>
+        <p:txBody>
+          <a:bodyPr wrap="square" rtlCol="0">
+            <a:spAutoFit/>
+          </a:bodyPr>
+          <a:lstStyle/>
+          <a:p>
+            <a:pPr algn="ctr"/>
+            <a:r>
+              <a:rPr lang="en-US" sz="3600" dirty="0"/>
+              <a:t>Y</a:t>
+            </a:r>
+          </a:p>
+        </p:txBody>
+      </p:sp>
+      <p:sp>
+        <p:nvSpPr>
+          <p:cNvPr id="8" name="TextBox 7">
+            <a:extLst>
+              <a:ext uri="{FF2B5EF4-FFF2-40B4-BE49-F238E27FC236}">
+                <a16:creationId xmlns:a16="http://schemas.microsoft.com/office/drawing/2014/main" id="{EBDFA38F-D383-534A-A574-8EF5CF781A0F}"/>
+              </a:ext>
+            </a:extLst>
+          </p:cNvPr>
+          <p:cNvSpPr txBox="1"/>
+          <p:nvPr/>
+        </p:nvSpPr>
+        <p:spPr>
+          <a:xfrm>
+            <a:off x="9518819" y="3410465"/>
+            <a:ext cx="486034" cy="646331"/>
+          </a:xfrm>
+          <a:prstGeom prst="rect">
+            <a:avLst/>
+          </a:prstGeom>
+          <a:noFill/>
+        </p:spPr>
+        <p:txBody>
+          <a:bodyPr wrap="square" rtlCol="0">
+            <a:spAutoFit/>
+          </a:bodyPr>
+          <a:lstStyle/>
+          <a:p>
+            <a:pPr algn="ctr"/>
+            <a:r>
+              <a:rPr lang="en-US" sz="3600" dirty="0"/>
+              <a:t>Z</a:t>
+            </a:r>
+          </a:p>
+        </p:txBody>
+      </p:sp>
+      <p:sp>
+        <p:nvSpPr>
+          <p:cNvPr id="9" name="TextBox 8">
+            <a:extLst>
+              <a:ext uri="{FF2B5EF4-FFF2-40B4-BE49-F238E27FC236}">
+                <a16:creationId xmlns:a16="http://schemas.microsoft.com/office/drawing/2014/main" id="{E90EDAE7-19BA-674F-B110-E0D71F757A07}"/>
+              </a:ext>
+            </a:extLst>
+          </p:cNvPr>
+          <p:cNvSpPr txBox="1"/>
+          <p:nvPr/>
+        </p:nvSpPr>
+        <p:spPr>
+          <a:xfrm>
+            <a:off x="1857629" y="4793714"/>
+            <a:ext cx="486034" cy="646331"/>
+          </a:xfrm>
+          <a:prstGeom prst="rect">
+            <a:avLst/>
+          </a:prstGeom>
+          <a:noFill/>
+        </p:spPr>
+        <p:txBody>
+          <a:bodyPr wrap="square" rtlCol="0">
+            <a:spAutoFit/>
+          </a:bodyPr>
+          <a:lstStyle/>
+          <a:p>
+            <a:pPr algn="ctr"/>
+            <a:r>
+              <a:rPr lang="en-US" sz="3600" dirty="0"/>
+              <a:t>X</a:t>
+            </a:r>
+          </a:p>
+        </p:txBody>
+      </p:sp>
+      <p:cxnSp>
+        <p:nvCxnSpPr>
+          <p:cNvPr id="10" name="Straight Arrow Connector 9">
+            <a:extLst>
+              <a:ext uri="{FF2B5EF4-FFF2-40B4-BE49-F238E27FC236}">
+                <a16:creationId xmlns:a16="http://schemas.microsoft.com/office/drawing/2014/main" id="{561BEC79-105F-A241-85C3-2DA69624985D}"/>
+              </a:ext>
+            </a:extLst>
+          </p:cNvPr>
+          <p:cNvCxnSpPr>
+            <a:cxnSpLocks/>
+            <a:stCxn id="9" idx="3"/>
+            <a:endCxn id="12" idx="1"/>
+          </p:cNvCxnSpPr>
+          <p:nvPr/>
+        </p:nvCxnSpPr>
+        <p:spPr>
+          <a:xfrm>
+            <a:off x="2343663" y="5116880"/>
+            <a:ext cx="3369275" cy="0"/>
+          </a:xfrm>
+          <a:prstGeom prst="straightConnector1">
+            <a:avLst/>
+          </a:prstGeom>
+          <a:ln w="38100">
+            <a:solidFill>
+              <a:schemeClr val="tx1"/>
+            </a:solidFill>
+            <a:tailEnd type="triangle"/>
+          </a:ln>
+        </p:spPr>
+        <p:style>
+          <a:lnRef idx="1">
+            <a:schemeClr val="accent1"/>
+          </a:lnRef>
+          <a:fillRef idx="0">
+            <a:schemeClr val="accent1"/>
+          </a:fillRef>
+          <a:effectRef idx="0">
+            <a:schemeClr val="accent1"/>
+          </a:effectRef>
+          <a:fontRef idx="minor">
+            <a:schemeClr val="tx1"/>
+          </a:fontRef>
+        </p:style>
+      </p:cxnSp>
+      <p:cxnSp>
+        <p:nvCxnSpPr>
+          <p:cNvPr id="11" name="Straight Arrow Connector 10">
+            <a:extLst>
+              <a:ext uri="{FF2B5EF4-FFF2-40B4-BE49-F238E27FC236}">
+                <a16:creationId xmlns:a16="http://schemas.microsoft.com/office/drawing/2014/main" id="{D96B8551-0DBE-D342-9D47-9C04E29A6298}"/>
+              </a:ext>
+            </a:extLst>
+          </p:cNvPr>
+          <p:cNvCxnSpPr>
+            <a:cxnSpLocks/>
+            <a:stCxn id="12" idx="3"/>
+            <a:endCxn id="13" idx="1"/>
+          </p:cNvCxnSpPr>
+          <p:nvPr/>
+        </p:nvCxnSpPr>
+        <p:spPr>
+          <a:xfrm>
+            <a:off x="6198972" y="5116880"/>
+            <a:ext cx="3319847" cy="0"/>
+          </a:xfrm>
+          <a:prstGeom prst="straightConnector1">
+            <a:avLst/>
+          </a:prstGeom>
+          <a:ln w="38100">
+            <a:solidFill>
+              <a:schemeClr val="tx1"/>
+            </a:solidFill>
+            <a:headEnd type="triangle" w="med" len="med"/>
+            <a:tailEnd type="none" w="med" len="med"/>
+          </a:ln>
+        </p:spPr>
+        <p:style>
+          <a:lnRef idx="1">
+            <a:schemeClr val="accent1"/>
+          </a:lnRef>
+          <a:fillRef idx="0">
+            <a:schemeClr val="accent1"/>
+          </a:fillRef>
+          <a:effectRef idx="0">
+            <a:schemeClr val="accent1"/>
+          </a:effectRef>
+          <a:fontRef idx="minor">
+            <a:schemeClr val="tx1"/>
+          </a:fontRef>
+        </p:style>
+      </p:cxnSp>
+      <p:sp>
+        <p:nvSpPr>
+          <p:cNvPr id="12" name="TextBox 11">
+            <a:extLst>
+              <a:ext uri="{FF2B5EF4-FFF2-40B4-BE49-F238E27FC236}">
+                <a16:creationId xmlns:a16="http://schemas.microsoft.com/office/drawing/2014/main" id="{E34EFCD3-63D5-BA41-AB3E-7C1E265AAF42}"/>
+              </a:ext>
+            </a:extLst>
+          </p:cNvPr>
+          <p:cNvSpPr txBox="1"/>
+          <p:nvPr/>
+        </p:nvSpPr>
+        <p:spPr>
+          <a:xfrm>
+            <a:off x="5712938" y="4793714"/>
+            <a:ext cx="486034" cy="646331"/>
+          </a:xfrm>
+          <a:prstGeom prst="rect">
+            <a:avLst/>
+          </a:prstGeom>
+          <a:noFill/>
+        </p:spPr>
+        <p:txBody>
+          <a:bodyPr wrap="square" rtlCol="0">
+            <a:spAutoFit/>
+          </a:bodyPr>
+          <a:lstStyle/>
+          <a:p>
+            <a:pPr algn="ctr"/>
+            <a:r>
+              <a:rPr lang="en-US" sz="3600" dirty="0"/>
+              <a:t>Y</a:t>
+            </a:r>
+          </a:p>
+        </p:txBody>
+      </p:sp>
+      <p:sp>
+        <p:nvSpPr>
+          <p:cNvPr id="13" name="TextBox 12">
+            <a:extLst>
+              <a:ext uri="{FF2B5EF4-FFF2-40B4-BE49-F238E27FC236}">
+                <a16:creationId xmlns:a16="http://schemas.microsoft.com/office/drawing/2014/main" id="{295EF5AE-8DA4-BA45-A97F-1DAC2BA9B8FF}"/>
+              </a:ext>
+            </a:extLst>
+          </p:cNvPr>
+          <p:cNvSpPr txBox="1"/>
+          <p:nvPr/>
+        </p:nvSpPr>
+        <p:spPr>
+          <a:xfrm>
+            <a:off x="9518819" y="4793714"/>
+            <a:ext cx="486034" cy="646331"/>
+          </a:xfrm>
+          <a:prstGeom prst="rect">
+            <a:avLst/>
+          </a:prstGeom>
+          <a:noFill/>
+        </p:spPr>
+        <p:txBody>
+          <a:bodyPr wrap="square" rtlCol="0">
+            <a:spAutoFit/>
+          </a:bodyPr>
+          <a:lstStyle/>
+          <a:p>
+            <a:pPr algn="ctr"/>
+            <a:r>
+              <a:rPr lang="en-US" sz="3600" dirty="0"/>
+              <a:t>Z</a:t>
+            </a:r>
+          </a:p>
+        </p:txBody>
+      </p:sp>
     </p:spTree>
     <p:extLst>
       <p:ext uri="{BB962C8B-B14F-4D97-AF65-F5344CB8AC3E}">
-        <p14:creationId xmlns:p14="http://schemas.microsoft.com/office/powerpoint/2010/main" val="2107099766"/>
+        <p14:creationId xmlns:p14="http://schemas.microsoft.com/office/powerpoint/2010/main" val="2261861770"/>
       </p:ext>
     </p:extLst>
   </p:cSld>
@@ -5727,7 +6522,7 @@
 </p:sld>
 </file>
 
-<file path=ppt/slides/slide10.xml><?xml version="1.0" encoding="utf-8"?>
+<file path=ppt/slides/slide4.xml><?xml version="1.0" encoding="utf-8"?>
 <p:sld xmlns:a="http://schemas.openxmlformats.org/drawingml/2006/main" xmlns:r="http://schemas.openxmlformats.org/officeDocument/2006/relationships" xmlns:p="http://schemas.openxmlformats.org/presentationml/2006/main">
   <p:cSld>
     <p:spTree>
@@ -6225,7 +7020,7 @@
 </p:sld>
 </file>
 
-<file path=ppt/slides/slide11.xml><?xml version="1.0" encoding="utf-8"?>
+<file path=ppt/slides/slide5.xml><?xml version="1.0" encoding="utf-8"?>
 <p:sld xmlns:a="http://schemas.openxmlformats.org/drawingml/2006/main" xmlns:r="http://schemas.openxmlformats.org/officeDocument/2006/relationships" xmlns:p="http://schemas.openxmlformats.org/presentationml/2006/main">
   <p:cSld>
     <p:spTree>
@@ -6723,7 +7518,7 @@
 </p:sld>
 </file>
 
-<file path=ppt/slides/slide12.xml><?xml version="1.0" encoding="utf-8"?>
+<file path=ppt/slides/slide6.xml><?xml version="1.0" encoding="utf-8"?>
 <p:sld xmlns:a="http://schemas.openxmlformats.org/drawingml/2006/main" xmlns:r="http://schemas.openxmlformats.org/officeDocument/2006/relationships" xmlns:p="http://schemas.openxmlformats.org/presentationml/2006/main">
   <p:cSld>
     <p:spTree>
@@ -7093,2945 +7888,6 @@
     <p:extLst>
       <p:ext uri="{BB962C8B-B14F-4D97-AF65-F5344CB8AC3E}">
         <p14:creationId xmlns:p14="http://schemas.microsoft.com/office/powerpoint/2010/main" val="1074921630"/>
-      </p:ext>
-    </p:extLst>
-  </p:cSld>
-  <p:clrMapOvr>
-    <a:masterClrMapping/>
-  </p:clrMapOvr>
-</p:sld>
-</file>
-
-<file path=ppt/slides/slide2.xml><?xml version="1.0" encoding="utf-8"?>
-<p:sld xmlns:a="http://schemas.openxmlformats.org/drawingml/2006/main" xmlns:r="http://schemas.openxmlformats.org/officeDocument/2006/relationships" xmlns:p="http://schemas.openxmlformats.org/presentationml/2006/main">
-  <p:cSld>
-    <p:spTree>
-      <p:nvGrpSpPr>
-        <p:cNvPr id="1" name=""/>
-        <p:cNvGrpSpPr/>
-        <p:nvPr/>
-      </p:nvGrpSpPr>
-      <p:grpSpPr>
-        <a:xfrm>
-          <a:off x="0" y="0"/>
-          <a:ext cx="0" cy="0"/>
-          <a:chOff x="0" y="0"/>
-          <a:chExt cx="0" cy="0"/>
-        </a:xfrm>
-      </p:grpSpPr>
-      <p:sp>
-        <p:nvSpPr>
-          <p:cNvPr id="2" name="Title 1">
-            <a:extLst>
-              <a:ext uri="{FF2B5EF4-FFF2-40B4-BE49-F238E27FC236}">
-                <a16:creationId xmlns:a16="http://schemas.microsoft.com/office/drawing/2014/main" id="{CFB15DD3-BDA6-C840-A13C-B37B2A7D7F21}"/>
-              </a:ext>
-            </a:extLst>
-          </p:cNvPr>
-          <p:cNvSpPr>
-            <a:spLocks noGrp="1"/>
-          </p:cNvSpPr>
-          <p:nvPr>
-            <p:ph type="title"/>
-          </p:nvPr>
-        </p:nvSpPr>
-        <p:spPr/>
-        <p:txBody>
-          <a:bodyPr/>
-          <a:lstStyle/>
-          <a:p>
-            <a:r>
-              <a:rPr lang="en-US" dirty="0"/>
-              <a:t>Basic DAG structures – Nodes and Edges</a:t>
-            </a:r>
-          </a:p>
-        </p:txBody>
-      </p:sp>
-      <p:sp>
-        <p:nvSpPr>
-          <p:cNvPr id="8" name="TextBox 7">
-            <a:extLst>
-              <a:ext uri="{FF2B5EF4-FFF2-40B4-BE49-F238E27FC236}">
-                <a16:creationId xmlns:a16="http://schemas.microsoft.com/office/drawing/2014/main" id="{AA8329A4-47FB-3646-9FB7-1D2BD51DE441}"/>
-              </a:ext>
-            </a:extLst>
-          </p:cNvPr>
-          <p:cNvSpPr txBox="1"/>
-          <p:nvPr/>
-        </p:nvSpPr>
-        <p:spPr>
-          <a:xfrm>
-            <a:off x="1746418" y="4948881"/>
-            <a:ext cx="486034" cy="646331"/>
-          </a:xfrm>
-          <a:prstGeom prst="rect">
-            <a:avLst/>
-          </a:prstGeom>
-          <a:noFill/>
-        </p:spPr>
-        <p:txBody>
-          <a:bodyPr wrap="square" rtlCol="0">
-            <a:spAutoFit/>
-          </a:bodyPr>
-          <a:lstStyle/>
-          <a:p>
-            <a:pPr algn="ctr"/>
-            <a:r>
-              <a:rPr lang="en-US" sz="3600" dirty="0"/>
-              <a:t>X</a:t>
-            </a:r>
-          </a:p>
-        </p:txBody>
-      </p:sp>
-      <p:cxnSp>
-        <p:nvCxnSpPr>
-          <p:cNvPr id="10" name="Straight Arrow Connector 9">
-            <a:extLst>
-              <a:ext uri="{FF2B5EF4-FFF2-40B4-BE49-F238E27FC236}">
-                <a16:creationId xmlns:a16="http://schemas.microsoft.com/office/drawing/2014/main" id="{6789ECBF-A84F-B84E-953F-3B1649BA6D84}"/>
-              </a:ext>
-            </a:extLst>
-          </p:cNvPr>
-          <p:cNvCxnSpPr>
-            <a:cxnSpLocks/>
-            <a:stCxn id="8" idx="3"/>
-            <a:endCxn id="14" idx="1"/>
-          </p:cNvCxnSpPr>
-          <p:nvPr/>
-        </p:nvCxnSpPr>
-        <p:spPr>
-          <a:xfrm>
-            <a:off x="2232452" y="5272047"/>
-            <a:ext cx="3369275" cy="0"/>
-          </a:xfrm>
-          <a:prstGeom prst="straightConnector1">
-            <a:avLst/>
-          </a:prstGeom>
-          <a:ln w="38100">
-            <a:solidFill>
-              <a:schemeClr val="tx1"/>
-            </a:solidFill>
-            <a:tailEnd type="triangle"/>
-          </a:ln>
-        </p:spPr>
-        <p:style>
-          <a:lnRef idx="1">
-            <a:schemeClr val="accent1"/>
-          </a:lnRef>
-          <a:fillRef idx="0">
-            <a:schemeClr val="accent1"/>
-          </a:fillRef>
-          <a:effectRef idx="0">
-            <a:schemeClr val="accent1"/>
-          </a:effectRef>
-          <a:fontRef idx="minor">
-            <a:schemeClr val="tx1"/>
-          </a:fontRef>
-        </p:style>
-      </p:cxnSp>
-      <p:cxnSp>
-        <p:nvCxnSpPr>
-          <p:cNvPr id="12" name="Straight Arrow Connector 11">
-            <a:extLst>
-              <a:ext uri="{FF2B5EF4-FFF2-40B4-BE49-F238E27FC236}">
-                <a16:creationId xmlns:a16="http://schemas.microsoft.com/office/drawing/2014/main" id="{DEF6E3E1-D0F0-F14E-A8DB-74DE3D3A4A42}"/>
-              </a:ext>
-            </a:extLst>
-          </p:cNvPr>
-          <p:cNvCxnSpPr>
-            <a:cxnSpLocks/>
-            <a:stCxn id="14" idx="3"/>
-            <a:endCxn id="15" idx="1"/>
-          </p:cNvCxnSpPr>
-          <p:nvPr/>
-        </p:nvCxnSpPr>
-        <p:spPr>
-          <a:xfrm>
-            <a:off x="6087761" y="5272047"/>
-            <a:ext cx="3319847" cy="0"/>
-          </a:xfrm>
-          <a:prstGeom prst="straightConnector1">
-            <a:avLst/>
-          </a:prstGeom>
-          <a:ln w="38100">
-            <a:solidFill>
-              <a:schemeClr val="tx1"/>
-            </a:solidFill>
-            <a:tailEnd type="triangle"/>
-          </a:ln>
-        </p:spPr>
-        <p:style>
-          <a:lnRef idx="1">
-            <a:schemeClr val="accent1"/>
-          </a:lnRef>
-          <a:fillRef idx="0">
-            <a:schemeClr val="accent1"/>
-          </a:fillRef>
-          <a:effectRef idx="0">
-            <a:schemeClr val="accent1"/>
-          </a:effectRef>
-          <a:fontRef idx="minor">
-            <a:schemeClr val="tx1"/>
-          </a:fontRef>
-        </p:style>
-      </p:cxnSp>
-      <p:sp>
-        <p:nvSpPr>
-          <p:cNvPr id="14" name="TextBox 13">
-            <a:extLst>
-              <a:ext uri="{FF2B5EF4-FFF2-40B4-BE49-F238E27FC236}">
-                <a16:creationId xmlns:a16="http://schemas.microsoft.com/office/drawing/2014/main" id="{73FB80DC-C79E-ED46-B12B-48BC31A4E4E4}"/>
-              </a:ext>
-            </a:extLst>
-          </p:cNvPr>
-          <p:cNvSpPr txBox="1"/>
-          <p:nvPr/>
-        </p:nvSpPr>
-        <p:spPr>
-          <a:xfrm>
-            <a:off x="5601727" y="4948881"/>
-            <a:ext cx="486034" cy="646331"/>
-          </a:xfrm>
-          <a:prstGeom prst="rect">
-            <a:avLst/>
-          </a:prstGeom>
-          <a:noFill/>
-        </p:spPr>
-        <p:txBody>
-          <a:bodyPr wrap="square" rtlCol="0">
-            <a:spAutoFit/>
-          </a:bodyPr>
-          <a:lstStyle/>
-          <a:p>
-            <a:pPr algn="ctr"/>
-            <a:r>
-              <a:rPr lang="en-US" sz="3600" dirty="0"/>
-              <a:t>Y</a:t>
-            </a:r>
-          </a:p>
-        </p:txBody>
-      </p:sp>
-      <p:sp>
-        <p:nvSpPr>
-          <p:cNvPr id="15" name="TextBox 14">
-            <a:extLst>
-              <a:ext uri="{FF2B5EF4-FFF2-40B4-BE49-F238E27FC236}">
-                <a16:creationId xmlns:a16="http://schemas.microsoft.com/office/drawing/2014/main" id="{B4791219-A3C1-3048-9F75-C40BFAB1FCC8}"/>
-              </a:ext>
-            </a:extLst>
-          </p:cNvPr>
-          <p:cNvSpPr txBox="1"/>
-          <p:nvPr/>
-        </p:nvSpPr>
-        <p:spPr>
-          <a:xfrm>
-            <a:off x="9407608" y="4948881"/>
-            <a:ext cx="486034" cy="646331"/>
-          </a:xfrm>
-          <a:prstGeom prst="rect">
-            <a:avLst/>
-          </a:prstGeom>
-          <a:noFill/>
-        </p:spPr>
-        <p:txBody>
-          <a:bodyPr wrap="square" rtlCol="0">
-            <a:spAutoFit/>
-          </a:bodyPr>
-          <a:lstStyle/>
-          <a:p>
-            <a:pPr algn="ctr"/>
-            <a:r>
-              <a:rPr lang="en-US" sz="3600" dirty="0"/>
-              <a:t>Z</a:t>
-            </a:r>
-          </a:p>
-        </p:txBody>
-      </p:sp>
-      <p:sp>
-        <p:nvSpPr>
-          <p:cNvPr id="16" name="Oval 15">
-            <a:extLst>
-              <a:ext uri="{FF2B5EF4-FFF2-40B4-BE49-F238E27FC236}">
-                <a16:creationId xmlns:a16="http://schemas.microsoft.com/office/drawing/2014/main" id="{F9B079C2-E924-9D4B-95C0-3D98AE551720}"/>
-              </a:ext>
-            </a:extLst>
-          </p:cNvPr>
-          <p:cNvSpPr/>
-          <p:nvPr/>
-        </p:nvSpPr>
-        <p:spPr>
-          <a:xfrm>
-            <a:off x="1902939" y="2622313"/>
-            <a:ext cx="370702" cy="370702"/>
-          </a:xfrm>
-          <a:prstGeom prst="ellipse">
-            <a:avLst/>
-          </a:prstGeom>
-        </p:spPr>
-        <p:style>
-          <a:lnRef idx="2">
-            <a:schemeClr val="accent1">
-              <a:shade val="50000"/>
-            </a:schemeClr>
-          </a:lnRef>
-          <a:fillRef idx="1">
-            <a:schemeClr val="accent1"/>
-          </a:fillRef>
-          <a:effectRef idx="0">
-            <a:schemeClr val="accent1"/>
-          </a:effectRef>
-          <a:fontRef idx="minor">
-            <a:schemeClr val="lt1"/>
-          </a:fontRef>
-        </p:style>
-        <p:txBody>
-          <a:bodyPr rtlCol="0" anchor="ctr"/>
-          <a:lstStyle/>
-          <a:p>
-            <a:pPr algn="ctr"/>
-            <a:endParaRPr lang="en-US"/>
-          </a:p>
-        </p:txBody>
-      </p:sp>
-      <p:sp>
-        <p:nvSpPr>
-          <p:cNvPr id="17" name="Oval 16">
-            <a:extLst>
-              <a:ext uri="{FF2B5EF4-FFF2-40B4-BE49-F238E27FC236}">
-                <a16:creationId xmlns:a16="http://schemas.microsoft.com/office/drawing/2014/main" id="{46A451E3-5B40-B84C-8D42-0838B419304B}"/>
-              </a:ext>
-            </a:extLst>
-          </p:cNvPr>
-          <p:cNvSpPr/>
-          <p:nvPr/>
-        </p:nvSpPr>
-        <p:spPr>
-          <a:xfrm>
-            <a:off x="5717059" y="2622313"/>
-            <a:ext cx="370702" cy="370702"/>
-          </a:xfrm>
-          <a:prstGeom prst="ellipse">
-            <a:avLst/>
-          </a:prstGeom>
-        </p:spPr>
-        <p:style>
-          <a:lnRef idx="2">
-            <a:schemeClr val="accent1">
-              <a:shade val="50000"/>
-            </a:schemeClr>
-          </a:lnRef>
-          <a:fillRef idx="1">
-            <a:schemeClr val="accent1"/>
-          </a:fillRef>
-          <a:effectRef idx="0">
-            <a:schemeClr val="accent1"/>
-          </a:effectRef>
-          <a:fontRef idx="minor">
-            <a:schemeClr val="lt1"/>
-          </a:fontRef>
-        </p:style>
-        <p:txBody>
-          <a:bodyPr rtlCol="0" anchor="ctr"/>
-          <a:lstStyle/>
-          <a:p>
-            <a:pPr algn="ctr"/>
-            <a:endParaRPr lang="en-US"/>
-          </a:p>
-        </p:txBody>
-      </p:sp>
-      <p:sp>
-        <p:nvSpPr>
-          <p:cNvPr id="18" name="TextBox 17">
-            <a:extLst>
-              <a:ext uri="{FF2B5EF4-FFF2-40B4-BE49-F238E27FC236}">
-                <a16:creationId xmlns:a16="http://schemas.microsoft.com/office/drawing/2014/main" id="{C51452A1-B22E-074B-B2CC-BCFAD91828D8}"/>
-              </a:ext>
-            </a:extLst>
-          </p:cNvPr>
-          <p:cNvSpPr txBox="1"/>
-          <p:nvPr/>
-        </p:nvSpPr>
-        <p:spPr>
-          <a:xfrm>
-            <a:off x="1495165" y="3277222"/>
-            <a:ext cx="1186249" cy="369332"/>
-          </a:xfrm>
-          <a:prstGeom prst="rect">
-            <a:avLst/>
-          </a:prstGeom>
-          <a:noFill/>
-        </p:spPr>
-        <p:txBody>
-          <a:bodyPr wrap="square" rtlCol="0">
-            <a:spAutoFit/>
-          </a:bodyPr>
-          <a:lstStyle/>
-          <a:p>
-            <a:pPr algn="ctr"/>
-            <a:r>
-              <a:rPr lang="en-US" dirty="0"/>
-              <a:t>X</a:t>
-            </a:r>
-          </a:p>
-        </p:txBody>
-      </p:sp>
-      <p:sp>
-        <p:nvSpPr>
-          <p:cNvPr id="19" name="TextBox 18">
-            <a:extLst>
-              <a:ext uri="{FF2B5EF4-FFF2-40B4-BE49-F238E27FC236}">
-                <a16:creationId xmlns:a16="http://schemas.microsoft.com/office/drawing/2014/main" id="{574CF164-9728-F64D-B831-8BBDF8C7BCD8}"/>
-              </a:ext>
-            </a:extLst>
-          </p:cNvPr>
-          <p:cNvSpPr txBox="1"/>
-          <p:nvPr/>
-        </p:nvSpPr>
-        <p:spPr>
-          <a:xfrm>
-            <a:off x="5309285" y="3277222"/>
-            <a:ext cx="1186249" cy="369332"/>
-          </a:xfrm>
-          <a:prstGeom prst="rect">
-            <a:avLst/>
-          </a:prstGeom>
-          <a:noFill/>
-        </p:spPr>
-        <p:txBody>
-          <a:bodyPr wrap="square" rtlCol="0">
-            <a:spAutoFit/>
-          </a:bodyPr>
-          <a:lstStyle/>
-          <a:p>
-            <a:pPr algn="ctr"/>
-            <a:r>
-              <a:rPr lang="en-US" dirty="0"/>
-              <a:t>Y</a:t>
-            </a:r>
-          </a:p>
-        </p:txBody>
-      </p:sp>
-      <p:cxnSp>
-        <p:nvCxnSpPr>
-          <p:cNvPr id="20" name="Straight Arrow Connector 19">
-            <a:extLst>
-              <a:ext uri="{FF2B5EF4-FFF2-40B4-BE49-F238E27FC236}">
-                <a16:creationId xmlns:a16="http://schemas.microsoft.com/office/drawing/2014/main" id="{150F07BA-12F5-C94C-9315-6A2006C251E3}"/>
-              </a:ext>
-            </a:extLst>
-          </p:cNvPr>
-          <p:cNvCxnSpPr>
-            <a:cxnSpLocks/>
-            <a:stCxn id="16" idx="6"/>
-            <a:endCxn id="17" idx="2"/>
-          </p:cNvCxnSpPr>
-          <p:nvPr/>
-        </p:nvCxnSpPr>
-        <p:spPr>
-          <a:xfrm>
-            <a:off x="2273641" y="2807664"/>
-            <a:ext cx="3443418" cy="0"/>
-          </a:xfrm>
-          <a:prstGeom prst="straightConnector1">
-            <a:avLst/>
-          </a:prstGeom>
-          <a:ln w="38100">
-            <a:solidFill>
-              <a:schemeClr val="tx1"/>
-            </a:solidFill>
-            <a:tailEnd type="triangle"/>
-          </a:ln>
-        </p:spPr>
-        <p:style>
-          <a:lnRef idx="1">
-            <a:schemeClr val="accent1"/>
-          </a:lnRef>
-          <a:fillRef idx="0">
-            <a:schemeClr val="accent1"/>
-          </a:fillRef>
-          <a:effectRef idx="0">
-            <a:schemeClr val="accent1"/>
-          </a:effectRef>
-          <a:fontRef idx="minor">
-            <a:schemeClr val="tx1"/>
-          </a:fontRef>
-        </p:style>
-      </p:cxnSp>
-      <p:sp>
-        <p:nvSpPr>
-          <p:cNvPr id="21" name="Oval 20">
-            <a:extLst>
-              <a:ext uri="{FF2B5EF4-FFF2-40B4-BE49-F238E27FC236}">
-                <a16:creationId xmlns:a16="http://schemas.microsoft.com/office/drawing/2014/main" id="{ABA1E88C-5A39-8747-A2FC-E5C4DE325731}"/>
-              </a:ext>
-            </a:extLst>
-          </p:cNvPr>
-          <p:cNvSpPr/>
-          <p:nvPr/>
-        </p:nvSpPr>
-        <p:spPr>
-          <a:xfrm>
-            <a:off x="9522939" y="2622313"/>
-            <a:ext cx="370702" cy="370702"/>
-          </a:xfrm>
-          <a:prstGeom prst="ellipse">
-            <a:avLst/>
-          </a:prstGeom>
-        </p:spPr>
-        <p:style>
-          <a:lnRef idx="2">
-            <a:schemeClr val="accent1">
-              <a:shade val="50000"/>
-            </a:schemeClr>
-          </a:lnRef>
-          <a:fillRef idx="1">
-            <a:schemeClr val="accent1"/>
-          </a:fillRef>
-          <a:effectRef idx="0">
-            <a:schemeClr val="accent1"/>
-          </a:effectRef>
-          <a:fontRef idx="minor">
-            <a:schemeClr val="lt1"/>
-          </a:fontRef>
-        </p:style>
-        <p:txBody>
-          <a:bodyPr rtlCol="0" anchor="ctr"/>
-          <a:lstStyle/>
-          <a:p>
-            <a:pPr algn="ctr"/>
-            <a:endParaRPr lang="en-US"/>
-          </a:p>
-        </p:txBody>
-      </p:sp>
-      <p:sp>
-        <p:nvSpPr>
-          <p:cNvPr id="22" name="TextBox 21">
-            <a:extLst>
-              <a:ext uri="{FF2B5EF4-FFF2-40B4-BE49-F238E27FC236}">
-                <a16:creationId xmlns:a16="http://schemas.microsoft.com/office/drawing/2014/main" id="{24EF2F82-8570-1042-8717-7E2A5B34D05E}"/>
-              </a:ext>
-            </a:extLst>
-          </p:cNvPr>
-          <p:cNvSpPr txBox="1"/>
-          <p:nvPr/>
-        </p:nvSpPr>
-        <p:spPr>
-          <a:xfrm>
-            <a:off x="9115165" y="3277222"/>
-            <a:ext cx="1186249" cy="369332"/>
-          </a:xfrm>
-          <a:prstGeom prst="rect">
-            <a:avLst/>
-          </a:prstGeom>
-          <a:noFill/>
-        </p:spPr>
-        <p:txBody>
-          <a:bodyPr wrap="square" rtlCol="0">
-            <a:spAutoFit/>
-          </a:bodyPr>
-          <a:lstStyle/>
-          <a:p>
-            <a:pPr algn="ctr"/>
-            <a:r>
-              <a:rPr lang="en-US" dirty="0"/>
-              <a:t>Z</a:t>
-            </a:r>
-          </a:p>
-        </p:txBody>
-      </p:sp>
-      <p:cxnSp>
-        <p:nvCxnSpPr>
-          <p:cNvPr id="23" name="Straight Arrow Connector 22">
-            <a:extLst>
-              <a:ext uri="{FF2B5EF4-FFF2-40B4-BE49-F238E27FC236}">
-                <a16:creationId xmlns:a16="http://schemas.microsoft.com/office/drawing/2014/main" id="{771ABE2A-B904-1244-8B3B-5859043A62F2}"/>
-              </a:ext>
-            </a:extLst>
-          </p:cNvPr>
-          <p:cNvCxnSpPr>
-            <a:cxnSpLocks/>
-            <a:endCxn id="21" idx="2"/>
-          </p:cNvCxnSpPr>
-          <p:nvPr/>
-        </p:nvCxnSpPr>
-        <p:spPr>
-          <a:xfrm>
-            <a:off x="6079521" y="2807664"/>
-            <a:ext cx="3443418" cy="0"/>
-          </a:xfrm>
-          <a:prstGeom prst="straightConnector1">
-            <a:avLst/>
-          </a:prstGeom>
-          <a:ln w="38100">
-            <a:solidFill>
-              <a:schemeClr val="tx1"/>
-            </a:solidFill>
-            <a:tailEnd type="triangle"/>
-          </a:ln>
-        </p:spPr>
-        <p:style>
-          <a:lnRef idx="1">
-            <a:schemeClr val="accent1"/>
-          </a:lnRef>
-          <a:fillRef idx="0">
-            <a:schemeClr val="accent1"/>
-          </a:fillRef>
-          <a:effectRef idx="0">
-            <a:schemeClr val="accent1"/>
-          </a:effectRef>
-          <a:fontRef idx="minor">
-            <a:schemeClr val="tx1"/>
-          </a:fontRef>
-        </p:style>
-      </p:cxnSp>
-    </p:spTree>
-    <p:extLst>
-      <p:ext uri="{BB962C8B-B14F-4D97-AF65-F5344CB8AC3E}">
-        <p14:creationId xmlns:p14="http://schemas.microsoft.com/office/powerpoint/2010/main" val="1476338338"/>
-      </p:ext>
-    </p:extLst>
-  </p:cSld>
-  <p:clrMapOvr>
-    <a:masterClrMapping/>
-  </p:clrMapOvr>
-</p:sld>
-</file>
-
-<file path=ppt/slides/slide3.xml><?xml version="1.0" encoding="utf-8"?>
-<p:sld xmlns:a="http://schemas.openxmlformats.org/drawingml/2006/main" xmlns:r="http://schemas.openxmlformats.org/officeDocument/2006/relationships" xmlns:p="http://schemas.openxmlformats.org/presentationml/2006/main">
-  <p:cSld>
-    <p:spTree>
-      <p:nvGrpSpPr>
-        <p:cNvPr id="1" name=""/>
-        <p:cNvGrpSpPr/>
-        <p:nvPr/>
-      </p:nvGrpSpPr>
-      <p:grpSpPr>
-        <a:xfrm>
-          <a:off x="0" y="0"/>
-          <a:ext cx="0" cy="0"/>
-          <a:chOff x="0" y="0"/>
-          <a:chExt cx="0" cy="0"/>
-        </a:xfrm>
-      </p:grpSpPr>
-      <p:sp>
-        <p:nvSpPr>
-          <p:cNvPr id="2" name="Title 1">
-            <a:extLst>
-              <a:ext uri="{FF2B5EF4-FFF2-40B4-BE49-F238E27FC236}">
-                <a16:creationId xmlns:a16="http://schemas.microsoft.com/office/drawing/2014/main" id="{CFB15DD3-BDA6-C840-A13C-B37B2A7D7F21}"/>
-              </a:ext>
-            </a:extLst>
-          </p:cNvPr>
-          <p:cNvSpPr>
-            <a:spLocks noGrp="1"/>
-          </p:cNvSpPr>
-          <p:nvPr>
-            <p:ph type="title"/>
-          </p:nvPr>
-        </p:nvSpPr>
-        <p:spPr/>
-        <p:txBody>
-          <a:bodyPr/>
-          <a:lstStyle/>
-          <a:p>
-            <a:r>
-              <a:rPr lang="en-US" dirty="0"/>
-              <a:t>Basic DAG structures – Descendants</a:t>
-            </a:r>
-          </a:p>
-        </p:txBody>
-      </p:sp>
-      <p:sp>
-        <p:nvSpPr>
-          <p:cNvPr id="8" name="TextBox 7">
-            <a:extLst>
-              <a:ext uri="{FF2B5EF4-FFF2-40B4-BE49-F238E27FC236}">
-                <a16:creationId xmlns:a16="http://schemas.microsoft.com/office/drawing/2014/main" id="{AA8329A4-47FB-3646-9FB7-1D2BD51DE441}"/>
-              </a:ext>
-            </a:extLst>
-          </p:cNvPr>
-          <p:cNvSpPr txBox="1"/>
-          <p:nvPr/>
-        </p:nvSpPr>
-        <p:spPr>
-          <a:xfrm>
-            <a:off x="1857629" y="3105834"/>
-            <a:ext cx="486034" cy="646331"/>
-          </a:xfrm>
-          <a:prstGeom prst="rect">
-            <a:avLst/>
-          </a:prstGeom>
-          <a:noFill/>
-        </p:spPr>
-        <p:txBody>
-          <a:bodyPr wrap="square" rtlCol="0">
-            <a:spAutoFit/>
-          </a:bodyPr>
-          <a:lstStyle/>
-          <a:p>
-            <a:pPr algn="ctr"/>
-            <a:r>
-              <a:rPr lang="en-US" sz="3600" dirty="0"/>
-              <a:t>X</a:t>
-            </a:r>
-          </a:p>
-        </p:txBody>
-      </p:sp>
-      <p:cxnSp>
-        <p:nvCxnSpPr>
-          <p:cNvPr id="10" name="Straight Arrow Connector 9">
-            <a:extLst>
-              <a:ext uri="{FF2B5EF4-FFF2-40B4-BE49-F238E27FC236}">
-                <a16:creationId xmlns:a16="http://schemas.microsoft.com/office/drawing/2014/main" id="{6789ECBF-A84F-B84E-953F-3B1649BA6D84}"/>
-              </a:ext>
-            </a:extLst>
-          </p:cNvPr>
-          <p:cNvCxnSpPr>
-            <a:cxnSpLocks/>
-            <a:stCxn id="8" idx="3"/>
-            <a:endCxn id="14" idx="1"/>
-          </p:cNvCxnSpPr>
-          <p:nvPr/>
-        </p:nvCxnSpPr>
-        <p:spPr>
-          <a:xfrm>
-            <a:off x="2343663" y="3429000"/>
-            <a:ext cx="3369275" cy="0"/>
-          </a:xfrm>
-          <a:prstGeom prst="straightConnector1">
-            <a:avLst/>
-          </a:prstGeom>
-          <a:ln w="38100">
-            <a:solidFill>
-              <a:schemeClr val="tx1"/>
-            </a:solidFill>
-            <a:tailEnd type="triangle"/>
-          </a:ln>
-        </p:spPr>
-        <p:style>
-          <a:lnRef idx="1">
-            <a:schemeClr val="accent1"/>
-          </a:lnRef>
-          <a:fillRef idx="0">
-            <a:schemeClr val="accent1"/>
-          </a:fillRef>
-          <a:effectRef idx="0">
-            <a:schemeClr val="accent1"/>
-          </a:effectRef>
-          <a:fontRef idx="minor">
-            <a:schemeClr val="tx1"/>
-          </a:fontRef>
-        </p:style>
-      </p:cxnSp>
-      <p:cxnSp>
-        <p:nvCxnSpPr>
-          <p:cNvPr id="12" name="Straight Arrow Connector 11">
-            <a:extLst>
-              <a:ext uri="{FF2B5EF4-FFF2-40B4-BE49-F238E27FC236}">
-                <a16:creationId xmlns:a16="http://schemas.microsoft.com/office/drawing/2014/main" id="{DEF6E3E1-D0F0-F14E-A8DB-74DE3D3A4A42}"/>
-              </a:ext>
-            </a:extLst>
-          </p:cNvPr>
-          <p:cNvCxnSpPr>
-            <a:cxnSpLocks/>
-            <a:stCxn id="14" idx="3"/>
-            <a:endCxn id="15" idx="1"/>
-          </p:cNvCxnSpPr>
-          <p:nvPr/>
-        </p:nvCxnSpPr>
-        <p:spPr>
-          <a:xfrm>
-            <a:off x="6198972" y="3429000"/>
-            <a:ext cx="3319847" cy="0"/>
-          </a:xfrm>
-          <a:prstGeom prst="straightConnector1">
-            <a:avLst/>
-          </a:prstGeom>
-          <a:ln w="38100">
-            <a:solidFill>
-              <a:schemeClr val="tx1"/>
-            </a:solidFill>
-            <a:tailEnd type="triangle"/>
-          </a:ln>
-        </p:spPr>
-        <p:style>
-          <a:lnRef idx="1">
-            <a:schemeClr val="accent1"/>
-          </a:lnRef>
-          <a:fillRef idx="0">
-            <a:schemeClr val="accent1"/>
-          </a:fillRef>
-          <a:effectRef idx="0">
-            <a:schemeClr val="accent1"/>
-          </a:effectRef>
-          <a:fontRef idx="minor">
-            <a:schemeClr val="tx1"/>
-          </a:fontRef>
-        </p:style>
-      </p:cxnSp>
-      <p:sp>
-        <p:nvSpPr>
-          <p:cNvPr id="14" name="TextBox 13">
-            <a:extLst>
-              <a:ext uri="{FF2B5EF4-FFF2-40B4-BE49-F238E27FC236}">
-                <a16:creationId xmlns:a16="http://schemas.microsoft.com/office/drawing/2014/main" id="{73FB80DC-C79E-ED46-B12B-48BC31A4E4E4}"/>
-              </a:ext>
-            </a:extLst>
-          </p:cNvPr>
-          <p:cNvSpPr txBox="1"/>
-          <p:nvPr/>
-        </p:nvSpPr>
-        <p:spPr>
-          <a:xfrm>
-            <a:off x="5712938" y="3105834"/>
-            <a:ext cx="486034" cy="646331"/>
-          </a:xfrm>
-          <a:prstGeom prst="rect">
-            <a:avLst/>
-          </a:prstGeom>
-          <a:noFill/>
-        </p:spPr>
-        <p:txBody>
-          <a:bodyPr wrap="square" rtlCol="0">
-            <a:spAutoFit/>
-          </a:bodyPr>
-          <a:lstStyle/>
-          <a:p>
-            <a:pPr algn="ctr"/>
-            <a:r>
-              <a:rPr lang="en-US" sz="3600" dirty="0"/>
-              <a:t>Y</a:t>
-            </a:r>
-          </a:p>
-        </p:txBody>
-      </p:sp>
-      <p:sp>
-        <p:nvSpPr>
-          <p:cNvPr id="15" name="TextBox 14">
-            <a:extLst>
-              <a:ext uri="{FF2B5EF4-FFF2-40B4-BE49-F238E27FC236}">
-                <a16:creationId xmlns:a16="http://schemas.microsoft.com/office/drawing/2014/main" id="{B4791219-A3C1-3048-9F75-C40BFAB1FCC8}"/>
-              </a:ext>
-            </a:extLst>
-          </p:cNvPr>
-          <p:cNvSpPr txBox="1"/>
-          <p:nvPr/>
-        </p:nvSpPr>
-        <p:spPr>
-          <a:xfrm>
-            <a:off x="9518819" y="3105834"/>
-            <a:ext cx="486034" cy="646331"/>
-          </a:xfrm>
-          <a:prstGeom prst="rect">
-            <a:avLst/>
-          </a:prstGeom>
-          <a:noFill/>
-        </p:spPr>
-        <p:txBody>
-          <a:bodyPr wrap="square" rtlCol="0">
-            <a:spAutoFit/>
-          </a:bodyPr>
-          <a:lstStyle/>
-          <a:p>
-            <a:pPr algn="ctr"/>
-            <a:r>
-              <a:rPr lang="en-US" sz="3600" dirty="0"/>
-              <a:t>Z</a:t>
-            </a:r>
-          </a:p>
-        </p:txBody>
-      </p:sp>
-      <p:sp>
-        <p:nvSpPr>
-          <p:cNvPr id="3" name="TextBox 2">
-            <a:extLst>
-              <a:ext uri="{FF2B5EF4-FFF2-40B4-BE49-F238E27FC236}">
-                <a16:creationId xmlns:a16="http://schemas.microsoft.com/office/drawing/2014/main" id="{3621414B-E98F-4646-B0C4-00C3856F4131}"/>
-              </a:ext>
-            </a:extLst>
-          </p:cNvPr>
-          <p:cNvSpPr txBox="1"/>
-          <p:nvPr/>
-        </p:nvSpPr>
-        <p:spPr>
-          <a:xfrm>
-            <a:off x="1409719" y="2598004"/>
-            <a:ext cx="1381853" cy="369332"/>
-          </a:xfrm>
-          <a:prstGeom prst="rect">
-            <a:avLst/>
-          </a:prstGeom>
-          <a:noFill/>
-        </p:spPr>
-        <p:txBody>
-          <a:bodyPr wrap="none" rtlCol="0">
-            <a:spAutoFit/>
-          </a:bodyPr>
-          <a:lstStyle/>
-          <a:p>
-            <a:pPr algn="ctr"/>
-            <a:r>
-              <a:rPr lang="en-US" dirty="0"/>
-              <a:t>Grandparent</a:t>
-            </a:r>
-          </a:p>
-        </p:txBody>
-      </p:sp>
-      <p:sp>
-        <p:nvSpPr>
-          <p:cNvPr id="24" name="TextBox 23">
-            <a:extLst>
-              <a:ext uri="{FF2B5EF4-FFF2-40B4-BE49-F238E27FC236}">
-                <a16:creationId xmlns:a16="http://schemas.microsoft.com/office/drawing/2014/main" id="{B3C98BD3-C371-0440-B690-E3095CC0DC05}"/>
-              </a:ext>
-            </a:extLst>
-          </p:cNvPr>
-          <p:cNvSpPr txBox="1"/>
-          <p:nvPr/>
-        </p:nvSpPr>
-        <p:spPr>
-          <a:xfrm>
-            <a:off x="5556872" y="2574919"/>
-            <a:ext cx="798167" cy="369332"/>
-          </a:xfrm>
-          <a:prstGeom prst="rect">
-            <a:avLst/>
-          </a:prstGeom>
-          <a:noFill/>
-        </p:spPr>
-        <p:txBody>
-          <a:bodyPr wrap="none" rtlCol="0">
-            <a:spAutoFit/>
-          </a:bodyPr>
-          <a:lstStyle/>
-          <a:p>
-            <a:pPr algn="ctr"/>
-            <a:r>
-              <a:rPr lang="en-US" dirty="0"/>
-              <a:t>Parent</a:t>
-            </a:r>
-          </a:p>
-        </p:txBody>
-      </p:sp>
-      <p:sp>
-        <p:nvSpPr>
-          <p:cNvPr id="25" name="TextBox 24">
-            <a:extLst>
-              <a:ext uri="{FF2B5EF4-FFF2-40B4-BE49-F238E27FC236}">
-                <a16:creationId xmlns:a16="http://schemas.microsoft.com/office/drawing/2014/main" id="{2540EA9E-A290-6840-989D-6297D3063920}"/>
-              </a:ext>
-            </a:extLst>
-          </p:cNvPr>
-          <p:cNvSpPr txBox="1"/>
-          <p:nvPr/>
-        </p:nvSpPr>
-        <p:spPr>
-          <a:xfrm>
-            <a:off x="9433061" y="2598004"/>
-            <a:ext cx="657552" cy="369332"/>
-          </a:xfrm>
-          <a:prstGeom prst="rect">
-            <a:avLst/>
-          </a:prstGeom>
-          <a:noFill/>
-        </p:spPr>
-        <p:txBody>
-          <a:bodyPr wrap="none" rtlCol="0">
-            <a:spAutoFit/>
-          </a:bodyPr>
-          <a:lstStyle/>
-          <a:p>
-            <a:pPr algn="ctr"/>
-            <a:r>
-              <a:rPr lang="en-US" dirty="0"/>
-              <a:t>Child</a:t>
-            </a:r>
-          </a:p>
-        </p:txBody>
-      </p:sp>
-      <p:sp>
-        <p:nvSpPr>
-          <p:cNvPr id="26" name="TextBox 25">
-            <a:extLst>
-              <a:ext uri="{FF2B5EF4-FFF2-40B4-BE49-F238E27FC236}">
-                <a16:creationId xmlns:a16="http://schemas.microsoft.com/office/drawing/2014/main" id="{03D1B89E-3E49-544B-B076-5B3537E66585}"/>
-              </a:ext>
-            </a:extLst>
-          </p:cNvPr>
-          <p:cNvSpPr txBox="1"/>
-          <p:nvPr/>
-        </p:nvSpPr>
-        <p:spPr>
-          <a:xfrm>
-            <a:off x="1701562" y="3824072"/>
-            <a:ext cx="798167" cy="369332"/>
-          </a:xfrm>
-          <a:prstGeom prst="rect">
-            <a:avLst/>
-          </a:prstGeom>
-          <a:noFill/>
-        </p:spPr>
-        <p:txBody>
-          <a:bodyPr wrap="none" rtlCol="0">
-            <a:spAutoFit/>
-          </a:bodyPr>
-          <a:lstStyle/>
-          <a:p>
-            <a:pPr algn="ctr"/>
-            <a:r>
-              <a:rPr lang="en-US" dirty="0"/>
-              <a:t>Parent</a:t>
-            </a:r>
-          </a:p>
-        </p:txBody>
-      </p:sp>
-      <p:sp>
-        <p:nvSpPr>
-          <p:cNvPr id="27" name="TextBox 26">
-            <a:extLst>
-              <a:ext uri="{FF2B5EF4-FFF2-40B4-BE49-F238E27FC236}">
-                <a16:creationId xmlns:a16="http://schemas.microsoft.com/office/drawing/2014/main" id="{0CB1F767-48C9-D045-91FD-AF32408FC0A7}"/>
-              </a:ext>
-            </a:extLst>
-          </p:cNvPr>
-          <p:cNvSpPr txBox="1"/>
-          <p:nvPr/>
-        </p:nvSpPr>
-        <p:spPr>
-          <a:xfrm>
-            <a:off x="5627180" y="3824072"/>
-            <a:ext cx="657552" cy="369332"/>
-          </a:xfrm>
-          <a:prstGeom prst="rect">
-            <a:avLst/>
-          </a:prstGeom>
-          <a:noFill/>
-        </p:spPr>
-        <p:txBody>
-          <a:bodyPr wrap="none" rtlCol="0">
-            <a:spAutoFit/>
-          </a:bodyPr>
-          <a:lstStyle/>
-          <a:p>
-            <a:pPr algn="ctr"/>
-            <a:r>
-              <a:rPr lang="en-US" dirty="0"/>
-              <a:t>Child</a:t>
-            </a:r>
-          </a:p>
-        </p:txBody>
-      </p:sp>
-      <p:sp>
-        <p:nvSpPr>
-          <p:cNvPr id="28" name="TextBox 27">
-            <a:extLst>
-              <a:ext uri="{FF2B5EF4-FFF2-40B4-BE49-F238E27FC236}">
-                <a16:creationId xmlns:a16="http://schemas.microsoft.com/office/drawing/2014/main" id="{9724B62A-89B1-104D-9086-51B253833E9B}"/>
-              </a:ext>
-            </a:extLst>
-          </p:cNvPr>
-          <p:cNvSpPr txBox="1"/>
-          <p:nvPr/>
-        </p:nvSpPr>
-        <p:spPr>
-          <a:xfrm>
-            <a:off x="9158116" y="3824072"/>
-            <a:ext cx="1207446" cy="369332"/>
-          </a:xfrm>
-          <a:prstGeom prst="rect">
-            <a:avLst/>
-          </a:prstGeom>
-          <a:noFill/>
-        </p:spPr>
-        <p:txBody>
-          <a:bodyPr wrap="none" rtlCol="0">
-            <a:spAutoFit/>
-          </a:bodyPr>
-          <a:lstStyle/>
-          <a:p>
-            <a:pPr algn="ctr"/>
-            <a:r>
-              <a:rPr lang="en-US" dirty="0"/>
-              <a:t>Grandchild</a:t>
-            </a:r>
-          </a:p>
-        </p:txBody>
-      </p:sp>
-    </p:spTree>
-    <p:extLst>
-      <p:ext uri="{BB962C8B-B14F-4D97-AF65-F5344CB8AC3E}">
-        <p14:creationId xmlns:p14="http://schemas.microsoft.com/office/powerpoint/2010/main" val="982254806"/>
-      </p:ext>
-    </p:extLst>
-  </p:cSld>
-  <p:clrMapOvr>
-    <a:masterClrMapping/>
-  </p:clrMapOvr>
-</p:sld>
-</file>
-
-<file path=ppt/slides/slide4.xml><?xml version="1.0" encoding="utf-8"?>
-<p:sld xmlns:a="http://schemas.openxmlformats.org/drawingml/2006/main" xmlns:r="http://schemas.openxmlformats.org/officeDocument/2006/relationships" xmlns:p="http://schemas.openxmlformats.org/presentationml/2006/main">
-  <p:cSld>
-    <p:spTree>
-      <p:nvGrpSpPr>
-        <p:cNvPr id="1" name=""/>
-        <p:cNvGrpSpPr/>
-        <p:nvPr/>
-      </p:nvGrpSpPr>
-      <p:grpSpPr>
-        <a:xfrm>
-          <a:off x="0" y="0"/>
-          <a:ext cx="0" cy="0"/>
-          <a:chOff x="0" y="0"/>
-          <a:chExt cx="0" cy="0"/>
-        </a:xfrm>
-      </p:grpSpPr>
-      <p:sp>
-        <p:nvSpPr>
-          <p:cNvPr id="2" name="Title 1">
-            <a:extLst>
-              <a:ext uri="{FF2B5EF4-FFF2-40B4-BE49-F238E27FC236}">
-                <a16:creationId xmlns:a16="http://schemas.microsoft.com/office/drawing/2014/main" id="{CFB15DD3-BDA6-C840-A13C-B37B2A7D7F21}"/>
-              </a:ext>
-            </a:extLst>
-          </p:cNvPr>
-          <p:cNvSpPr>
-            <a:spLocks noGrp="1"/>
-          </p:cNvSpPr>
-          <p:nvPr>
-            <p:ph type="title"/>
-          </p:nvPr>
-        </p:nvSpPr>
-        <p:spPr/>
-        <p:txBody>
-          <a:bodyPr/>
-          <a:lstStyle/>
-          <a:p>
-            <a:r>
-              <a:rPr lang="en-US" dirty="0"/>
-              <a:t>Basic DAG structures – Paths</a:t>
-            </a:r>
-          </a:p>
-        </p:txBody>
-      </p:sp>
-      <p:sp>
-        <p:nvSpPr>
-          <p:cNvPr id="8" name="TextBox 7">
-            <a:extLst>
-              <a:ext uri="{FF2B5EF4-FFF2-40B4-BE49-F238E27FC236}">
-                <a16:creationId xmlns:a16="http://schemas.microsoft.com/office/drawing/2014/main" id="{AA8329A4-47FB-3646-9FB7-1D2BD51DE441}"/>
-              </a:ext>
-            </a:extLst>
-          </p:cNvPr>
-          <p:cNvSpPr txBox="1"/>
-          <p:nvPr/>
-        </p:nvSpPr>
-        <p:spPr>
-          <a:xfrm>
-            <a:off x="1857629" y="3105834"/>
-            <a:ext cx="486034" cy="646331"/>
-          </a:xfrm>
-          <a:prstGeom prst="rect">
-            <a:avLst/>
-          </a:prstGeom>
-          <a:noFill/>
-        </p:spPr>
-        <p:txBody>
-          <a:bodyPr wrap="square" rtlCol="0">
-            <a:spAutoFit/>
-          </a:bodyPr>
-          <a:lstStyle/>
-          <a:p>
-            <a:pPr algn="ctr"/>
-            <a:r>
-              <a:rPr lang="en-US" sz="3600" dirty="0"/>
-              <a:t>X</a:t>
-            </a:r>
-          </a:p>
-        </p:txBody>
-      </p:sp>
-      <p:cxnSp>
-        <p:nvCxnSpPr>
-          <p:cNvPr id="10" name="Straight Arrow Connector 9">
-            <a:extLst>
-              <a:ext uri="{FF2B5EF4-FFF2-40B4-BE49-F238E27FC236}">
-                <a16:creationId xmlns:a16="http://schemas.microsoft.com/office/drawing/2014/main" id="{6789ECBF-A84F-B84E-953F-3B1649BA6D84}"/>
-              </a:ext>
-            </a:extLst>
-          </p:cNvPr>
-          <p:cNvCxnSpPr>
-            <a:cxnSpLocks/>
-            <a:stCxn id="8" idx="3"/>
-            <a:endCxn id="14" idx="1"/>
-          </p:cNvCxnSpPr>
-          <p:nvPr/>
-        </p:nvCxnSpPr>
-        <p:spPr>
-          <a:xfrm>
-            <a:off x="2343663" y="3429000"/>
-            <a:ext cx="3369275" cy="0"/>
-          </a:xfrm>
-          <a:prstGeom prst="straightConnector1">
-            <a:avLst/>
-          </a:prstGeom>
-          <a:ln w="38100">
-            <a:solidFill>
-              <a:schemeClr val="tx1"/>
-            </a:solidFill>
-            <a:tailEnd type="triangle"/>
-          </a:ln>
-        </p:spPr>
-        <p:style>
-          <a:lnRef idx="1">
-            <a:schemeClr val="accent1"/>
-          </a:lnRef>
-          <a:fillRef idx="0">
-            <a:schemeClr val="accent1"/>
-          </a:fillRef>
-          <a:effectRef idx="0">
-            <a:schemeClr val="accent1"/>
-          </a:effectRef>
-          <a:fontRef idx="minor">
-            <a:schemeClr val="tx1"/>
-          </a:fontRef>
-        </p:style>
-      </p:cxnSp>
-      <p:cxnSp>
-        <p:nvCxnSpPr>
-          <p:cNvPr id="12" name="Straight Arrow Connector 11">
-            <a:extLst>
-              <a:ext uri="{FF2B5EF4-FFF2-40B4-BE49-F238E27FC236}">
-                <a16:creationId xmlns:a16="http://schemas.microsoft.com/office/drawing/2014/main" id="{DEF6E3E1-D0F0-F14E-A8DB-74DE3D3A4A42}"/>
-              </a:ext>
-            </a:extLst>
-          </p:cNvPr>
-          <p:cNvCxnSpPr>
-            <a:cxnSpLocks/>
-            <a:stCxn id="14" idx="3"/>
-            <a:endCxn id="15" idx="1"/>
-          </p:cNvCxnSpPr>
-          <p:nvPr/>
-        </p:nvCxnSpPr>
-        <p:spPr>
-          <a:xfrm>
-            <a:off x="6198972" y="3429000"/>
-            <a:ext cx="3319847" cy="0"/>
-          </a:xfrm>
-          <a:prstGeom prst="straightConnector1">
-            <a:avLst/>
-          </a:prstGeom>
-          <a:ln w="38100">
-            <a:solidFill>
-              <a:schemeClr val="tx1"/>
-            </a:solidFill>
-            <a:tailEnd type="triangle"/>
-          </a:ln>
-        </p:spPr>
-        <p:style>
-          <a:lnRef idx="1">
-            <a:schemeClr val="accent1"/>
-          </a:lnRef>
-          <a:fillRef idx="0">
-            <a:schemeClr val="accent1"/>
-          </a:fillRef>
-          <a:effectRef idx="0">
-            <a:schemeClr val="accent1"/>
-          </a:effectRef>
-          <a:fontRef idx="minor">
-            <a:schemeClr val="tx1"/>
-          </a:fontRef>
-        </p:style>
-      </p:cxnSp>
-      <p:sp>
-        <p:nvSpPr>
-          <p:cNvPr id="14" name="TextBox 13">
-            <a:extLst>
-              <a:ext uri="{FF2B5EF4-FFF2-40B4-BE49-F238E27FC236}">
-                <a16:creationId xmlns:a16="http://schemas.microsoft.com/office/drawing/2014/main" id="{73FB80DC-C79E-ED46-B12B-48BC31A4E4E4}"/>
-              </a:ext>
-            </a:extLst>
-          </p:cNvPr>
-          <p:cNvSpPr txBox="1"/>
-          <p:nvPr/>
-        </p:nvSpPr>
-        <p:spPr>
-          <a:xfrm>
-            <a:off x="5712938" y="3105834"/>
-            <a:ext cx="486034" cy="646331"/>
-          </a:xfrm>
-          <a:prstGeom prst="rect">
-            <a:avLst/>
-          </a:prstGeom>
-          <a:noFill/>
-        </p:spPr>
-        <p:txBody>
-          <a:bodyPr wrap="square" rtlCol="0">
-            <a:spAutoFit/>
-          </a:bodyPr>
-          <a:lstStyle/>
-          <a:p>
-            <a:pPr algn="ctr"/>
-            <a:r>
-              <a:rPr lang="en-US" sz="3600" dirty="0"/>
-              <a:t>Y</a:t>
-            </a:r>
-          </a:p>
-        </p:txBody>
-      </p:sp>
-      <p:sp>
-        <p:nvSpPr>
-          <p:cNvPr id="15" name="TextBox 14">
-            <a:extLst>
-              <a:ext uri="{FF2B5EF4-FFF2-40B4-BE49-F238E27FC236}">
-                <a16:creationId xmlns:a16="http://schemas.microsoft.com/office/drawing/2014/main" id="{B4791219-A3C1-3048-9F75-C40BFAB1FCC8}"/>
-              </a:ext>
-            </a:extLst>
-          </p:cNvPr>
-          <p:cNvSpPr txBox="1"/>
-          <p:nvPr/>
-        </p:nvSpPr>
-        <p:spPr>
-          <a:xfrm>
-            <a:off x="9518819" y="3105834"/>
-            <a:ext cx="486034" cy="646331"/>
-          </a:xfrm>
-          <a:prstGeom prst="rect">
-            <a:avLst/>
-          </a:prstGeom>
-          <a:noFill/>
-        </p:spPr>
-        <p:txBody>
-          <a:bodyPr wrap="square" rtlCol="0">
-            <a:spAutoFit/>
-          </a:bodyPr>
-          <a:lstStyle/>
-          <a:p>
-            <a:pPr algn="ctr"/>
-            <a:r>
-              <a:rPr lang="en-US" sz="3600" dirty="0"/>
-              <a:t>Z</a:t>
-            </a:r>
-          </a:p>
-        </p:txBody>
-      </p:sp>
-    </p:spTree>
-    <p:extLst>
-      <p:ext uri="{BB962C8B-B14F-4D97-AF65-F5344CB8AC3E}">
-        <p14:creationId xmlns:p14="http://schemas.microsoft.com/office/powerpoint/2010/main" val="120999080"/>
-      </p:ext>
-    </p:extLst>
-  </p:cSld>
-  <p:clrMapOvr>
-    <a:masterClrMapping/>
-  </p:clrMapOvr>
-</p:sld>
-</file>
-
-<file path=ppt/slides/slide5.xml><?xml version="1.0" encoding="utf-8"?>
-<p:sld xmlns:a="http://schemas.openxmlformats.org/drawingml/2006/main" xmlns:r="http://schemas.openxmlformats.org/officeDocument/2006/relationships" xmlns:p="http://schemas.openxmlformats.org/presentationml/2006/main">
-  <p:cSld>
-    <p:spTree>
-      <p:nvGrpSpPr>
-        <p:cNvPr id="1" name=""/>
-        <p:cNvGrpSpPr/>
-        <p:nvPr/>
-      </p:nvGrpSpPr>
-      <p:grpSpPr>
-        <a:xfrm>
-          <a:off x="0" y="0"/>
-          <a:ext cx="0" cy="0"/>
-          <a:chOff x="0" y="0"/>
-          <a:chExt cx="0" cy="0"/>
-        </a:xfrm>
-      </p:grpSpPr>
-      <p:sp>
-        <p:nvSpPr>
-          <p:cNvPr id="2" name="Title 1">
-            <a:extLst>
-              <a:ext uri="{FF2B5EF4-FFF2-40B4-BE49-F238E27FC236}">
-                <a16:creationId xmlns:a16="http://schemas.microsoft.com/office/drawing/2014/main" id="{CFB15DD3-BDA6-C840-A13C-B37B2A7D7F21}"/>
-              </a:ext>
-            </a:extLst>
-          </p:cNvPr>
-          <p:cNvSpPr>
-            <a:spLocks noGrp="1"/>
-          </p:cNvSpPr>
-          <p:nvPr>
-            <p:ph type="title"/>
-          </p:nvPr>
-        </p:nvSpPr>
-        <p:spPr/>
-        <p:txBody>
-          <a:bodyPr/>
-          <a:lstStyle/>
-          <a:p>
-            <a:r>
-              <a:rPr lang="en-US" dirty="0"/>
-              <a:t>Basic DAG structures – Colliders</a:t>
-            </a:r>
-          </a:p>
-        </p:txBody>
-      </p:sp>
-      <p:sp>
-        <p:nvSpPr>
-          <p:cNvPr id="8" name="TextBox 7">
-            <a:extLst>
-              <a:ext uri="{FF2B5EF4-FFF2-40B4-BE49-F238E27FC236}">
-                <a16:creationId xmlns:a16="http://schemas.microsoft.com/office/drawing/2014/main" id="{AA8329A4-47FB-3646-9FB7-1D2BD51DE441}"/>
-              </a:ext>
-            </a:extLst>
-          </p:cNvPr>
-          <p:cNvSpPr txBox="1"/>
-          <p:nvPr/>
-        </p:nvSpPr>
-        <p:spPr>
-          <a:xfrm>
-            <a:off x="1857629" y="3105834"/>
-            <a:ext cx="486034" cy="646331"/>
-          </a:xfrm>
-          <a:prstGeom prst="rect">
-            <a:avLst/>
-          </a:prstGeom>
-          <a:noFill/>
-        </p:spPr>
-        <p:txBody>
-          <a:bodyPr wrap="square" rtlCol="0">
-            <a:spAutoFit/>
-          </a:bodyPr>
-          <a:lstStyle/>
-          <a:p>
-            <a:pPr algn="ctr"/>
-            <a:r>
-              <a:rPr lang="en-US" sz="3600" dirty="0"/>
-              <a:t>X</a:t>
-            </a:r>
-          </a:p>
-        </p:txBody>
-      </p:sp>
-      <p:cxnSp>
-        <p:nvCxnSpPr>
-          <p:cNvPr id="10" name="Straight Arrow Connector 9">
-            <a:extLst>
-              <a:ext uri="{FF2B5EF4-FFF2-40B4-BE49-F238E27FC236}">
-                <a16:creationId xmlns:a16="http://schemas.microsoft.com/office/drawing/2014/main" id="{6789ECBF-A84F-B84E-953F-3B1649BA6D84}"/>
-              </a:ext>
-            </a:extLst>
-          </p:cNvPr>
-          <p:cNvCxnSpPr>
-            <a:cxnSpLocks/>
-            <a:stCxn id="8" idx="3"/>
-            <a:endCxn id="14" idx="1"/>
-          </p:cNvCxnSpPr>
-          <p:nvPr/>
-        </p:nvCxnSpPr>
-        <p:spPr>
-          <a:xfrm>
-            <a:off x="2343663" y="3429000"/>
-            <a:ext cx="3369275" cy="0"/>
-          </a:xfrm>
-          <a:prstGeom prst="straightConnector1">
-            <a:avLst/>
-          </a:prstGeom>
-          <a:ln w="38100">
-            <a:solidFill>
-              <a:schemeClr val="tx1"/>
-            </a:solidFill>
-            <a:tailEnd type="triangle"/>
-          </a:ln>
-        </p:spPr>
-        <p:style>
-          <a:lnRef idx="1">
-            <a:schemeClr val="accent1"/>
-          </a:lnRef>
-          <a:fillRef idx="0">
-            <a:schemeClr val="accent1"/>
-          </a:fillRef>
-          <a:effectRef idx="0">
-            <a:schemeClr val="accent1"/>
-          </a:effectRef>
-          <a:fontRef idx="minor">
-            <a:schemeClr val="tx1"/>
-          </a:fontRef>
-        </p:style>
-      </p:cxnSp>
-      <p:cxnSp>
-        <p:nvCxnSpPr>
-          <p:cNvPr id="12" name="Straight Arrow Connector 11">
-            <a:extLst>
-              <a:ext uri="{FF2B5EF4-FFF2-40B4-BE49-F238E27FC236}">
-                <a16:creationId xmlns:a16="http://schemas.microsoft.com/office/drawing/2014/main" id="{DEF6E3E1-D0F0-F14E-A8DB-74DE3D3A4A42}"/>
-              </a:ext>
-            </a:extLst>
-          </p:cNvPr>
-          <p:cNvCxnSpPr>
-            <a:cxnSpLocks/>
-            <a:stCxn id="14" idx="3"/>
-            <a:endCxn id="15" idx="1"/>
-          </p:cNvCxnSpPr>
-          <p:nvPr/>
-        </p:nvCxnSpPr>
-        <p:spPr>
-          <a:xfrm>
-            <a:off x="6198972" y="3429000"/>
-            <a:ext cx="3319847" cy="0"/>
-          </a:xfrm>
-          <a:prstGeom prst="straightConnector1">
-            <a:avLst/>
-          </a:prstGeom>
-          <a:ln w="38100">
-            <a:solidFill>
-              <a:schemeClr val="tx1"/>
-            </a:solidFill>
-            <a:headEnd type="triangle" w="med" len="med"/>
-            <a:tailEnd type="none" w="med" len="med"/>
-          </a:ln>
-        </p:spPr>
-        <p:style>
-          <a:lnRef idx="1">
-            <a:schemeClr val="accent1"/>
-          </a:lnRef>
-          <a:fillRef idx="0">
-            <a:schemeClr val="accent1"/>
-          </a:fillRef>
-          <a:effectRef idx="0">
-            <a:schemeClr val="accent1"/>
-          </a:effectRef>
-          <a:fontRef idx="minor">
-            <a:schemeClr val="tx1"/>
-          </a:fontRef>
-        </p:style>
-      </p:cxnSp>
-      <p:sp>
-        <p:nvSpPr>
-          <p:cNvPr id="14" name="TextBox 13">
-            <a:extLst>
-              <a:ext uri="{FF2B5EF4-FFF2-40B4-BE49-F238E27FC236}">
-                <a16:creationId xmlns:a16="http://schemas.microsoft.com/office/drawing/2014/main" id="{73FB80DC-C79E-ED46-B12B-48BC31A4E4E4}"/>
-              </a:ext>
-            </a:extLst>
-          </p:cNvPr>
-          <p:cNvSpPr txBox="1"/>
-          <p:nvPr/>
-        </p:nvSpPr>
-        <p:spPr>
-          <a:xfrm>
-            <a:off x="5712938" y="3105834"/>
-            <a:ext cx="486034" cy="646331"/>
-          </a:xfrm>
-          <a:prstGeom prst="rect">
-            <a:avLst/>
-          </a:prstGeom>
-          <a:noFill/>
-        </p:spPr>
-        <p:txBody>
-          <a:bodyPr wrap="square" rtlCol="0">
-            <a:spAutoFit/>
-          </a:bodyPr>
-          <a:lstStyle/>
-          <a:p>
-            <a:pPr algn="ctr"/>
-            <a:r>
-              <a:rPr lang="en-US" sz="3600" dirty="0"/>
-              <a:t>Y</a:t>
-            </a:r>
-          </a:p>
-        </p:txBody>
-      </p:sp>
-      <p:sp>
-        <p:nvSpPr>
-          <p:cNvPr id="15" name="TextBox 14">
-            <a:extLst>
-              <a:ext uri="{FF2B5EF4-FFF2-40B4-BE49-F238E27FC236}">
-                <a16:creationId xmlns:a16="http://schemas.microsoft.com/office/drawing/2014/main" id="{B4791219-A3C1-3048-9F75-C40BFAB1FCC8}"/>
-              </a:ext>
-            </a:extLst>
-          </p:cNvPr>
-          <p:cNvSpPr txBox="1"/>
-          <p:nvPr/>
-        </p:nvSpPr>
-        <p:spPr>
-          <a:xfrm>
-            <a:off x="9518819" y="3105834"/>
-            <a:ext cx="486034" cy="646331"/>
-          </a:xfrm>
-          <a:prstGeom prst="rect">
-            <a:avLst/>
-          </a:prstGeom>
-          <a:noFill/>
-        </p:spPr>
-        <p:txBody>
-          <a:bodyPr wrap="square" rtlCol="0">
-            <a:spAutoFit/>
-          </a:bodyPr>
-          <a:lstStyle/>
-          <a:p>
-            <a:pPr algn="ctr"/>
-            <a:r>
-              <a:rPr lang="en-US" sz="3600" dirty="0"/>
-              <a:t>Z</a:t>
-            </a:r>
-          </a:p>
-        </p:txBody>
-      </p:sp>
-    </p:spTree>
-    <p:extLst>
-      <p:ext uri="{BB962C8B-B14F-4D97-AF65-F5344CB8AC3E}">
-        <p14:creationId xmlns:p14="http://schemas.microsoft.com/office/powerpoint/2010/main" val="359291753"/>
-      </p:ext>
-    </p:extLst>
-  </p:cSld>
-  <p:clrMapOvr>
-    <a:masterClrMapping/>
-  </p:clrMapOvr>
-</p:sld>
-</file>
-
-<file path=ppt/slides/slide6.xml><?xml version="1.0" encoding="utf-8"?>
-<p:sld xmlns:a="http://schemas.openxmlformats.org/drawingml/2006/main" xmlns:r="http://schemas.openxmlformats.org/officeDocument/2006/relationships" xmlns:p="http://schemas.openxmlformats.org/presentationml/2006/main">
-  <p:cSld>
-    <p:spTree>
-      <p:nvGrpSpPr>
-        <p:cNvPr id="1" name=""/>
-        <p:cNvGrpSpPr/>
-        <p:nvPr/>
-      </p:nvGrpSpPr>
-      <p:grpSpPr>
-        <a:xfrm>
-          <a:off x="0" y="0"/>
-          <a:ext cx="0" cy="0"/>
-          <a:chOff x="0" y="0"/>
-          <a:chExt cx="0" cy="0"/>
-        </a:xfrm>
-      </p:grpSpPr>
-      <p:sp>
-        <p:nvSpPr>
-          <p:cNvPr id="2" name="Title 1">
-            <a:extLst>
-              <a:ext uri="{FF2B5EF4-FFF2-40B4-BE49-F238E27FC236}">
-                <a16:creationId xmlns:a16="http://schemas.microsoft.com/office/drawing/2014/main" id="{CFB15DD3-BDA6-C840-A13C-B37B2A7D7F21}"/>
-              </a:ext>
-            </a:extLst>
-          </p:cNvPr>
-          <p:cNvSpPr>
-            <a:spLocks noGrp="1"/>
-          </p:cNvSpPr>
-          <p:nvPr>
-            <p:ph type="title"/>
-          </p:nvPr>
-        </p:nvSpPr>
-        <p:spPr/>
-        <p:txBody>
-          <a:bodyPr/>
-          <a:lstStyle/>
-          <a:p>
-            <a:r>
-              <a:rPr lang="en-US" dirty="0"/>
-              <a:t>Basic DAG structures – Colliders</a:t>
-            </a:r>
-          </a:p>
-        </p:txBody>
-      </p:sp>
-      <p:sp>
-        <p:nvSpPr>
-          <p:cNvPr id="8" name="TextBox 7">
-            <a:extLst>
-              <a:ext uri="{FF2B5EF4-FFF2-40B4-BE49-F238E27FC236}">
-                <a16:creationId xmlns:a16="http://schemas.microsoft.com/office/drawing/2014/main" id="{AA8329A4-47FB-3646-9FB7-1D2BD51DE441}"/>
-              </a:ext>
-            </a:extLst>
-          </p:cNvPr>
-          <p:cNvSpPr txBox="1"/>
-          <p:nvPr/>
-        </p:nvSpPr>
-        <p:spPr>
-          <a:xfrm>
-            <a:off x="1857629" y="3105834"/>
-            <a:ext cx="486034" cy="646331"/>
-          </a:xfrm>
-          <a:prstGeom prst="rect">
-            <a:avLst/>
-          </a:prstGeom>
-          <a:noFill/>
-        </p:spPr>
-        <p:txBody>
-          <a:bodyPr wrap="square" rtlCol="0">
-            <a:spAutoFit/>
-          </a:bodyPr>
-          <a:lstStyle/>
-          <a:p>
-            <a:pPr algn="ctr"/>
-            <a:r>
-              <a:rPr lang="en-US" sz="3600" dirty="0"/>
-              <a:t>X</a:t>
-            </a:r>
-          </a:p>
-        </p:txBody>
-      </p:sp>
-      <p:cxnSp>
-        <p:nvCxnSpPr>
-          <p:cNvPr id="10" name="Straight Arrow Connector 9">
-            <a:extLst>
-              <a:ext uri="{FF2B5EF4-FFF2-40B4-BE49-F238E27FC236}">
-                <a16:creationId xmlns:a16="http://schemas.microsoft.com/office/drawing/2014/main" id="{6789ECBF-A84F-B84E-953F-3B1649BA6D84}"/>
-              </a:ext>
-            </a:extLst>
-          </p:cNvPr>
-          <p:cNvCxnSpPr>
-            <a:cxnSpLocks/>
-            <a:stCxn id="8" idx="3"/>
-            <a:endCxn id="14" idx="1"/>
-          </p:cNvCxnSpPr>
-          <p:nvPr/>
-        </p:nvCxnSpPr>
-        <p:spPr>
-          <a:xfrm>
-            <a:off x="2343663" y="3429000"/>
-            <a:ext cx="3369275" cy="0"/>
-          </a:xfrm>
-          <a:prstGeom prst="straightConnector1">
-            <a:avLst/>
-          </a:prstGeom>
-          <a:ln w="38100">
-            <a:solidFill>
-              <a:schemeClr val="tx1"/>
-            </a:solidFill>
-            <a:tailEnd type="triangle"/>
-          </a:ln>
-        </p:spPr>
-        <p:style>
-          <a:lnRef idx="1">
-            <a:schemeClr val="accent1"/>
-          </a:lnRef>
-          <a:fillRef idx="0">
-            <a:schemeClr val="accent1"/>
-          </a:fillRef>
-          <a:effectRef idx="0">
-            <a:schemeClr val="accent1"/>
-          </a:effectRef>
-          <a:fontRef idx="minor">
-            <a:schemeClr val="tx1"/>
-          </a:fontRef>
-        </p:style>
-      </p:cxnSp>
-      <p:cxnSp>
-        <p:nvCxnSpPr>
-          <p:cNvPr id="12" name="Straight Arrow Connector 11">
-            <a:extLst>
-              <a:ext uri="{FF2B5EF4-FFF2-40B4-BE49-F238E27FC236}">
-                <a16:creationId xmlns:a16="http://schemas.microsoft.com/office/drawing/2014/main" id="{DEF6E3E1-D0F0-F14E-A8DB-74DE3D3A4A42}"/>
-              </a:ext>
-            </a:extLst>
-          </p:cNvPr>
-          <p:cNvCxnSpPr>
-            <a:cxnSpLocks/>
-            <a:stCxn id="14" idx="3"/>
-            <a:endCxn id="15" idx="1"/>
-          </p:cNvCxnSpPr>
-          <p:nvPr/>
-        </p:nvCxnSpPr>
-        <p:spPr>
-          <a:xfrm>
-            <a:off x="6198972" y="3429000"/>
-            <a:ext cx="3319847" cy="0"/>
-          </a:xfrm>
-          <a:prstGeom prst="straightConnector1">
-            <a:avLst/>
-          </a:prstGeom>
-          <a:ln w="38100">
-            <a:solidFill>
-              <a:schemeClr val="tx1"/>
-            </a:solidFill>
-            <a:headEnd type="triangle" w="med" len="med"/>
-            <a:tailEnd type="none" w="med" len="med"/>
-          </a:ln>
-        </p:spPr>
-        <p:style>
-          <a:lnRef idx="1">
-            <a:schemeClr val="accent1"/>
-          </a:lnRef>
-          <a:fillRef idx="0">
-            <a:schemeClr val="accent1"/>
-          </a:fillRef>
-          <a:effectRef idx="0">
-            <a:schemeClr val="accent1"/>
-          </a:effectRef>
-          <a:fontRef idx="minor">
-            <a:schemeClr val="tx1"/>
-          </a:fontRef>
-        </p:style>
-      </p:cxnSp>
-      <p:sp>
-        <p:nvSpPr>
-          <p:cNvPr id="14" name="TextBox 13">
-            <a:extLst>
-              <a:ext uri="{FF2B5EF4-FFF2-40B4-BE49-F238E27FC236}">
-                <a16:creationId xmlns:a16="http://schemas.microsoft.com/office/drawing/2014/main" id="{73FB80DC-C79E-ED46-B12B-48BC31A4E4E4}"/>
-              </a:ext>
-            </a:extLst>
-          </p:cNvPr>
-          <p:cNvSpPr txBox="1"/>
-          <p:nvPr/>
-        </p:nvSpPr>
-        <p:spPr>
-          <a:xfrm>
-            <a:off x="5712938" y="3105834"/>
-            <a:ext cx="486034" cy="646331"/>
-          </a:xfrm>
-          <a:prstGeom prst="rect">
-            <a:avLst/>
-          </a:prstGeom>
-          <a:noFill/>
-        </p:spPr>
-        <p:txBody>
-          <a:bodyPr wrap="square" rtlCol="0">
-            <a:spAutoFit/>
-          </a:bodyPr>
-          <a:lstStyle/>
-          <a:p>
-            <a:pPr algn="ctr"/>
-            <a:r>
-              <a:rPr lang="en-US" sz="3600" dirty="0"/>
-              <a:t>Y</a:t>
-            </a:r>
-          </a:p>
-        </p:txBody>
-      </p:sp>
-      <p:sp>
-        <p:nvSpPr>
-          <p:cNvPr id="15" name="TextBox 14">
-            <a:extLst>
-              <a:ext uri="{FF2B5EF4-FFF2-40B4-BE49-F238E27FC236}">
-                <a16:creationId xmlns:a16="http://schemas.microsoft.com/office/drawing/2014/main" id="{B4791219-A3C1-3048-9F75-C40BFAB1FCC8}"/>
-              </a:ext>
-            </a:extLst>
-          </p:cNvPr>
-          <p:cNvSpPr txBox="1"/>
-          <p:nvPr/>
-        </p:nvSpPr>
-        <p:spPr>
-          <a:xfrm>
-            <a:off x="9518819" y="3105834"/>
-            <a:ext cx="486034" cy="646331"/>
-          </a:xfrm>
-          <a:prstGeom prst="rect">
-            <a:avLst/>
-          </a:prstGeom>
-          <a:noFill/>
-        </p:spPr>
-        <p:txBody>
-          <a:bodyPr wrap="square" rtlCol="0">
-            <a:spAutoFit/>
-          </a:bodyPr>
-          <a:lstStyle/>
-          <a:p>
-            <a:pPr algn="ctr"/>
-            <a:r>
-              <a:rPr lang="en-US" sz="3600" dirty="0"/>
-              <a:t>Z</a:t>
-            </a:r>
-          </a:p>
-        </p:txBody>
-      </p:sp>
-      <p:sp>
-        <p:nvSpPr>
-          <p:cNvPr id="9" name="TextBox 8">
-            <a:extLst>
-              <a:ext uri="{FF2B5EF4-FFF2-40B4-BE49-F238E27FC236}">
-                <a16:creationId xmlns:a16="http://schemas.microsoft.com/office/drawing/2014/main" id="{E553F114-F844-0D44-85D6-0623D5C7A615}"/>
-              </a:ext>
-            </a:extLst>
-          </p:cNvPr>
-          <p:cNvSpPr txBox="1"/>
-          <p:nvPr/>
-        </p:nvSpPr>
-        <p:spPr>
-          <a:xfrm>
-            <a:off x="5712938" y="4844145"/>
-            <a:ext cx="486034" cy="646331"/>
-          </a:xfrm>
-          <a:prstGeom prst="rect">
-            <a:avLst/>
-          </a:prstGeom>
-          <a:noFill/>
-        </p:spPr>
-        <p:txBody>
-          <a:bodyPr wrap="square" rtlCol="0">
-            <a:spAutoFit/>
-          </a:bodyPr>
-          <a:lstStyle/>
-          <a:p>
-            <a:pPr algn="ctr"/>
-            <a:r>
-              <a:rPr lang="en-US" sz="3600" dirty="0"/>
-              <a:t>W</a:t>
-            </a:r>
-          </a:p>
-        </p:txBody>
-      </p:sp>
-      <p:cxnSp>
-        <p:nvCxnSpPr>
-          <p:cNvPr id="11" name="Straight Arrow Connector 10">
-            <a:extLst>
-              <a:ext uri="{FF2B5EF4-FFF2-40B4-BE49-F238E27FC236}">
-                <a16:creationId xmlns:a16="http://schemas.microsoft.com/office/drawing/2014/main" id="{D81E385E-2C34-BE4D-8958-AF67A8CB5C6C}"/>
-              </a:ext>
-            </a:extLst>
-          </p:cNvPr>
-          <p:cNvCxnSpPr>
-            <a:cxnSpLocks/>
-            <a:stCxn id="14" idx="2"/>
-            <a:endCxn id="9" idx="0"/>
-          </p:cNvCxnSpPr>
-          <p:nvPr/>
-        </p:nvCxnSpPr>
-        <p:spPr>
-          <a:xfrm>
-            <a:off x="5955955" y="3752165"/>
-            <a:ext cx="0" cy="1091980"/>
-          </a:xfrm>
-          <a:prstGeom prst="straightConnector1">
-            <a:avLst/>
-          </a:prstGeom>
-          <a:ln w="38100">
-            <a:solidFill>
-              <a:schemeClr val="tx1"/>
-            </a:solidFill>
-            <a:tailEnd type="triangle"/>
-          </a:ln>
-        </p:spPr>
-        <p:style>
-          <a:lnRef idx="1">
-            <a:schemeClr val="accent1"/>
-          </a:lnRef>
-          <a:fillRef idx="0">
-            <a:schemeClr val="accent1"/>
-          </a:fillRef>
-          <a:effectRef idx="0">
-            <a:schemeClr val="accent1"/>
-          </a:effectRef>
-          <a:fontRef idx="minor">
-            <a:schemeClr val="tx1"/>
-          </a:fontRef>
-        </p:style>
-      </p:cxnSp>
-    </p:spTree>
-    <p:extLst>
-      <p:ext uri="{BB962C8B-B14F-4D97-AF65-F5344CB8AC3E}">
-        <p14:creationId xmlns:p14="http://schemas.microsoft.com/office/powerpoint/2010/main" val="988660679"/>
-      </p:ext>
-    </p:extLst>
-  </p:cSld>
-  <p:clrMapOvr>
-    <a:masterClrMapping/>
-  </p:clrMapOvr>
-</p:sld>
-</file>
-
-<file path=ppt/slides/slide7.xml><?xml version="1.0" encoding="utf-8"?>
-<p:sld xmlns:a="http://schemas.openxmlformats.org/drawingml/2006/main" xmlns:r="http://schemas.openxmlformats.org/officeDocument/2006/relationships" xmlns:p="http://schemas.openxmlformats.org/presentationml/2006/main">
-  <p:cSld>
-    <p:spTree>
-      <p:nvGrpSpPr>
-        <p:cNvPr id="1" name=""/>
-        <p:cNvGrpSpPr/>
-        <p:nvPr/>
-      </p:nvGrpSpPr>
-      <p:grpSpPr>
-        <a:xfrm>
-          <a:off x="0" y="0"/>
-          <a:ext cx="0" cy="0"/>
-          <a:chOff x="0" y="0"/>
-          <a:chExt cx="0" cy="0"/>
-        </a:xfrm>
-      </p:grpSpPr>
-      <p:sp>
-        <p:nvSpPr>
-          <p:cNvPr id="2" name="Title 1">
-            <a:extLst>
-              <a:ext uri="{FF2B5EF4-FFF2-40B4-BE49-F238E27FC236}">
-                <a16:creationId xmlns:a16="http://schemas.microsoft.com/office/drawing/2014/main" id="{CFB15DD3-BDA6-C840-A13C-B37B2A7D7F21}"/>
-              </a:ext>
-            </a:extLst>
-          </p:cNvPr>
-          <p:cNvSpPr>
-            <a:spLocks noGrp="1"/>
-          </p:cNvSpPr>
-          <p:nvPr>
-            <p:ph type="title"/>
-          </p:nvPr>
-        </p:nvSpPr>
-        <p:spPr/>
-        <p:txBody>
-          <a:bodyPr/>
-          <a:lstStyle/>
-          <a:p>
-            <a:r>
-              <a:rPr lang="en-US" dirty="0"/>
-              <a:t>Basic DAG structures – Common Causes</a:t>
-            </a:r>
-          </a:p>
-        </p:txBody>
-      </p:sp>
-      <p:sp>
-        <p:nvSpPr>
-          <p:cNvPr id="8" name="TextBox 7">
-            <a:extLst>
-              <a:ext uri="{FF2B5EF4-FFF2-40B4-BE49-F238E27FC236}">
-                <a16:creationId xmlns:a16="http://schemas.microsoft.com/office/drawing/2014/main" id="{AA8329A4-47FB-3646-9FB7-1D2BD51DE441}"/>
-              </a:ext>
-            </a:extLst>
-          </p:cNvPr>
-          <p:cNvSpPr txBox="1"/>
-          <p:nvPr/>
-        </p:nvSpPr>
-        <p:spPr>
-          <a:xfrm>
-            <a:off x="1894698" y="4180872"/>
-            <a:ext cx="486034" cy="646331"/>
-          </a:xfrm>
-          <a:prstGeom prst="rect">
-            <a:avLst/>
-          </a:prstGeom>
-          <a:noFill/>
-        </p:spPr>
-        <p:txBody>
-          <a:bodyPr wrap="square" rtlCol="0">
-            <a:spAutoFit/>
-          </a:bodyPr>
-          <a:lstStyle/>
-          <a:p>
-            <a:pPr algn="ctr"/>
-            <a:r>
-              <a:rPr lang="en-US" sz="3600" dirty="0"/>
-              <a:t>X</a:t>
-            </a:r>
-          </a:p>
-        </p:txBody>
-      </p:sp>
-      <p:cxnSp>
-        <p:nvCxnSpPr>
-          <p:cNvPr id="10" name="Straight Arrow Connector 9">
-            <a:extLst>
-              <a:ext uri="{FF2B5EF4-FFF2-40B4-BE49-F238E27FC236}">
-                <a16:creationId xmlns:a16="http://schemas.microsoft.com/office/drawing/2014/main" id="{6789ECBF-A84F-B84E-953F-3B1649BA6D84}"/>
-              </a:ext>
-            </a:extLst>
-          </p:cNvPr>
-          <p:cNvCxnSpPr>
-            <a:cxnSpLocks/>
-            <a:stCxn id="8" idx="3"/>
-            <a:endCxn id="14" idx="2"/>
-          </p:cNvCxnSpPr>
-          <p:nvPr/>
-        </p:nvCxnSpPr>
-        <p:spPr>
-          <a:xfrm flipV="1">
-            <a:off x="2380732" y="3233182"/>
-            <a:ext cx="3587579" cy="1270856"/>
-          </a:xfrm>
-          <a:prstGeom prst="straightConnector1">
-            <a:avLst/>
-          </a:prstGeom>
-          <a:ln w="38100">
-            <a:solidFill>
-              <a:schemeClr val="tx1"/>
-            </a:solidFill>
-            <a:headEnd type="triangle" w="med" len="med"/>
-            <a:tailEnd type="none" w="med" len="med"/>
-          </a:ln>
-        </p:spPr>
-        <p:style>
-          <a:lnRef idx="1">
-            <a:schemeClr val="accent1"/>
-          </a:lnRef>
-          <a:fillRef idx="0">
-            <a:schemeClr val="accent1"/>
-          </a:fillRef>
-          <a:effectRef idx="0">
-            <a:schemeClr val="accent1"/>
-          </a:effectRef>
-          <a:fontRef idx="minor">
-            <a:schemeClr val="tx1"/>
-          </a:fontRef>
-        </p:style>
-      </p:cxnSp>
-      <p:cxnSp>
-        <p:nvCxnSpPr>
-          <p:cNvPr id="12" name="Straight Arrow Connector 11">
-            <a:extLst>
-              <a:ext uri="{FF2B5EF4-FFF2-40B4-BE49-F238E27FC236}">
-                <a16:creationId xmlns:a16="http://schemas.microsoft.com/office/drawing/2014/main" id="{DEF6E3E1-D0F0-F14E-A8DB-74DE3D3A4A42}"/>
-              </a:ext>
-            </a:extLst>
-          </p:cNvPr>
-          <p:cNvCxnSpPr>
-            <a:cxnSpLocks/>
-            <a:stCxn id="14" idx="2"/>
-            <a:endCxn id="15" idx="1"/>
-          </p:cNvCxnSpPr>
-          <p:nvPr/>
-        </p:nvCxnSpPr>
-        <p:spPr>
-          <a:xfrm>
-            <a:off x="5968311" y="3233182"/>
-            <a:ext cx="3381635" cy="1278924"/>
-          </a:xfrm>
-          <a:prstGeom prst="straightConnector1">
-            <a:avLst/>
-          </a:prstGeom>
-          <a:ln w="38100">
-            <a:solidFill>
-              <a:schemeClr val="tx1"/>
-            </a:solidFill>
-            <a:headEnd type="none" w="med" len="med"/>
-            <a:tailEnd type="triangle" w="med" len="med"/>
-          </a:ln>
-        </p:spPr>
-        <p:style>
-          <a:lnRef idx="1">
-            <a:schemeClr val="accent1"/>
-          </a:lnRef>
-          <a:fillRef idx="0">
-            <a:schemeClr val="accent1"/>
-          </a:fillRef>
-          <a:effectRef idx="0">
-            <a:schemeClr val="accent1"/>
-          </a:effectRef>
-          <a:fontRef idx="minor">
-            <a:schemeClr val="tx1"/>
-          </a:fontRef>
-        </p:style>
-      </p:cxnSp>
-      <p:sp>
-        <p:nvSpPr>
-          <p:cNvPr id="14" name="TextBox 13">
-            <a:extLst>
-              <a:ext uri="{FF2B5EF4-FFF2-40B4-BE49-F238E27FC236}">
-                <a16:creationId xmlns:a16="http://schemas.microsoft.com/office/drawing/2014/main" id="{73FB80DC-C79E-ED46-B12B-48BC31A4E4E4}"/>
-              </a:ext>
-            </a:extLst>
-          </p:cNvPr>
-          <p:cNvSpPr txBox="1"/>
-          <p:nvPr/>
-        </p:nvSpPr>
-        <p:spPr>
-          <a:xfrm>
-            <a:off x="5725294" y="2586851"/>
-            <a:ext cx="486034" cy="646331"/>
-          </a:xfrm>
-          <a:prstGeom prst="rect">
-            <a:avLst/>
-          </a:prstGeom>
-          <a:noFill/>
-        </p:spPr>
-        <p:txBody>
-          <a:bodyPr wrap="square" rtlCol="0">
-            <a:spAutoFit/>
-          </a:bodyPr>
-          <a:lstStyle/>
-          <a:p>
-            <a:pPr algn="ctr"/>
-            <a:r>
-              <a:rPr lang="en-US" sz="3600" dirty="0"/>
-              <a:t>Y</a:t>
-            </a:r>
-          </a:p>
-        </p:txBody>
-      </p:sp>
-      <p:sp>
-        <p:nvSpPr>
-          <p:cNvPr id="15" name="TextBox 14">
-            <a:extLst>
-              <a:ext uri="{FF2B5EF4-FFF2-40B4-BE49-F238E27FC236}">
-                <a16:creationId xmlns:a16="http://schemas.microsoft.com/office/drawing/2014/main" id="{B4791219-A3C1-3048-9F75-C40BFAB1FCC8}"/>
-              </a:ext>
-            </a:extLst>
-          </p:cNvPr>
-          <p:cNvSpPr txBox="1"/>
-          <p:nvPr/>
-        </p:nvSpPr>
-        <p:spPr>
-          <a:xfrm>
-            <a:off x="9349946" y="4188940"/>
-            <a:ext cx="486034" cy="646331"/>
-          </a:xfrm>
-          <a:prstGeom prst="rect">
-            <a:avLst/>
-          </a:prstGeom>
-          <a:noFill/>
-        </p:spPr>
-        <p:txBody>
-          <a:bodyPr wrap="square" rtlCol="0">
-            <a:spAutoFit/>
-          </a:bodyPr>
-          <a:lstStyle/>
-          <a:p>
-            <a:pPr algn="ctr"/>
-            <a:r>
-              <a:rPr lang="en-US" sz="3600" dirty="0"/>
-              <a:t>Z</a:t>
-            </a:r>
-          </a:p>
-        </p:txBody>
-      </p:sp>
-    </p:spTree>
-    <p:extLst>
-      <p:ext uri="{BB962C8B-B14F-4D97-AF65-F5344CB8AC3E}">
-        <p14:creationId xmlns:p14="http://schemas.microsoft.com/office/powerpoint/2010/main" val="454397568"/>
-      </p:ext>
-    </p:extLst>
-  </p:cSld>
-  <p:clrMapOvr>
-    <a:masterClrMapping/>
-  </p:clrMapOvr>
-</p:sld>
-</file>
-
-<file path=ppt/slides/slide8.xml><?xml version="1.0" encoding="utf-8"?>
-<p:sld xmlns:a="http://schemas.openxmlformats.org/drawingml/2006/main" xmlns:r="http://schemas.openxmlformats.org/officeDocument/2006/relationships" xmlns:p="http://schemas.openxmlformats.org/presentationml/2006/main">
-  <p:cSld>
-    <p:spTree>
-      <p:nvGrpSpPr>
-        <p:cNvPr id="1" name=""/>
-        <p:cNvGrpSpPr/>
-        <p:nvPr/>
-      </p:nvGrpSpPr>
-      <p:grpSpPr>
-        <a:xfrm>
-          <a:off x="0" y="0"/>
-          <a:ext cx="0" cy="0"/>
-          <a:chOff x="0" y="0"/>
-          <a:chExt cx="0" cy="0"/>
-        </a:xfrm>
-      </p:grpSpPr>
-      <p:sp>
-        <p:nvSpPr>
-          <p:cNvPr id="2" name="Title 1">
-            <a:extLst>
-              <a:ext uri="{FF2B5EF4-FFF2-40B4-BE49-F238E27FC236}">
-                <a16:creationId xmlns:a16="http://schemas.microsoft.com/office/drawing/2014/main" id="{CFB15DD3-BDA6-C840-A13C-B37B2A7D7F21}"/>
-              </a:ext>
-            </a:extLst>
-          </p:cNvPr>
-          <p:cNvSpPr>
-            <a:spLocks noGrp="1"/>
-          </p:cNvSpPr>
-          <p:nvPr>
-            <p:ph type="title"/>
-          </p:nvPr>
-        </p:nvSpPr>
-        <p:spPr/>
-        <p:txBody>
-          <a:bodyPr/>
-          <a:lstStyle/>
-          <a:p>
-            <a:r>
-              <a:rPr lang="en-US" dirty="0"/>
-              <a:t>Basic DAG structures – Common Effects</a:t>
-            </a:r>
-          </a:p>
-        </p:txBody>
-      </p:sp>
-      <p:sp>
-        <p:nvSpPr>
-          <p:cNvPr id="8" name="TextBox 7">
-            <a:extLst>
-              <a:ext uri="{FF2B5EF4-FFF2-40B4-BE49-F238E27FC236}">
-                <a16:creationId xmlns:a16="http://schemas.microsoft.com/office/drawing/2014/main" id="{AA8329A4-47FB-3646-9FB7-1D2BD51DE441}"/>
-              </a:ext>
-            </a:extLst>
-          </p:cNvPr>
-          <p:cNvSpPr txBox="1"/>
-          <p:nvPr/>
-        </p:nvSpPr>
-        <p:spPr>
-          <a:xfrm>
-            <a:off x="1894698" y="4180872"/>
-            <a:ext cx="486034" cy="646331"/>
-          </a:xfrm>
-          <a:prstGeom prst="rect">
-            <a:avLst/>
-          </a:prstGeom>
-          <a:noFill/>
-        </p:spPr>
-        <p:txBody>
-          <a:bodyPr wrap="square" rtlCol="0">
-            <a:spAutoFit/>
-          </a:bodyPr>
-          <a:lstStyle/>
-          <a:p>
-            <a:pPr algn="ctr"/>
-            <a:r>
-              <a:rPr lang="en-US" sz="3600" dirty="0"/>
-              <a:t>X</a:t>
-            </a:r>
-          </a:p>
-        </p:txBody>
-      </p:sp>
-      <p:cxnSp>
-        <p:nvCxnSpPr>
-          <p:cNvPr id="12" name="Straight Arrow Connector 11">
-            <a:extLst>
-              <a:ext uri="{FF2B5EF4-FFF2-40B4-BE49-F238E27FC236}">
-                <a16:creationId xmlns:a16="http://schemas.microsoft.com/office/drawing/2014/main" id="{DEF6E3E1-D0F0-F14E-A8DB-74DE3D3A4A42}"/>
-              </a:ext>
-            </a:extLst>
-          </p:cNvPr>
-          <p:cNvCxnSpPr>
-            <a:cxnSpLocks/>
-            <a:stCxn id="14" idx="2"/>
-            <a:endCxn id="15" idx="1"/>
-          </p:cNvCxnSpPr>
-          <p:nvPr/>
-        </p:nvCxnSpPr>
-        <p:spPr>
-          <a:xfrm>
-            <a:off x="5968311" y="3233182"/>
-            <a:ext cx="3381635" cy="1278924"/>
-          </a:xfrm>
-          <a:prstGeom prst="straightConnector1">
-            <a:avLst/>
-          </a:prstGeom>
-          <a:ln w="38100">
-            <a:solidFill>
-              <a:schemeClr val="tx1"/>
-            </a:solidFill>
-            <a:headEnd type="none" w="med" len="med"/>
-            <a:tailEnd type="triangle" w="med" len="med"/>
-          </a:ln>
-        </p:spPr>
-        <p:style>
-          <a:lnRef idx="1">
-            <a:schemeClr val="accent1"/>
-          </a:lnRef>
-          <a:fillRef idx="0">
-            <a:schemeClr val="accent1"/>
-          </a:fillRef>
-          <a:effectRef idx="0">
-            <a:schemeClr val="accent1"/>
-          </a:effectRef>
-          <a:fontRef idx="minor">
-            <a:schemeClr val="tx1"/>
-          </a:fontRef>
-        </p:style>
-      </p:cxnSp>
-      <p:sp>
-        <p:nvSpPr>
-          <p:cNvPr id="14" name="TextBox 13">
-            <a:extLst>
-              <a:ext uri="{FF2B5EF4-FFF2-40B4-BE49-F238E27FC236}">
-                <a16:creationId xmlns:a16="http://schemas.microsoft.com/office/drawing/2014/main" id="{73FB80DC-C79E-ED46-B12B-48BC31A4E4E4}"/>
-              </a:ext>
-            </a:extLst>
-          </p:cNvPr>
-          <p:cNvSpPr txBox="1"/>
-          <p:nvPr/>
-        </p:nvSpPr>
-        <p:spPr>
-          <a:xfrm>
-            <a:off x="5725294" y="2586851"/>
-            <a:ext cx="486034" cy="646331"/>
-          </a:xfrm>
-          <a:prstGeom prst="rect">
-            <a:avLst/>
-          </a:prstGeom>
-          <a:noFill/>
-        </p:spPr>
-        <p:txBody>
-          <a:bodyPr wrap="square" rtlCol="0">
-            <a:spAutoFit/>
-          </a:bodyPr>
-          <a:lstStyle/>
-          <a:p>
-            <a:pPr algn="ctr"/>
-            <a:r>
-              <a:rPr lang="en-US" sz="3600" dirty="0"/>
-              <a:t>Y</a:t>
-            </a:r>
-          </a:p>
-        </p:txBody>
-      </p:sp>
-      <p:sp>
-        <p:nvSpPr>
-          <p:cNvPr id="15" name="TextBox 14">
-            <a:extLst>
-              <a:ext uri="{FF2B5EF4-FFF2-40B4-BE49-F238E27FC236}">
-                <a16:creationId xmlns:a16="http://schemas.microsoft.com/office/drawing/2014/main" id="{B4791219-A3C1-3048-9F75-C40BFAB1FCC8}"/>
-              </a:ext>
-            </a:extLst>
-          </p:cNvPr>
-          <p:cNvSpPr txBox="1"/>
-          <p:nvPr/>
-        </p:nvSpPr>
-        <p:spPr>
-          <a:xfrm>
-            <a:off x="9349946" y="4188940"/>
-            <a:ext cx="486034" cy="646331"/>
-          </a:xfrm>
-          <a:prstGeom prst="rect">
-            <a:avLst/>
-          </a:prstGeom>
-          <a:noFill/>
-        </p:spPr>
-        <p:txBody>
-          <a:bodyPr wrap="square" rtlCol="0">
-            <a:spAutoFit/>
-          </a:bodyPr>
-          <a:lstStyle/>
-          <a:p>
-            <a:pPr algn="ctr"/>
-            <a:r>
-              <a:rPr lang="en-US" sz="3600" dirty="0"/>
-              <a:t>Z</a:t>
-            </a:r>
-          </a:p>
-        </p:txBody>
-      </p:sp>
-      <p:cxnSp>
-        <p:nvCxnSpPr>
-          <p:cNvPr id="9" name="Straight Arrow Connector 8">
-            <a:extLst>
-              <a:ext uri="{FF2B5EF4-FFF2-40B4-BE49-F238E27FC236}">
-                <a16:creationId xmlns:a16="http://schemas.microsoft.com/office/drawing/2014/main" id="{40914739-D41E-6443-B200-12AAF3D7200F}"/>
-              </a:ext>
-            </a:extLst>
-          </p:cNvPr>
-          <p:cNvCxnSpPr>
-            <a:cxnSpLocks/>
-            <a:stCxn id="8" idx="3"/>
-            <a:endCxn id="15" idx="1"/>
-          </p:cNvCxnSpPr>
-          <p:nvPr/>
-        </p:nvCxnSpPr>
-        <p:spPr>
-          <a:xfrm>
-            <a:off x="2380732" y="4504038"/>
-            <a:ext cx="6969214" cy="8068"/>
-          </a:xfrm>
-          <a:prstGeom prst="straightConnector1">
-            <a:avLst/>
-          </a:prstGeom>
-          <a:ln w="38100">
-            <a:solidFill>
-              <a:schemeClr val="tx1"/>
-            </a:solidFill>
-            <a:headEnd type="none" w="med" len="med"/>
-            <a:tailEnd type="triangle" w="med" len="med"/>
-          </a:ln>
-        </p:spPr>
-        <p:style>
-          <a:lnRef idx="1">
-            <a:schemeClr val="accent1"/>
-          </a:lnRef>
-          <a:fillRef idx="0">
-            <a:schemeClr val="accent1"/>
-          </a:fillRef>
-          <a:effectRef idx="0">
-            <a:schemeClr val="accent1"/>
-          </a:effectRef>
-          <a:fontRef idx="minor">
-            <a:schemeClr val="tx1"/>
-          </a:fontRef>
-        </p:style>
-      </p:cxnSp>
-    </p:spTree>
-    <p:extLst>
-      <p:ext uri="{BB962C8B-B14F-4D97-AF65-F5344CB8AC3E}">
-        <p14:creationId xmlns:p14="http://schemas.microsoft.com/office/powerpoint/2010/main" val="1227704138"/>
-      </p:ext>
-    </p:extLst>
-  </p:cSld>
-  <p:clrMapOvr>
-    <a:masterClrMapping/>
-  </p:clrMapOvr>
-</p:sld>
-</file>
-
-<file path=ppt/slides/slide9.xml><?xml version="1.0" encoding="utf-8"?>
-<p:sld xmlns:a="http://schemas.openxmlformats.org/drawingml/2006/main" xmlns:r="http://schemas.openxmlformats.org/officeDocument/2006/relationships" xmlns:p="http://schemas.openxmlformats.org/presentationml/2006/main">
-  <p:cSld>
-    <p:spTree>
-      <p:nvGrpSpPr>
-        <p:cNvPr id="1" name=""/>
-        <p:cNvGrpSpPr/>
-        <p:nvPr/>
-      </p:nvGrpSpPr>
-      <p:grpSpPr>
-        <a:xfrm>
-          <a:off x="0" y="0"/>
-          <a:ext cx="0" cy="0"/>
-          <a:chOff x="0" y="0"/>
-          <a:chExt cx="0" cy="0"/>
-        </a:xfrm>
-      </p:grpSpPr>
-      <p:sp>
-        <p:nvSpPr>
-          <p:cNvPr id="2" name="Title 1">
-            <a:extLst>
-              <a:ext uri="{FF2B5EF4-FFF2-40B4-BE49-F238E27FC236}">
-                <a16:creationId xmlns:a16="http://schemas.microsoft.com/office/drawing/2014/main" id="{8A22FD68-B1E1-D049-B4A0-9302A83E2646}"/>
-              </a:ext>
-            </a:extLst>
-          </p:cNvPr>
-          <p:cNvSpPr>
-            <a:spLocks noGrp="1"/>
-          </p:cNvSpPr>
-          <p:nvPr>
-            <p:ph type="title"/>
-          </p:nvPr>
-        </p:nvSpPr>
-        <p:spPr/>
-        <p:txBody>
-          <a:bodyPr/>
-          <a:lstStyle/>
-          <a:p>
-            <a:r>
-              <a:rPr lang="en-US" dirty="0"/>
-              <a:t>D-separation Rules</a:t>
-            </a:r>
-          </a:p>
-        </p:txBody>
-      </p:sp>
-      <p:sp>
-        <p:nvSpPr>
-          <p:cNvPr id="3" name="Content Placeholder 2">
-            <a:extLst>
-              <a:ext uri="{FF2B5EF4-FFF2-40B4-BE49-F238E27FC236}">
-                <a16:creationId xmlns:a16="http://schemas.microsoft.com/office/drawing/2014/main" id="{95926409-67C1-7848-99E7-1C2B1C4CC68E}"/>
-              </a:ext>
-            </a:extLst>
-          </p:cNvPr>
-          <p:cNvSpPr>
-            <a:spLocks noGrp="1"/>
-          </p:cNvSpPr>
-          <p:nvPr>
-            <p:ph idx="1"/>
-          </p:nvPr>
-        </p:nvSpPr>
-        <p:spPr/>
-        <p:txBody>
-          <a:bodyPr>
-            <a:normAutofit/>
-          </a:bodyPr>
-          <a:lstStyle/>
-          <a:p>
-            <a:pPr marL="0" indent="0">
-              <a:buNone/>
-            </a:pPr>
-            <a:r>
-              <a:rPr lang="en-US" dirty="0"/>
-              <a:t>If there are no variables being conditioned on, a path is blocked if and only if two arrowheads on the path collide at some variable on the path.</a:t>
-            </a:r>
-          </a:p>
-        </p:txBody>
-      </p:sp>
-      <p:sp>
-        <p:nvSpPr>
-          <p:cNvPr id="4" name="TextBox 3">
-            <a:extLst>
-              <a:ext uri="{FF2B5EF4-FFF2-40B4-BE49-F238E27FC236}">
-                <a16:creationId xmlns:a16="http://schemas.microsoft.com/office/drawing/2014/main" id="{4C425E01-8572-014C-81AB-5791A947F3AA}"/>
-              </a:ext>
-            </a:extLst>
-          </p:cNvPr>
-          <p:cNvSpPr txBox="1"/>
-          <p:nvPr/>
-        </p:nvSpPr>
-        <p:spPr>
-          <a:xfrm>
-            <a:off x="1857629" y="3410465"/>
-            <a:ext cx="486034" cy="646331"/>
-          </a:xfrm>
-          <a:prstGeom prst="rect">
-            <a:avLst/>
-          </a:prstGeom>
-          <a:noFill/>
-        </p:spPr>
-        <p:txBody>
-          <a:bodyPr wrap="square" rtlCol="0">
-            <a:spAutoFit/>
-          </a:bodyPr>
-          <a:lstStyle/>
-          <a:p>
-            <a:pPr algn="ctr"/>
-            <a:r>
-              <a:rPr lang="en-US" sz="3600" dirty="0"/>
-              <a:t>X</a:t>
-            </a:r>
-          </a:p>
-        </p:txBody>
-      </p:sp>
-      <p:cxnSp>
-        <p:nvCxnSpPr>
-          <p:cNvPr id="5" name="Straight Arrow Connector 4">
-            <a:extLst>
-              <a:ext uri="{FF2B5EF4-FFF2-40B4-BE49-F238E27FC236}">
-                <a16:creationId xmlns:a16="http://schemas.microsoft.com/office/drawing/2014/main" id="{987886CA-8BCA-5440-960E-1F5725AB630A}"/>
-              </a:ext>
-            </a:extLst>
-          </p:cNvPr>
-          <p:cNvCxnSpPr>
-            <a:cxnSpLocks/>
-            <a:stCxn id="4" idx="3"/>
-            <a:endCxn id="7" idx="1"/>
-          </p:cNvCxnSpPr>
-          <p:nvPr/>
-        </p:nvCxnSpPr>
-        <p:spPr>
-          <a:xfrm>
-            <a:off x="2343663" y="3733631"/>
-            <a:ext cx="3369275" cy="0"/>
-          </a:xfrm>
-          <a:prstGeom prst="straightConnector1">
-            <a:avLst/>
-          </a:prstGeom>
-          <a:ln w="38100">
-            <a:solidFill>
-              <a:schemeClr val="tx1"/>
-            </a:solidFill>
-            <a:tailEnd type="triangle"/>
-          </a:ln>
-        </p:spPr>
-        <p:style>
-          <a:lnRef idx="1">
-            <a:schemeClr val="accent1"/>
-          </a:lnRef>
-          <a:fillRef idx="0">
-            <a:schemeClr val="accent1"/>
-          </a:fillRef>
-          <a:effectRef idx="0">
-            <a:schemeClr val="accent1"/>
-          </a:effectRef>
-          <a:fontRef idx="minor">
-            <a:schemeClr val="tx1"/>
-          </a:fontRef>
-        </p:style>
-      </p:cxnSp>
-      <p:cxnSp>
-        <p:nvCxnSpPr>
-          <p:cNvPr id="6" name="Straight Arrow Connector 5">
-            <a:extLst>
-              <a:ext uri="{FF2B5EF4-FFF2-40B4-BE49-F238E27FC236}">
-                <a16:creationId xmlns:a16="http://schemas.microsoft.com/office/drawing/2014/main" id="{3E829417-0553-954E-8897-E38DA88FAAF0}"/>
-              </a:ext>
-            </a:extLst>
-          </p:cNvPr>
-          <p:cNvCxnSpPr>
-            <a:cxnSpLocks/>
-            <a:stCxn id="7" idx="3"/>
-            <a:endCxn id="8" idx="1"/>
-          </p:cNvCxnSpPr>
-          <p:nvPr/>
-        </p:nvCxnSpPr>
-        <p:spPr>
-          <a:xfrm>
-            <a:off x="6198972" y="3733631"/>
-            <a:ext cx="3319847" cy="0"/>
-          </a:xfrm>
-          <a:prstGeom prst="straightConnector1">
-            <a:avLst/>
-          </a:prstGeom>
-          <a:ln w="38100">
-            <a:solidFill>
-              <a:schemeClr val="tx1"/>
-            </a:solidFill>
-            <a:tailEnd type="triangle"/>
-          </a:ln>
-        </p:spPr>
-        <p:style>
-          <a:lnRef idx="1">
-            <a:schemeClr val="accent1"/>
-          </a:lnRef>
-          <a:fillRef idx="0">
-            <a:schemeClr val="accent1"/>
-          </a:fillRef>
-          <a:effectRef idx="0">
-            <a:schemeClr val="accent1"/>
-          </a:effectRef>
-          <a:fontRef idx="minor">
-            <a:schemeClr val="tx1"/>
-          </a:fontRef>
-        </p:style>
-      </p:cxnSp>
-      <p:sp>
-        <p:nvSpPr>
-          <p:cNvPr id="7" name="TextBox 6">
-            <a:extLst>
-              <a:ext uri="{FF2B5EF4-FFF2-40B4-BE49-F238E27FC236}">
-                <a16:creationId xmlns:a16="http://schemas.microsoft.com/office/drawing/2014/main" id="{305D5191-2BE4-E74D-9473-C5CC3BF8C2B4}"/>
-              </a:ext>
-            </a:extLst>
-          </p:cNvPr>
-          <p:cNvSpPr txBox="1"/>
-          <p:nvPr/>
-        </p:nvSpPr>
-        <p:spPr>
-          <a:xfrm>
-            <a:off x="5712938" y="3410465"/>
-            <a:ext cx="486034" cy="646331"/>
-          </a:xfrm>
-          <a:prstGeom prst="rect">
-            <a:avLst/>
-          </a:prstGeom>
-          <a:noFill/>
-        </p:spPr>
-        <p:txBody>
-          <a:bodyPr wrap="square" rtlCol="0">
-            <a:spAutoFit/>
-          </a:bodyPr>
-          <a:lstStyle/>
-          <a:p>
-            <a:pPr algn="ctr"/>
-            <a:r>
-              <a:rPr lang="en-US" sz="3600" dirty="0"/>
-              <a:t>Y</a:t>
-            </a:r>
-          </a:p>
-        </p:txBody>
-      </p:sp>
-      <p:sp>
-        <p:nvSpPr>
-          <p:cNvPr id="8" name="TextBox 7">
-            <a:extLst>
-              <a:ext uri="{FF2B5EF4-FFF2-40B4-BE49-F238E27FC236}">
-                <a16:creationId xmlns:a16="http://schemas.microsoft.com/office/drawing/2014/main" id="{EBDFA38F-D383-534A-A574-8EF5CF781A0F}"/>
-              </a:ext>
-            </a:extLst>
-          </p:cNvPr>
-          <p:cNvSpPr txBox="1"/>
-          <p:nvPr/>
-        </p:nvSpPr>
-        <p:spPr>
-          <a:xfrm>
-            <a:off x="9518819" y="3410465"/>
-            <a:ext cx="486034" cy="646331"/>
-          </a:xfrm>
-          <a:prstGeom prst="rect">
-            <a:avLst/>
-          </a:prstGeom>
-          <a:noFill/>
-        </p:spPr>
-        <p:txBody>
-          <a:bodyPr wrap="square" rtlCol="0">
-            <a:spAutoFit/>
-          </a:bodyPr>
-          <a:lstStyle/>
-          <a:p>
-            <a:pPr algn="ctr"/>
-            <a:r>
-              <a:rPr lang="en-US" sz="3600" dirty="0"/>
-              <a:t>Z</a:t>
-            </a:r>
-          </a:p>
-        </p:txBody>
-      </p:sp>
-      <p:sp>
-        <p:nvSpPr>
-          <p:cNvPr id="9" name="TextBox 8">
-            <a:extLst>
-              <a:ext uri="{FF2B5EF4-FFF2-40B4-BE49-F238E27FC236}">
-                <a16:creationId xmlns:a16="http://schemas.microsoft.com/office/drawing/2014/main" id="{E90EDAE7-19BA-674F-B110-E0D71F757A07}"/>
-              </a:ext>
-            </a:extLst>
-          </p:cNvPr>
-          <p:cNvSpPr txBox="1"/>
-          <p:nvPr/>
-        </p:nvSpPr>
-        <p:spPr>
-          <a:xfrm>
-            <a:off x="1857629" y="4793714"/>
-            <a:ext cx="486034" cy="646331"/>
-          </a:xfrm>
-          <a:prstGeom prst="rect">
-            <a:avLst/>
-          </a:prstGeom>
-          <a:noFill/>
-        </p:spPr>
-        <p:txBody>
-          <a:bodyPr wrap="square" rtlCol="0">
-            <a:spAutoFit/>
-          </a:bodyPr>
-          <a:lstStyle/>
-          <a:p>
-            <a:pPr algn="ctr"/>
-            <a:r>
-              <a:rPr lang="en-US" sz="3600" dirty="0"/>
-              <a:t>X</a:t>
-            </a:r>
-          </a:p>
-        </p:txBody>
-      </p:sp>
-      <p:cxnSp>
-        <p:nvCxnSpPr>
-          <p:cNvPr id="10" name="Straight Arrow Connector 9">
-            <a:extLst>
-              <a:ext uri="{FF2B5EF4-FFF2-40B4-BE49-F238E27FC236}">
-                <a16:creationId xmlns:a16="http://schemas.microsoft.com/office/drawing/2014/main" id="{561BEC79-105F-A241-85C3-2DA69624985D}"/>
-              </a:ext>
-            </a:extLst>
-          </p:cNvPr>
-          <p:cNvCxnSpPr>
-            <a:cxnSpLocks/>
-            <a:stCxn id="9" idx="3"/>
-            <a:endCxn id="12" idx="1"/>
-          </p:cNvCxnSpPr>
-          <p:nvPr/>
-        </p:nvCxnSpPr>
-        <p:spPr>
-          <a:xfrm>
-            <a:off x="2343663" y="5116880"/>
-            <a:ext cx="3369275" cy="0"/>
-          </a:xfrm>
-          <a:prstGeom prst="straightConnector1">
-            <a:avLst/>
-          </a:prstGeom>
-          <a:ln w="38100">
-            <a:solidFill>
-              <a:schemeClr val="tx1"/>
-            </a:solidFill>
-            <a:tailEnd type="triangle"/>
-          </a:ln>
-        </p:spPr>
-        <p:style>
-          <a:lnRef idx="1">
-            <a:schemeClr val="accent1"/>
-          </a:lnRef>
-          <a:fillRef idx="0">
-            <a:schemeClr val="accent1"/>
-          </a:fillRef>
-          <a:effectRef idx="0">
-            <a:schemeClr val="accent1"/>
-          </a:effectRef>
-          <a:fontRef idx="minor">
-            <a:schemeClr val="tx1"/>
-          </a:fontRef>
-        </p:style>
-      </p:cxnSp>
-      <p:cxnSp>
-        <p:nvCxnSpPr>
-          <p:cNvPr id="11" name="Straight Arrow Connector 10">
-            <a:extLst>
-              <a:ext uri="{FF2B5EF4-FFF2-40B4-BE49-F238E27FC236}">
-                <a16:creationId xmlns:a16="http://schemas.microsoft.com/office/drawing/2014/main" id="{D96B8551-0DBE-D342-9D47-9C04E29A6298}"/>
-              </a:ext>
-            </a:extLst>
-          </p:cNvPr>
-          <p:cNvCxnSpPr>
-            <a:cxnSpLocks/>
-            <a:stCxn id="12" idx="3"/>
-            <a:endCxn id="13" idx="1"/>
-          </p:cNvCxnSpPr>
-          <p:nvPr/>
-        </p:nvCxnSpPr>
-        <p:spPr>
-          <a:xfrm>
-            <a:off x="6198972" y="5116880"/>
-            <a:ext cx="3319847" cy="0"/>
-          </a:xfrm>
-          <a:prstGeom prst="straightConnector1">
-            <a:avLst/>
-          </a:prstGeom>
-          <a:ln w="38100">
-            <a:solidFill>
-              <a:schemeClr val="tx1"/>
-            </a:solidFill>
-            <a:headEnd type="triangle" w="med" len="med"/>
-            <a:tailEnd type="none" w="med" len="med"/>
-          </a:ln>
-        </p:spPr>
-        <p:style>
-          <a:lnRef idx="1">
-            <a:schemeClr val="accent1"/>
-          </a:lnRef>
-          <a:fillRef idx="0">
-            <a:schemeClr val="accent1"/>
-          </a:fillRef>
-          <a:effectRef idx="0">
-            <a:schemeClr val="accent1"/>
-          </a:effectRef>
-          <a:fontRef idx="minor">
-            <a:schemeClr val="tx1"/>
-          </a:fontRef>
-        </p:style>
-      </p:cxnSp>
-      <p:sp>
-        <p:nvSpPr>
-          <p:cNvPr id="12" name="TextBox 11">
-            <a:extLst>
-              <a:ext uri="{FF2B5EF4-FFF2-40B4-BE49-F238E27FC236}">
-                <a16:creationId xmlns:a16="http://schemas.microsoft.com/office/drawing/2014/main" id="{E34EFCD3-63D5-BA41-AB3E-7C1E265AAF42}"/>
-              </a:ext>
-            </a:extLst>
-          </p:cNvPr>
-          <p:cNvSpPr txBox="1"/>
-          <p:nvPr/>
-        </p:nvSpPr>
-        <p:spPr>
-          <a:xfrm>
-            <a:off x="5712938" y="4793714"/>
-            <a:ext cx="486034" cy="646331"/>
-          </a:xfrm>
-          <a:prstGeom prst="rect">
-            <a:avLst/>
-          </a:prstGeom>
-          <a:noFill/>
-        </p:spPr>
-        <p:txBody>
-          <a:bodyPr wrap="square" rtlCol="0">
-            <a:spAutoFit/>
-          </a:bodyPr>
-          <a:lstStyle/>
-          <a:p>
-            <a:pPr algn="ctr"/>
-            <a:r>
-              <a:rPr lang="en-US" sz="3600" dirty="0"/>
-              <a:t>Y</a:t>
-            </a:r>
-          </a:p>
-        </p:txBody>
-      </p:sp>
-      <p:sp>
-        <p:nvSpPr>
-          <p:cNvPr id="13" name="TextBox 12">
-            <a:extLst>
-              <a:ext uri="{FF2B5EF4-FFF2-40B4-BE49-F238E27FC236}">
-                <a16:creationId xmlns:a16="http://schemas.microsoft.com/office/drawing/2014/main" id="{295EF5AE-8DA4-BA45-A97F-1DAC2BA9B8FF}"/>
-              </a:ext>
-            </a:extLst>
-          </p:cNvPr>
-          <p:cNvSpPr txBox="1"/>
-          <p:nvPr/>
-        </p:nvSpPr>
-        <p:spPr>
-          <a:xfrm>
-            <a:off x="9518819" y="4793714"/>
-            <a:ext cx="486034" cy="646331"/>
-          </a:xfrm>
-          <a:prstGeom prst="rect">
-            <a:avLst/>
-          </a:prstGeom>
-          <a:noFill/>
-        </p:spPr>
-        <p:txBody>
-          <a:bodyPr wrap="square" rtlCol="0">
-            <a:spAutoFit/>
-          </a:bodyPr>
-          <a:lstStyle/>
-          <a:p>
-            <a:pPr algn="ctr"/>
-            <a:r>
-              <a:rPr lang="en-US" sz="3600" dirty="0"/>
-              <a:t>Z</a:t>
-            </a:r>
-          </a:p>
-        </p:txBody>
-      </p:sp>
-    </p:spTree>
-    <p:extLst>
-      <p:ext uri="{BB962C8B-B14F-4D97-AF65-F5344CB8AC3E}">
-        <p14:creationId xmlns:p14="http://schemas.microsoft.com/office/powerpoint/2010/main" val="2261861770"/>
       </p:ext>
     </p:extLst>
   </p:cSld>
@@ -10861,15 +8717,6 @@
 </file>
 
 <file path=customXml/item2.xml><?xml version="1.0" encoding="utf-8"?>
-<?mso-contentType ?>
-<FormTemplates xmlns="http://schemas.microsoft.com/sharepoint/v3/contenttype/forms">
-  <Display>DocumentLibraryForm</Display>
-  <Edit>DocumentLibraryForm</Edit>
-  <New>DocumentLibraryForm</New>
-</FormTemplates>
-</file>
-
-<file path=customXml/item3.xml><?xml version="1.0" encoding="utf-8"?>
 <p:properties xmlns:p="http://schemas.microsoft.com/office/2006/metadata/properties" xmlns:xsi="http://www.w3.org/2001/XMLSchema-instance" xmlns:pc="http://schemas.microsoft.com/office/infopath/2007/PartnerControls">
   <documentManagement>
     <lcf76f155ced4ddcb4097134ff3c332f xmlns="e3793ca1-6164-4dfb-aaf8-0aa60c0c70c2">
@@ -10886,6 +8733,15 @@
     </SharedWithUsers>
   </documentManagement>
 </p:properties>
+</file>
+
+<file path=customXml/item3.xml><?xml version="1.0" encoding="utf-8"?>
+<?mso-contentType ?>
+<FormTemplates xmlns="http://schemas.microsoft.com/sharepoint/v3/contenttype/forms">
+  <Display>DocumentLibraryForm</Display>
+  <Edit>DocumentLibraryForm</Edit>
+  <New>DocumentLibraryForm</New>
+</FormTemplates>
 </file>
 
 <file path=customXml/itemProps1.xml><?xml version="1.0" encoding="utf-8"?>
@@ -10908,14 +8764,6 @@
 </file>
 
 <file path=customXml/itemProps2.xml><?xml version="1.0" encoding="utf-8"?>
-<ds:datastoreItem xmlns:ds="http://schemas.openxmlformats.org/officeDocument/2006/customXml" ds:itemID="{E1D4919A-BAF3-4AE4-9F7A-40F7560C4A6C}">
-  <ds:schemaRefs>
-    <ds:schemaRef ds:uri="http://schemas.microsoft.com/sharepoint/v3/contenttype/forms"/>
-  </ds:schemaRefs>
-</ds:datastoreItem>
-</file>
-
-<file path=customXml/itemProps3.xml><?xml version="1.0" encoding="utf-8"?>
 <ds:datastoreItem xmlns:ds="http://schemas.openxmlformats.org/officeDocument/2006/customXml" ds:itemID="{51782BA8-3A3F-4079-A302-D5F880984651}">
   <ds:schemaRefs>
     <ds:schemaRef ds:uri="http://www.w3.org/XML/1998/namespace"/>
@@ -10930,4 +8778,12 @@
     <ds:schemaRef ds:uri="http://purl.org/dc/dcmitype/"/>
   </ds:schemaRefs>
 </ds:datastoreItem>
+</file>
+
+<file path=customXml/itemProps3.xml><?xml version="1.0" encoding="utf-8"?>
+<ds:datastoreItem xmlns:ds="http://schemas.openxmlformats.org/officeDocument/2006/customXml" ds:itemID="{E1D4919A-BAF3-4AE4-9F7A-40F7560C4A6C}">
+  <ds:schemaRefs>
+    <ds:schemaRef ds:uri="http://schemas.microsoft.com/sharepoint/v3/contenttype/forms"/>
+  </ds:schemaRefs>
+</ds:datastoreItem>
 </file>